--- a/3. 2학년1학기/지능화 파일럿 프로젝트/[지능화파일럿] 프로젝트 계획서_(양식).pptx
+++ b/3. 2학년1학기/지능화 파일럿 프로젝트/[지능화파일럿] 프로젝트 계획서_(양식).pptx
@@ -5,26 +5,27 @@
     <p:sldMasterId id="2147483660" r:id="rId4"/>
   </p:sldMasterIdLst>
   <p:notesMasterIdLst>
-    <p:notesMasterId r:id="rId22"/>
+    <p:notesMasterId r:id="rId23"/>
   </p:notesMasterIdLst>
   <p:sldIdLst>
     <p:sldId id="300" r:id="rId5"/>
     <p:sldId id="302" r:id="rId6"/>
     <p:sldId id="304" r:id="rId7"/>
-    <p:sldId id="314" r:id="rId8"/>
-    <p:sldId id="315" r:id="rId9"/>
-    <p:sldId id="316" r:id="rId10"/>
-    <p:sldId id="313" r:id="rId11"/>
-    <p:sldId id="317" r:id="rId12"/>
-    <p:sldId id="318" r:id="rId13"/>
-    <p:sldId id="319" r:id="rId14"/>
-    <p:sldId id="320" r:id="rId15"/>
-    <p:sldId id="324" r:id="rId16"/>
-    <p:sldId id="321" r:id="rId17"/>
-    <p:sldId id="322" r:id="rId18"/>
-    <p:sldId id="323" r:id="rId19"/>
-    <p:sldId id="305" r:id="rId20"/>
-    <p:sldId id="303" r:id="rId21"/>
+    <p:sldId id="326" r:id="rId8"/>
+    <p:sldId id="314" r:id="rId9"/>
+    <p:sldId id="315" r:id="rId10"/>
+    <p:sldId id="316" r:id="rId11"/>
+    <p:sldId id="313" r:id="rId12"/>
+    <p:sldId id="317" r:id="rId13"/>
+    <p:sldId id="318" r:id="rId14"/>
+    <p:sldId id="319" r:id="rId15"/>
+    <p:sldId id="320" r:id="rId16"/>
+    <p:sldId id="324" r:id="rId17"/>
+    <p:sldId id="321" r:id="rId18"/>
+    <p:sldId id="322" r:id="rId19"/>
+    <p:sldId id="323" r:id="rId20"/>
+    <p:sldId id="305" r:id="rId21"/>
+    <p:sldId id="303" r:id="rId22"/>
   </p:sldIdLst>
   <p:sldSz cx="10691813" cy="7559675"/>
   <p:notesSz cx="6797675" cy="9926638"/>
@@ -239,7 +240,7 @@
           <a:p>
             <a:fld id="{5948A9AF-572E-4872-BEC0-7C4F79FCE70F}" type="datetimeFigureOut">
               <a:rPr lang="ko-KR" altLang="en-US" smtClean="0"/>
-              <a:t>2024-05-23</a:t>
+              <a:t>2024-09-28</a:t>
             </a:fld>
             <a:endParaRPr lang="ko-KR" altLang="en-US"/>
           </a:p>
@@ -571,7 +572,7 @@
           <a:p>
             <a:fld id="{D724670A-C086-4EFE-B9A5-EA1DDAEA4646}" type="slidenum">
               <a:rPr lang="ko-KR" altLang="en-US" smtClean="0"/>
-              <a:t>16</a:t>
+              <a:t>17</a:t>
             </a:fld>
             <a:endParaRPr lang="ko-KR" altLang="en-US"/>
           </a:p>
@@ -2760,9 +2761,9 @@
                 <a:latin typeface="맑은 고딕" panose="020B0503020000020004" pitchFamily="50" charset="-127"/>
                 <a:ea typeface="맑은 고딕" panose="020B0503020000020004" pitchFamily="50" charset="-127"/>
               </a:rPr>
-              <a:t>심층 컨볼루션 신경망을 이용한 반도체 </a:t>
-            </a:r>
-            <a:endParaRPr lang="en-US" altLang="ko-KR" sz="2400" b="1">
+              <a:t>라인스캔 카메라 이미지를 활용한</a:t>
+            </a:r>
+            <a:endParaRPr lang="en-US" altLang="ko-KR" sz="2400" b="1" dirty="0">
               <a:ln w="1270">
                 <a:noFill/>
               </a:ln>
@@ -2786,7 +2787,7 @@
               <a:defRPr/>
             </a:pPr>
             <a:r>
-              <a:rPr lang="ko-KR" altLang="en-US" sz="2400" b="1">
+              <a:rPr lang="en-US" altLang="ko-KR" sz="2400" b="1" dirty="0">
                 <a:ln w="1270">
                   <a:noFill/>
                 </a:ln>
@@ -2804,9 +2805,72 @@
                 <a:latin typeface="맑은 고딕" panose="020B0503020000020004" pitchFamily="50" charset="-127"/>
                 <a:ea typeface="맑은 고딕" panose="020B0503020000020004" pitchFamily="50" charset="-127"/>
               </a:rPr>
-              <a:t>웨이퍼 불량 분류</a:t>
-            </a:r>
-            <a:endParaRPr lang="en-US" altLang="ko-KR" sz="2400" b="1">
+              <a:t>Auto-Encoder</a:t>
+            </a:r>
+            <a:r>
+              <a:rPr lang="ko-KR" altLang="en-US" sz="2400" b="1" dirty="0">
+                <a:ln w="1270">
+                  <a:noFill/>
+                </a:ln>
+                <a:gradFill>
+                  <a:gsLst>
+                    <a:gs pos="95413">
+                      <a:schemeClr val="bg1"/>
+                    </a:gs>
+                    <a:gs pos="86239">
+                      <a:schemeClr val="bg1"/>
+                    </a:gs>
+                  </a:gsLst>
+                  <a:lin ang="5400000" scaled="1"/>
+                </a:gradFill>
+                <a:latin typeface="맑은 고딕" panose="020B0503020000020004" pitchFamily="50" charset="-127"/>
+                <a:ea typeface="맑은 고딕" panose="020B0503020000020004" pitchFamily="50" charset="-127"/>
+              </a:rPr>
+              <a:t> 기반 </a:t>
+            </a:r>
+            <a:r>
+              <a:rPr lang="en-US" altLang="ko-KR" sz="2400" b="1" dirty="0">
+                <a:ln w="1270">
+                  <a:noFill/>
+                </a:ln>
+                <a:gradFill>
+                  <a:gsLst>
+                    <a:gs pos="95413">
+                      <a:schemeClr val="bg1"/>
+                    </a:gs>
+                    <a:gs pos="86239">
+                      <a:schemeClr val="bg1"/>
+                    </a:gs>
+                  </a:gsLst>
+                  <a:lin ang="5400000" scaled="1"/>
+                </a:gradFill>
+                <a:latin typeface="맑은 고딕" panose="020B0503020000020004" pitchFamily="50" charset="-127"/>
+                <a:ea typeface="맑은 고딕" panose="020B0503020000020004" pitchFamily="50" charset="-127"/>
+              </a:rPr>
+              <a:t>PCB </a:t>
+            </a:r>
+            <a:r>
+              <a:rPr lang="ko-KR" altLang="en-US" sz="2400" b="1" dirty="0">
+                <a:ln w="1270">
+                  <a:noFill/>
+                </a:ln>
+                <a:gradFill>
+                  <a:gsLst>
+                    <a:gs pos="95413">
+                      <a:schemeClr val="bg1"/>
+                    </a:gs>
+                    <a:gs pos="86239">
+                      <a:schemeClr val="bg1"/>
+                    </a:gs>
+                  </a:gsLst>
+                  <a:lin ang="5400000" scaled="1"/>
+                </a:gradFill>
+                <a:latin typeface="맑은 고딕" panose="020B0503020000020004" pitchFamily="50" charset="-127"/>
+                <a:ea typeface="맑은 고딕" panose="020B0503020000020004" pitchFamily="50" charset="-127"/>
+              </a:rPr>
+              <a:t>불량 검출</a:t>
+            </a:r>
+            <a:endParaRPr lang="en-US" altLang="ko-KR" sz="2400" b="1" dirty="0">
               <a:ln w="1270">
                 <a:noFill/>
               </a:ln>
@@ -2830,7 +2894,7 @@
               <a:defRPr/>
             </a:pPr>
             <a:r>
-              <a:rPr lang="en-US" altLang="ko-KR" sz="1800" b="1">
+              <a:rPr lang="en-US" altLang="ko-KR" sz="1800" b="1" dirty="0">
                 <a:ln w="1270">
                   <a:noFill/>
                 </a:ln>
@@ -3144,6 +3208,1474 @@
 </file>
 
 <file path=ppt/slides/slide10.xml><?xml version="1.0" encoding="utf-8"?>
+<p:sld xmlns:a="http://schemas.openxmlformats.org/drawingml/2006/main" xmlns:r="http://schemas.openxmlformats.org/officeDocument/2006/relationships" xmlns:p="http://schemas.openxmlformats.org/presentationml/2006/main">
+  <p:cSld>
+    <p:spTree>
+      <p:nvGrpSpPr>
+        <p:cNvPr id="1" name=""/>
+        <p:cNvGrpSpPr/>
+        <p:nvPr/>
+      </p:nvGrpSpPr>
+      <p:grpSpPr>
+        <a:xfrm>
+          <a:off x="0" y="0"/>
+          <a:ext cx="0" cy="0"/>
+          <a:chOff x="0" y="0"/>
+          <a:chExt cx="0" cy="0"/>
+        </a:xfrm>
+      </p:grpSpPr>
+      <p:grpSp>
+        <p:nvGrpSpPr>
+          <p:cNvPr id="19" name="그룹 18">
+            <a:extLst>
+              <a:ext uri="{FF2B5EF4-FFF2-40B4-BE49-F238E27FC236}">
+                <a16:creationId xmlns:a16="http://schemas.microsoft.com/office/drawing/2014/main" id="{4B3D5BE7-1783-4FFD-B53F-ECFABAABA225}"/>
+              </a:ext>
+            </a:extLst>
+          </p:cNvPr>
+          <p:cNvGrpSpPr/>
+          <p:nvPr/>
+        </p:nvGrpSpPr>
+        <p:grpSpPr>
+          <a:xfrm>
+            <a:off x="430306" y="1408458"/>
+            <a:ext cx="5243445" cy="381458"/>
+            <a:chOff x="430306" y="1408458"/>
+            <a:chExt cx="5243445" cy="381458"/>
+          </a:xfrm>
+        </p:grpSpPr>
+        <p:sp>
+          <p:nvSpPr>
+            <p:cNvPr id="9" name="TextBox 36">
+              <a:extLst>
+                <a:ext uri="{FF2B5EF4-FFF2-40B4-BE49-F238E27FC236}">
+                  <a16:creationId xmlns:a16="http://schemas.microsoft.com/office/drawing/2014/main" id="{9A191EE6-9298-4489-86B3-1A36CB5A408E}"/>
+                </a:ext>
+              </a:extLst>
+            </p:cNvPr>
+            <p:cNvSpPr txBox="1"/>
+            <p:nvPr/>
+          </p:nvSpPr>
+          <p:spPr>
+            <a:xfrm>
+              <a:off x="1304365" y="1443791"/>
+              <a:ext cx="4369386" cy="276999"/>
+            </a:xfrm>
+            <a:prstGeom prst="rect">
+              <a:avLst/>
+            </a:prstGeom>
+            <a:noFill/>
+          </p:spPr>
+          <p:txBody>
+            <a:bodyPr wrap="square" lIns="0" tIns="0" rIns="0" bIns="0" rtlCol="0" anchor="t" anchorCtr="0">
+              <a:spAutoFit/>
+            </a:bodyPr>
+            <a:lstStyle>
+              <a:defPPr>
+                <a:defRPr lang="ko-KR"/>
+              </a:defPPr>
+              <a:lvl1pPr algn="l" rtl="0" fontAlgn="base" latinLnBrk="1">
+                <a:spcBef>
+                  <a:spcPct val="0"/>
+                </a:spcBef>
+                <a:spcAft>
+                  <a:spcPct val="0"/>
+                </a:spcAft>
+                <a:defRPr kumimoji="1" sz="1306" kern="1200">
+                  <a:solidFill>
+                    <a:srgbClr val="292929"/>
+                  </a:solidFill>
+                  <a:latin typeface="Rix모던고딕 EB" pitchFamily="18" charset="-127"/>
+                  <a:ea typeface="굴림" charset="-127"/>
+                  <a:cs typeface="+mn-cs"/>
+                </a:defRPr>
+              </a:lvl1pPr>
+              <a:lvl2pPr marL="494297" indent="3457" algn="l" rtl="0" fontAlgn="base" latinLnBrk="1">
+                <a:spcBef>
+                  <a:spcPct val="0"/>
+                </a:spcBef>
+                <a:spcAft>
+                  <a:spcPct val="0"/>
+                </a:spcAft>
+                <a:defRPr kumimoji="1" sz="1306" kern="1200">
+                  <a:solidFill>
+                    <a:srgbClr val="292929"/>
+                  </a:solidFill>
+                  <a:latin typeface="Rix모던고딕 EB" pitchFamily="18" charset="-127"/>
+                  <a:ea typeface="굴림" charset="-127"/>
+                  <a:cs typeface="+mn-cs"/>
+                </a:defRPr>
+              </a:lvl2pPr>
+              <a:lvl3pPr marL="990323" indent="5185" algn="l" rtl="0" fontAlgn="base" latinLnBrk="1">
+                <a:spcBef>
+                  <a:spcPct val="0"/>
+                </a:spcBef>
+                <a:spcAft>
+                  <a:spcPct val="0"/>
+                </a:spcAft>
+                <a:defRPr kumimoji="1" sz="1306" kern="1200">
+                  <a:solidFill>
+                    <a:srgbClr val="292929"/>
+                  </a:solidFill>
+                  <a:latin typeface="Rix모던고딕 EB" pitchFamily="18" charset="-127"/>
+                  <a:ea typeface="굴림" charset="-127"/>
+                  <a:cs typeface="+mn-cs"/>
+                </a:defRPr>
+              </a:lvl3pPr>
+              <a:lvl4pPr marL="1486348" indent="6913" algn="l" rtl="0" fontAlgn="base" latinLnBrk="1">
+                <a:spcBef>
+                  <a:spcPct val="0"/>
+                </a:spcBef>
+                <a:spcAft>
+                  <a:spcPct val="0"/>
+                </a:spcAft>
+                <a:defRPr kumimoji="1" sz="1306" kern="1200">
+                  <a:solidFill>
+                    <a:srgbClr val="292929"/>
+                  </a:solidFill>
+                  <a:latin typeface="Rix모던고딕 EB" pitchFamily="18" charset="-127"/>
+                  <a:ea typeface="굴림" charset="-127"/>
+                  <a:cs typeface="+mn-cs"/>
+                </a:defRPr>
+              </a:lvl4pPr>
+              <a:lvl5pPr marL="1980645" indent="10370" algn="l" rtl="0" fontAlgn="base" latinLnBrk="1">
+                <a:spcBef>
+                  <a:spcPct val="0"/>
+                </a:spcBef>
+                <a:spcAft>
+                  <a:spcPct val="0"/>
+                </a:spcAft>
+                <a:defRPr kumimoji="1" sz="1306" kern="1200">
+                  <a:solidFill>
+                    <a:srgbClr val="292929"/>
+                  </a:solidFill>
+                  <a:latin typeface="Rix모던고딕 EB" pitchFamily="18" charset="-127"/>
+                  <a:ea typeface="굴림" charset="-127"/>
+                  <a:cs typeface="+mn-cs"/>
+                </a:defRPr>
+              </a:lvl5pPr>
+              <a:lvl6pPr marL="2488768" algn="l" defTabSz="995507" rtl="0" eaLnBrk="1" latinLnBrk="1" hangingPunct="1">
+                <a:defRPr kumimoji="1" sz="1306" kern="1200">
+                  <a:solidFill>
+                    <a:srgbClr val="292929"/>
+                  </a:solidFill>
+                  <a:latin typeface="Rix모던고딕 EB" pitchFamily="18" charset="-127"/>
+                  <a:ea typeface="굴림" charset="-127"/>
+                  <a:cs typeface="+mn-cs"/>
+                </a:defRPr>
+              </a:lvl6pPr>
+              <a:lvl7pPr marL="2986522" algn="l" defTabSz="995507" rtl="0" eaLnBrk="1" latinLnBrk="1" hangingPunct="1">
+                <a:defRPr kumimoji="1" sz="1306" kern="1200">
+                  <a:solidFill>
+                    <a:srgbClr val="292929"/>
+                  </a:solidFill>
+                  <a:latin typeface="Rix모던고딕 EB" pitchFamily="18" charset="-127"/>
+                  <a:ea typeface="굴림" charset="-127"/>
+                  <a:cs typeface="+mn-cs"/>
+                </a:defRPr>
+              </a:lvl7pPr>
+              <a:lvl8pPr marL="3484275" algn="l" defTabSz="995507" rtl="0" eaLnBrk="1" latinLnBrk="1" hangingPunct="1">
+                <a:defRPr kumimoji="1" sz="1306" kern="1200">
+                  <a:solidFill>
+                    <a:srgbClr val="292929"/>
+                  </a:solidFill>
+                  <a:latin typeface="Rix모던고딕 EB" pitchFamily="18" charset="-127"/>
+                  <a:ea typeface="굴림" charset="-127"/>
+                  <a:cs typeface="+mn-cs"/>
+                </a:defRPr>
+              </a:lvl8pPr>
+              <a:lvl9pPr marL="3982029" algn="l" defTabSz="995507" rtl="0" eaLnBrk="1" latinLnBrk="1" hangingPunct="1">
+                <a:defRPr kumimoji="1" sz="1306" kern="1200">
+                  <a:solidFill>
+                    <a:srgbClr val="292929"/>
+                  </a:solidFill>
+                  <a:latin typeface="Rix모던고딕 EB" pitchFamily="18" charset="-127"/>
+                  <a:ea typeface="굴림" charset="-127"/>
+                  <a:cs typeface="+mn-cs"/>
+                </a:defRPr>
+              </a:lvl9pPr>
+            </a:lstStyle>
+            <a:p>
+              <a:pPr>
+                <a:defRPr/>
+              </a:pPr>
+              <a:r>
+                <a:rPr lang="en-US" altLang="ko-KR" sz="1800" b="1">
+                  <a:ln w="1270">
+                    <a:noFill/>
+                  </a:ln>
+                  <a:solidFill>
+                    <a:schemeClr val="tx1"/>
+                  </a:solidFill>
+                  <a:latin typeface="맑은 고딕" panose="020B0503020000020004" pitchFamily="50" charset="-127"/>
+                  <a:ea typeface="맑은 고딕" panose="020B0503020000020004" pitchFamily="50" charset="-127"/>
+                </a:rPr>
+                <a:t>Convolutional Neural Network (CNN)</a:t>
+              </a:r>
+              <a:endParaRPr lang="ko-KR" altLang="en-US" sz="1800" b="1" dirty="0">
+                <a:ln w="1270">
+                  <a:noFill/>
+                </a:ln>
+                <a:solidFill>
+                  <a:schemeClr val="tx1"/>
+                </a:solidFill>
+                <a:latin typeface="맑은 고딕" panose="020B0503020000020004" pitchFamily="50" charset="-127"/>
+                <a:ea typeface="맑은 고딕" panose="020B0503020000020004" pitchFamily="50" charset="-127"/>
+              </a:endParaRPr>
+            </a:p>
+          </p:txBody>
+        </p:sp>
+        <p:grpSp>
+          <p:nvGrpSpPr>
+            <p:cNvPr id="10" name="그룹 9">
+              <a:extLst>
+                <a:ext uri="{FF2B5EF4-FFF2-40B4-BE49-F238E27FC236}">
+                  <a16:creationId xmlns:a16="http://schemas.microsoft.com/office/drawing/2014/main" id="{8ADE7D31-892C-4F9A-A0C0-D85558E7C19B}"/>
+                </a:ext>
+              </a:extLst>
+            </p:cNvPr>
+            <p:cNvGrpSpPr/>
+            <p:nvPr/>
+          </p:nvGrpSpPr>
+          <p:grpSpPr>
+            <a:xfrm>
+              <a:off x="430306" y="1408458"/>
+              <a:ext cx="729983" cy="381458"/>
+              <a:chOff x="6228680" y="6884181"/>
+              <a:chExt cx="667988" cy="249385"/>
+            </a:xfrm>
+          </p:grpSpPr>
+          <p:sp>
+            <p:nvSpPr>
+              <p:cNvPr id="11" name="사각형: 둥근 위쪽 모서리 24">
+                <a:extLst>
+                  <a:ext uri="{FF2B5EF4-FFF2-40B4-BE49-F238E27FC236}">
+                    <a16:creationId xmlns:a16="http://schemas.microsoft.com/office/drawing/2014/main" id="{20CCB7A7-7F67-425E-819E-6BE9496F6BF2}"/>
+                  </a:ext>
+                </a:extLst>
+              </p:cNvPr>
+              <p:cNvSpPr/>
+              <p:nvPr/>
+            </p:nvSpPr>
+            <p:spPr>
+              <a:xfrm rot="5400000">
+                <a:off x="6437981" y="6674880"/>
+                <a:ext cx="249385" cy="667988"/>
+              </a:xfrm>
+              <a:prstGeom prst="round2SameRect">
+                <a:avLst>
+                  <a:gd name="adj1" fmla="val 50000"/>
+                  <a:gd name="adj2" fmla="val 0"/>
+                </a:avLst>
+              </a:prstGeom>
+              <a:gradFill>
+                <a:gsLst>
+                  <a:gs pos="22000">
+                    <a:schemeClr val="tx1">
+                      <a:alpha val="50000"/>
+                    </a:schemeClr>
+                  </a:gs>
+                  <a:gs pos="100000">
+                    <a:schemeClr val="tx1">
+                      <a:alpha val="0"/>
+                    </a:schemeClr>
+                  </a:gs>
+                </a:gsLst>
+                <a:lin ang="5400000" scaled="1"/>
+              </a:gradFill>
+              <a:ln w="12700">
+                <a:gradFill>
+                  <a:gsLst>
+                    <a:gs pos="9000">
+                      <a:schemeClr val="bg1"/>
+                    </a:gs>
+                    <a:gs pos="92000">
+                      <a:schemeClr val="bg1">
+                        <a:alpha val="0"/>
+                      </a:schemeClr>
+                    </a:gs>
+                  </a:gsLst>
+                  <a:lin ang="5400000" scaled="1"/>
+                </a:gradFill>
+              </a:ln>
+            </p:spPr>
+            <p:style>
+              <a:lnRef idx="2">
+                <a:schemeClr val="accent1">
+                  <a:shade val="50000"/>
+                </a:schemeClr>
+              </a:lnRef>
+              <a:fillRef idx="1">
+                <a:schemeClr val="accent1"/>
+              </a:fillRef>
+              <a:effectRef idx="0">
+                <a:schemeClr val="accent1"/>
+              </a:effectRef>
+              <a:fontRef idx="minor">
+                <a:schemeClr val="lt1"/>
+              </a:fontRef>
+            </p:style>
+            <p:txBody>
+              <a:bodyPr rtlCol="0" anchor="ctr"/>
+              <a:lstStyle/>
+              <a:p>
+                <a:pPr algn="ctr" defTabSz="914400" latinLnBrk="1"/>
+                <a:endParaRPr lang="ko-KR" altLang="en-US" b="1" dirty="0">
+                  <a:latin typeface="맑은 고딕" panose="020B0503020000020004" pitchFamily="50" charset="-127"/>
+                </a:endParaRPr>
+              </a:p>
+            </p:txBody>
+          </p:sp>
+          <p:sp>
+            <p:nvSpPr>
+              <p:cNvPr id="12" name="TextBox 11">
+                <a:extLst>
+                  <a:ext uri="{FF2B5EF4-FFF2-40B4-BE49-F238E27FC236}">
+                    <a16:creationId xmlns:a16="http://schemas.microsoft.com/office/drawing/2014/main" id="{70A2ACFD-6DB0-4A53-A887-B85DDD5DB5CB}"/>
+                  </a:ext>
+                </a:extLst>
+              </p:cNvPr>
+              <p:cNvSpPr txBox="1"/>
+              <p:nvPr/>
+            </p:nvSpPr>
+            <p:spPr>
+              <a:xfrm>
+                <a:off x="6528557" y="6904142"/>
+                <a:ext cx="264927" cy="181093"/>
+              </a:xfrm>
+              <a:prstGeom prst="rect">
+                <a:avLst/>
+              </a:prstGeom>
+              <a:noFill/>
+            </p:spPr>
+            <p:txBody>
+              <a:bodyPr wrap="square" lIns="0" tIns="0" rIns="0" bIns="0">
+                <a:spAutoFit/>
+              </a:bodyPr>
+              <a:lstStyle/>
+              <a:p>
+                <a:pPr algn="ctr" fontAlgn="base" latinLnBrk="1">
+                  <a:spcBef>
+                    <a:spcPct val="0"/>
+                  </a:spcBef>
+                  <a:spcAft>
+                    <a:spcPct val="0"/>
+                  </a:spcAft>
+                  <a:defRPr/>
+                </a:pPr>
+                <a:r>
+                  <a:rPr kumimoji="1" lang="en-US" altLang="ko-KR" b="1" spc="-80" dirty="0">
+                    <a:ln w="1270">
+                      <a:solidFill>
+                        <a:schemeClr val="bg1">
+                          <a:alpha val="0"/>
+                        </a:schemeClr>
+                      </a:solidFill>
+                    </a:ln>
+                    <a:solidFill>
+                      <a:schemeClr val="bg1"/>
+                    </a:solidFill>
+                    <a:latin typeface="맑은 고딕" panose="020B0503020000020004" pitchFamily="50" charset="-127"/>
+                    <a:ea typeface="맑은 고딕" panose="020B0503020000020004" pitchFamily="50" charset="-127"/>
+                  </a:rPr>
+                  <a:t>1.</a:t>
+                </a:r>
+                <a:endParaRPr kumimoji="1" lang="ko-KR" altLang="en-US" b="1" spc="-80" dirty="0">
+                  <a:ln w="1270">
+                    <a:solidFill>
+                      <a:schemeClr val="bg1">
+                        <a:alpha val="0"/>
+                      </a:schemeClr>
+                    </a:solidFill>
+                  </a:ln>
+                  <a:solidFill>
+                    <a:schemeClr val="bg1"/>
+                  </a:solidFill>
+                  <a:latin typeface="맑은 고딕" panose="020B0503020000020004" pitchFamily="50" charset="-127"/>
+                  <a:ea typeface="맑은 고딕" panose="020B0503020000020004" pitchFamily="50" charset="-127"/>
+                </a:endParaRPr>
+              </a:p>
+            </p:txBody>
+          </p:sp>
+        </p:grpSp>
+      </p:grpSp>
+      <p:grpSp>
+        <p:nvGrpSpPr>
+          <p:cNvPr id="20" name="그룹 19">
+            <a:extLst>
+              <a:ext uri="{FF2B5EF4-FFF2-40B4-BE49-F238E27FC236}">
+                <a16:creationId xmlns:a16="http://schemas.microsoft.com/office/drawing/2014/main" id="{EC04649D-126C-4D6F-99B4-7178CF407889}"/>
+              </a:ext>
+            </a:extLst>
+          </p:cNvPr>
+          <p:cNvGrpSpPr/>
+          <p:nvPr/>
+        </p:nvGrpSpPr>
+        <p:grpSpPr>
+          <a:xfrm>
+            <a:off x="430305" y="2937973"/>
+            <a:ext cx="5009989" cy="381458"/>
+            <a:chOff x="430306" y="1408458"/>
+            <a:chExt cx="5009989" cy="381458"/>
+          </a:xfrm>
+        </p:grpSpPr>
+        <p:sp>
+          <p:nvSpPr>
+            <p:cNvPr id="21" name="TextBox 36">
+              <a:extLst>
+                <a:ext uri="{FF2B5EF4-FFF2-40B4-BE49-F238E27FC236}">
+                  <a16:creationId xmlns:a16="http://schemas.microsoft.com/office/drawing/2014/main" id="{DF466B7E-EBB2-45A0-BCE3-7D651F0183FC}"/>
+                </a:ext>
+              </a:extLst>
+            </p:cNvPr>
+            <p:cNvSpPr txBox="1"/>
+            <p:nvPr/>
+          </p:nvSpPr>
+          <p:spPr>
+            <a:xfrm>
+              <a:off x="1304364" y="1443791"/>
+              <a:ext cx="4135931" cy="276999"/>
+            </a:xfrm>
+            <a:prstGeom prst="rect">
+              <a:avLst/>
+            </a:prstGeom>
+            <a:noFill/>
+          </p:spPr>
+          <p:txBody>
+            <a:bodyPr wrap="square" lIns="0" tIns="0" rIns="0" bIns="0" rtlCol="0" anchor="t" anchorCtr="0">
+              <a:spAutoFit/>
+            </a:bodyPr>
+            <a:lstStyle>
+              <a:defPPr>
+                <a:defRPr lang="ko-KR"/>
+              </a:defPPr>
+              <a:lvl1pPr algn="l" rtl="0" fontAlgn="base" latinLnBrk="1">
+                <a:spcBef>
+                  <a:spcPct val="0"/>
+                </a:spcBef>
+                <a:spcAft>
+                  <a:spcPct val="0"/>
+                </a:spcAft>
+                <a:defRPr kumimoji="1" sz="1306" kern="1200">
+                  <a:solidFill>
+                    <a:srgbClr val="292929"/>
+                  </a:solidFill>
+                  <a:latin typeface="Rix모던고딕 EB" pitchFamily="18" charset="-127"/>
+                  <a:ea typeface="굴림" charset="-127"/>
+                  <a:cs typeface="+mn-cs"/>
+                </a:defRPr>
+              </a:lvl1pPr>
+              <a:lvl2pPr marL="494297" indent="3457" algn="l" rtl="0" fontAlgn="base" latinLnBrk="1">
+                <a:spcBef>
+                  <a:spcPct val="0"/>
+                </a:spcBef>
+                <a:spcAft>
+                  <a:spcPct val="0"/>
+                </a:spcAft>
+                <a:defRPr kumimoji="1" sz="1306" kern="1200">
+                  <a:solidFill>
+                    <a:srgbClr val="292929"/>
+                  </a:solidFill>
+                  <a:latin typeface="Rix모던고딕 EB" pitchFamily="18" charset="-127"/>
+                  <a:ea typeface="굴림" charset="-127"/>
+                  <a:cs typeface="+mn-cs"/>
+                </a:defRPr>
+              </a:lvl2pPr>
+              <a:lvl3pPr marL="990323" indent="5185" algn="l" rtl="0" fontAlgn="base" latinLnBrk="1">
+                <a:spcBef>
+                  <a:spcPct val="0"/>
+                </a:spcBef>
+                <a:spcAft>
+                  <a:spcPct val="0"/>
+                </a:spcAft>
+                <a:defRPr kumimoji="1" sz="1306" kern="1200">
+                  <a:solidFill>
+                    <a:srgbClr val="292929"/>
+                  </a:solidFill>
+                  <a:latin typeface="Rix모던고딕 EB" pitchFamily="18" charset="-127"/>
+                  <a:ea typeface="굴림" charset="-127"/>
+                  <a:cs typeface="+mn-cs"/>
+                </a:defRPr>
+              </a:lvl3pPr>
+              <a:lvl4pPr marL="1486348" indent="6913" algn="l" rtl="0" fontAlgn="base" latinLnBrk="1">
+                <a:spcBef>
+                  <a:spcPct val="0"/>
+                </a:spcBef>
+                <a:spcAft>
+                  <a:spcPct val="0"/>
+                </a:spcAft>
+                <a:defRPr kumimoji="1" sz="1306" kern="1200">
+                  <a:solidFill>
+                    <a:srgbClr val="292929"/>
+                  </a:solidFill>
+                  <a:latin typeface="Rix모던고딕 EB" pitchFamily="18" charset="-127"/>
+                  <a:ea typeface="굴림" charset="-127"/>
+                  <a:cs typeface="+mn-cs"/>
+                </a:defRPr>
+              </a:lvl4pPr>
+              <a:lvl5pPr marL="1980645" indent="10370" algn="l" rtl="0" fontAlgn="base" latinLnBrk="1">
+                <a:spcBef>
+                  <a:spcPct val="0"/>
+                </a:spcBef>
+                <a:spcAft>
+                  <a:spcPct val="0"/>
+                </a:spcAft>
+                <a:defRPr kumimoji="1" sz="1306" kern="1200">
+                  <a:solidFill>
+                    <a:srgbClr val="292929"/>
+                  </a:solidFill>
+                  <a:latin typeface="Rix모던고딕 EB" pitchFamily="18" charset="-127"/>
+                  <a:ea typeface="굴림" charset="-127"/>
+                  <a:cs typeface="+mn-cs"/>
+                </a:defRPr>
+              </a:lvl5pPr>
+              <a:lvl6pPr marL="2488768" algn="l" defTabSz="995507" rtl="0" eaLnBrk="1" latinLnBrk="1" hangingPunct="1">
+                <a:defRPr kumimoji="1" sz="1306" kern="1200">
+                  <a:solidFill>
+                    <a:srgbClr val="292929"/>
+                  </a:solidFill>
+                  <a:latin typeface="Rix모던고딕 EB" pitchFamily="18" charset="-127"/>
+                  <a:ea typeface="굴림" charset="-127"/>
+                  <a:cs typeface="+mn-cs"/>
+                </a:defRPr>
+              </a:lvl6pPr>
+              <a:lvl7pPr marL="2986522" algn="l" defTabSz="995507" rtl="0" eaLnBrk="1" latinLnBrk="1" hangingPunct="1">
+                <a:defRPr kumimoji="1" sz="1306" kern="1200">
+                  <a:solidFill>
+                    <a:srgbClr val="292929"/>
+                  </a:solidFill>
+                  <a:latin typeface="Rix모던고딕 EB" pitchFamily="18" charset="-127"/>
+                  <a:ea typeface="굴림" charset="-127"/>
+                  <a:cs typeface="+mn-cs"/>
+                </a:defRPr>
+              </a:lvl7pPr>
+              <a:lvl8pPr marL="3484275" algn="l" defTabSz="995507" rtl="0" eaLnBrk="1" latinLnBrk="1" hangingPunct="1">
+                <a:defRPr kumimoji="1" sz="1306" kern="1200">
+                  <a:solidFill>
+                    <a:srgbClr val="292929"/>
+                  </a:solidFill>
+                  <a:latin typeface="Rix모던고딕 EB" pitchFamily="18" charset="-127"/>
+                  <a:ea typeface="굴림" charset="-127"/>
+                  <a:cs typeface="+mn-cs"/>
+                </a:defRPr>
+              </a:lvl8pPr>
+              <a:lvl9pPr marL="3982029" algn="l" defTabSz="995507" rtl="0" eaLnBrk="1" latinLnBrk="1" hangingPunct="1">
+                <a:defRPr kumimoji="1" sz="1306" kern="1200">
+                  <a:solidFill>
+                    <a:srgbClr val="292929"/>
+                  </a:solidFill>
+                  <a:latin typeface="Rix모던고딕 EB" pitchFamily="18" charset="-127"/>
+                  <a:ea typeface="굴림" charset="-127"/>
+                  <a:cs typeface="+mn-cs"/>
+                </a:defRPr>
+              </a:lvl9pPr>
+            </a:lstStyle>
+            <a:p>
+              <a:pPr>
+                <a:defRPr/>
+              </a:pPr>
+              <a:r>
+                <a:rPr lang="en-US" altLang="ko-KR" sz="1800" b="1">
+                  <a:ln w="1270">
+                    <a:noFill/>
+                  </a:ln>
+                  <a:solidFill>
+                    <a:schemeClr val="tx1"/>
+                  </a:solidFill>
+                  <a:latin typeface="맑은 고딕" panose="020B0503020000020004" pitchFamily="50" charset="-127"/>
+                  <a:ea typeface="맑은 고딕" panose="020B0503020000020004" pitchFamily="50" charset="-127"/>
+                </a:rPr>
+                <a:t>CNN</a:t>
+              </a:r>
+              <a:r>
+                <a:rPr lang="ko-KR" altLang="en-US" sz="1800" b="1">
+                  <a:ln w="1270">
+                    <a:noFill/>
+                  </a:ln>
+                  <a:solidFill>
+                    <a:schemeClr val="tx1"/>
+                  </a:solidFill>
+                  <a:latin typeface="맑은 고딕" panose="020B0503020000020004" pitchFamily="50" charset="-127"/>
+                  <a:ea typeface="맑은 고딕" panose="020B0503020000020004" pitchFamily="50" charset="-127"/>
+                </a:rPr>
+                <a:t>의 구조</a:t>
+              </a:r>
+              <a:endParaRPr lang="ko-KR" altLang="en-US" sz="1800" b="1" dirty="0">
+                <a:ln w="1270">
+                  <a:noFill/>
+                </a:ln>
+                <a:solidFill>
+                  <a:schemeClr val="tx1"/>
+                </a:solidFill>
+                <a:latin typeface="맑은 고딕" panose="020B0503020000020004" pitchFamily="50" charset="-127"/>
+                <a:ea typeface="맑은 고딕" panose="020B0503020000020004" pitchFamily="50" charset="-127"/>
+              </a:endParaRPr>
+            </a:p>
+          </p:txBody>
+        </p:sp>
+        <p:grpSp>
+          <p:nvGrpSpPr>
+            <p:cNvPr id="22" name="그룹 21">
+              <a:extLst>
+                <a:ext uri="{FF2B5EF4-FFF2-40B4-BE49-F238E27FC236}">
+                  <a16:creationId xmlns:a16="http://schemas.microsoft.com/office/drawing/2014/main" id="{55B43280-EF2F-4742-84BE-120129A1B681}"/>
+                </a:ext>
+              </a:extLst>
+            </p:cNvPr>
+            <p:cNvGrpSpPr/>
+            <p:nvPr/>
+          </p:nvGrpSpPr>
+          <p:grpSpPr>
+            <a:xfrm>
+              <a:off x="430306" y="1408458"/>
+              <a:ext cx="729983" cy="381458"/>
+              <a:chOff x="6228680" y="6884181"/>
+              <a:chExt cx="667988" cy="249385"/>
+            </a:xfrm>
+          </p:grpSpPr>
+          <p:sp>
+            <p:nvSpPr>
+              <p:cNvPr id="23" name="사각형: 둥근 위쪽 모서리 24">
+                <a:extLst>
+                  <a:ext uri="{FF2B5EF4-FFF2-40B4-BE49-F238E27FC236}">
+                    <a16:creationId xmlns:a16="http://schemas.microsoft.com/office/drawing/2014/main" id="{535851F9-C1F0-4FD9-8DB7-D6120687964C}"/>
+                  </a:ext>
+                </a:extLst>
+              </p:cNvPr>
+              <p:cNvSpPr/>
+              <p:nvPr/>
+            </p:nvSpPr>
+            <p:spPr>
+              <a:xfrm rot="5400000">
+                <a:off x="6437981" y="6674880"/>
+                <a:ext cx="249385" cy="667988"/>
+              </a:xfrm>
+              <a:prstGeom prst="round2SameRect">
+                <a:avLst>
+                  <a:gd name="adj1" fmla="val 50000"/>
+                  <a:gd name="adj2" fmla="val 0"/>
+                </a:avLst>
+              </a:prstGeom>
+              <a:gradFill>
+                <a:gsLst>
+                  <a:gs pos="22000">
+                    <a:schemeClr val="tx1">
+                      <a:alpha val="50000"/>
+                    </a:schemeClr>
+                  </a:gs>
+                  <a:gs pos="100000">
+                    <a:schemeClr val="tx1">
+                      <a:alpha val="0"/>
+                    </a:schemeClr>
+                  </a:gs>
+                </a:gsLst>
+                <a:lin ang="5400000" scaled="1"/>
+              </a:gradFill>
+              <a:ln w="12700">
+                <a:gradFill>
+                  <a:gsLst>
+                    <a:gs pos="9000">
+                      <a:schemeClr val="bg1"/>
+                    </a:gs>
+                    <a:gs pos="92000">
+                      <a:schemeClr val="bg1">
+                        <a:alpha val="0"/>
+                      </a:schemeClr>
+                    </a:gs>
+                  </a:gsLst>
+                  <a:lin ang="5400000" scaled="1"/>
+                </a:gradFill>
+              </a:ln>
+            </p:spPr>
+            <p:style>
+              <a:lnRef idx="2">
+                <a:schemeClr val="accent1">
+                  <a:shade val="50000"/>
+                </a:schemeClr>
+              </a:lnRef>
+              <a:fillRef idx="1">
+                <a:schemeClr val="accent1"/>
+              </a:fillRef>
+              <a:effectRef idx="0">
+                <a:schemeClr val="accent1"/>
+              </a:effectRef>
+              <a:fontRef idx="minor">
+                <a:schemeClr val="lt1"/>
+              </a:fontRef>
+            </p:style>
+            <p:txBody>
+              <a:bodyPr rtlCol="0" anchor="ctr"/>
+              <a:lstStyle/>
+              <a:p>
+                <a:pPr algn="ctr" defTabSz="914400" latinLnBrk="1"/>
+                <a:endParaRPr lang="ko-KR" altLang="en-US" b="1" dirty="0">
+                  <a:latin typeface="맑은 고딕" panose="020B0503020000020004" pitchFamily="50" charset="-127"/>
+                </a:endParaRPr>
+              </a:p>
+            </p:txBody>
+          </p:sp>
+          <p:sp>
+            <p:nvSpPr>
+              <p:cNvPr id="24" name="TextBox 23">
+                <a:extLst>
+                  <a:ext uri="{FF2B5EF4-FFF2-40B4-BE49-F238E27FC236}">
+                    <a16:creationId xmlns:a16="http://schemas.microsoft.com/office/drawing/2014/main" id="{02F12053-43C6-45C2-B41A-AAC723A4D4CE}"/>
+                  </a:ext>
+                </a:extLst>
+              </p:cNvPr>
+              <p:cNvSpPr txBox="1"/>
+              <p:nvPr/>
+            </p:nvSpPr>
+            <p:spPr>
+              <a:xfrm>
+                <a:off x="6528557" y="6904142"/>
+                <a:ext cx="264927" cy="181093"/>
+              </a:xfrm>
+              <a:prstGeom prst="rect">
+                <a:avLst/>
+              </a:prstGeom>
+              <a:noFill/>
+            </p:spPr>
+            <p:txBody>
+              <a:bodyPr wrap="square" lIns="0" tIns="0" rIns="0" bIns="0">
+                <a:spAutoFit/>
+              </a:bodyPr>
+              <a:lstStyle/>
+              <a:p>
+                <a:pPr algn="ctr" fontAlgn="base" latinLnBrk="1">
+                  <a:spcBef>
+                    <a:spcPct val="0"/>
+                  </a:spcBef>
+                  <a:spcAft>
+                    <a:spcPct val="0"/>
+                  </a:spcAft>
+                  <a:defRPr/>
+                </a:pPr>
+                <a:r>
+                  <a:rPr kumimoji="1" lang="en-US" altLang="ko-KR" b="1" spc="-80" dirty="0">
+                    <a:ln w="1270">
+                      <a:solidFill>
+                        <a:schemeClr val="bg1">
+                          <a:alpha val="0"/>
+                        </a:schemeClr>
+                      </a:solidFill>
+                    </a:ln>
+                    <a:solidFill>
+                      <a:schemeClr val="bg1"/>
+                    </a:solidFill>
+                    <a:latin typeface="맑은 고딕" panose="020B0503020000020004" pitchFamily="50" charset="-127"/>
+                    <a:ea typeface="맑은 고딕" panose="020B0503020000020004" pitchFamily="50" charset="-127"/>
+                  </a:rPr>
+                  <a:t>2.</a:t>
+                </a:r>
+                <a:endParaRPr kumimoji="1" lang="ko-KR" altLang="en-US" b="1" spc="-80" dirty="0">
+                  <a:ln w="1270">
+                    <a:solidFill>
+                      <a:schemeClr val="bg1">
+                        <a:alpha val="0"/>
+                      </a:schemeClr>
+                    </a:solidFill>
+                  </a:ln>
+                  <a:solidFill>
+                    <a:schemeClr val="bg1"/>
+                  </a:solidFill>
+                  <a:latin typeface="맑은 고딕" panose="020B0503020000020004" pitchFamily="50" charset="-127"/>
+                  <a:ea typeface="맑은 고딕" panose="020B0503020000020004" pitchFamily="50" charset="-127"/>
+                </a:endParaRPr>
+              </a:p>
+            </p:txBody>
+          </p:sp>
+        </p:grpSp>
+      </p:grpSp>
+      <p:sp>
+        <p:nvSpPr>
+          <p:cNvPr id="17" name="TextBox 16">
+            <a:extLst>
+              <a:ext uri="{FF2B5EF4-FFF2-40B4-BE49-F238E27FC236}">
+                <a16:creationId xmlns:a16="http://schemas.microsoft.com/office/drawing/2014/main" id="{9BE74322-39DA-2C1A-8F7B-7B9E49F7F5D3}"/>
+              </a:ext>
+            </a:extLst>
+          </p:cNvPr>
+          <p:cNvSpPr txBox="1"/>
+          <p:nvPr/>
+        </p:nvSpPr>
+        <p:spPr>
+          <a:xfrm>
+            <a:off x="1304365" y="599583"/>
+            <a:ext cx="7970264" cy="523220"/>
+          </a:xfrm>
+          <a:prstGeom prst="rect">
+            <a:avLst/>
+          </a:prstGeom>
+          <a:noFill/>
+        </p:spPr>
+        <p:txBody>
+          <a:bodyPr wrap="square">
+            <a:spAutoFit/>
+          </a:bodyPr>
+          <a:lstStyle/>
+          <a:p>
+            <a:r>
+              <a:rPr lang="ko-KR" altLang="en-US" sz="2800" b="1">
+                <a:solidFill>
+                  <a:schemeClr val="bg1"/>
+                </a:solidFill>
+                <a:latin typeface="맑은 고딕" panose="020B0503020000020004" pitchFamily="50" charset="-127"/>
+                <a:ea typeface="맑은 고딕" panose="020B0503020000020004" pitchFamily="50" charset="-127"/>
+              </a:rPr>
+              <a:t>연구 방법</a:t>
+            </a:r>
+            <a:endParaRPr lang="ko-KR" altLang="en-US" sz="2000" i="1" dirty="0">
+              <a:solidFill>
+                <a:srgbClr val="FF0000"/>
+              </a:solidFill>
+              <a:latin typeface="맑은 고딕" panose="020B0503020000020004" pitchFamily="50" charset="-127"/>
+              <a:ea typeface="맑은 고딕" panose="020B0503020000020004" pitchFamily="50" charset="-127"/>
+            </a:endParaRPr>
+          </a:p>
+        </p:txBody>
+      </p:sp>
+      <p:sp>
+        <p:nvSpPr>
+          <p:cNvPr id="18" name="TextBox 17">
+            <a:extLst>
+              <a:ext uri="{FF2B5EF4-FFF2-40B4-BE49-F238E27FC236}">
+                <a16:creationId xmlns:a16="http://schemas.microsoft.com/office/drawing/2014/main" id="{70129D79-75A9-F339-3B0A-DE94C36C7EF6}"/>
+              </a:ext>
+            </a:extLst>
+          </p:cNvPr>
+          <p:cNvSpPr txBox="1"/>
+          <p:nvPr/>
+        </p:nvSpPr>
+        <p:spPr>
+          <a:xfrm>
+            <a:off x="897429" y="1835034"/>
+            <a:ext cx="6082491" cy="901722"/>
+          </a:xfrm>
+          <a:prstGeom prst="rect">
+            <a:avLst/>
+          </a:prstGeom>
+          <a:noFill/>
+        </p:spPr>
+        <p:txBody>
+          <a:bodyPr wrap="square">
+            <a:spAutoFit/>
+          </a:bodyPr>
+          <a:lstStyle>
+            <a:defPPr>
+              <a:defRPr lang="en-US"/>
+            </a:defPPr>
+            <a:lvl1pPr marL="285750" indent="-285750">
+              <a:lnSpc>
+                <a:spcPct val="130000"/>
+              </a:lnSpc>
+              <a:buFont typeface="Arial" panose="020B0604020202020204" pitchFamily="34" charset="0"/>
+              <a:buChar char="•"/>
+              <a:defRPr sz="1400">
+                <a:latin typeface="+mn-ea"/>
+              </a:defRPr>
+            </a:lvl1pPr>
+            <a:lvl2pPr marL="742950" lvl="1" indent="-285750">
+              <a:lnSpc>
+                <a:spcPct val="130000"/>
+              </a:lnSpc>
+              <a:buFont typeface="Wingdings" panose="05000000000000000000" pitchFamily="2" charset="2"/>
+              <a:buChar char="ü"/>
+              <a:defRPr sz="1400">
+                <a:latin typeface="+mn-ea"/>
+              </a:defRPr>
+            </a:lvl2pPr>
+          </a:lstStyle>
+          <a:p>
+            <a:r>
+              <a:rPr lang="ko-KR" altLang="en-US"/>
+              <a:t>다층 퍼셉트론</a:t>
+            </a:r>
+            <a:r>
+              <a:rPr lang="en-US" altLang="ko-KR"/>
+              <a:t>(MLP)</a:t>
+            </a:r>
+            <a:r>
+              <a:rPr lang="ko-KR" altLang="en-US"/>
+              <a:t>의 발전된 형태이며 이미지 처리에 적합한 신경망</a:t>
+            </a:r>
+            <a:endParaRPr lang="en-US" altLang="ko-KR"/>
+          </a:p>
+          <a:p>
+            <a:pPr lvl="1"/>
+            <a:r>
+              <a:rPr lang="ko-KR" altLang="en-US"/>
+              <a:t>인간의 시각 피질과 유사하고  </a:t>
+            </a:r>
+            <a:r>
+              <a:rPr lang="en-US" altLang="ko-KR"/>
+              <a:t>2</a:t>
+            </a:r>
+            <a:r>
+              <a:rPr lang="ko-KR" altLang="en-US"/>
+              <a:t>차원</a:t>
+            </a:r>
+            <a:r>
+              <a:rPr lang="en-US" altLang="ko-KR"/>
+              <a:t>(2D) </a:t>
+            </a:r>
+            <a:r>
+              <a:rPr lang="ko-KR" altLang="en-US"/>
+              <a:t>특징을 추출하고 학습</a:t>
+            </a:r>
+            <a:endParaRPr lang="en-US" altLang="ko-KR"/>
+          </a:p>
+          <a:p>
+            <a:pPr lvl="1"/>
+            <a:r>
+              <a:rPr lang="ko-KR" altLang="en-US"/>
+              <a:t>같은 크기의 </a:t>
+            </a:r>
+            <a:r>
+              <a:rPr lang="en-US" altLang="ko-KR"/>
+              <a:t>DNN</a:t>
+            </a:r>
+            <a:r>
+              <a:rPr lang="ko-KR" altLang="en-US"/>
+              <a:t>에 비해 파라미터 수가 매우 적다</a:t>
+            </a:r>
+            <a:r>
+              <a:rPr lang="en-US" altLang="ko-KR"/>
+              <a:t>.</a:t>
+            </a:r>
+          </a:p>
+        </p:txBody>
+      </p:sp>
+      <p:sp>
+        <p:nvSpPr>
+          <p:cNvPr id="53" name="TextBox 52">
+            <a:extLst>
+              <a:ext uri="{FF2B5EF4-FFF2-40B4-BE49-F238E27FC236}">
+                <a16:creationId xmlns:a16="http://schemas.microsoft.com/office/drawing/2014/main" id="{6037085F-0747-0BC2-9F40-7C38242A9AF1}"/>
+              </a:ext>
+            </a:extLst>
+          </p:cNvPr>
+          <p:cNvSpPr txBox="1"/>
+          <p:nvPr/>
+        </p:nvSpPr>
+        <p:spPr>
+          <a:xfrm>
+            <a:off x="897428" y="3451032"/>
+            <a:ext cx="8642812" cy="623119"/>
+          </a:xfrm>
+          <a:prstGeom prst="rect">
+            <a:avLst/>
+          </a:prstGeom>
+          <a:noFill/>
+        </p:spPr>
+        <p:txBody>
+          <a:bodyPr wrap="square">
+            <a:spAutoFit/>
+          </a:bodyPr>
+          <a:lstStyle/>
+          <a:p>
+            <a:pPr marL="180000" indent="-180000">
+              <a:lnSpc>
+                <a:spcPct val="130000"/>
+              </a:lnSpc>
+              <a:buFont typeface="Arial" panose="020B0604020202020204" pitchFamily="34" charset="0"/>
+              <a:buChar char="•"/>
+            </a:pPr>
+            <a:r>
+              <a:rPr lang="ko-KR" altLang="en-US" sz="1400">
+                <a:latin typeface="+mn-ea"/>
+              </a:rPr>
+              <a:t>특징 추출 네트워크 </a:t>
+            </a:r>
+            <a:r>
+              <a:rPr lang="en-US" altLang="ko-KR" sz="1400">
+                <a:latin typeface="+mn-ea"/>
+              </a:rPr>
+              <a:t>: Convolution layer (+ ReLU / BN) + Pooling layer </a:t>
+            </a:r>
+            <a:r>
+              <a:rPr lang="en-US" altLang="ko-KR" sz="1400">
+                <a:latin typeface="+mn-ea"/>
+                <a:sym typeface="Wingdings" panose="05000000000000000000" pitchFamily="2" charset="2"/>
+              </a:rPr>
+              <a:t></a:t>
+            </a:r>
+            <a:r>
+              <a:rPr lang="en-US" altLang="ko-KR" sz="1400">
+                <a:latin typeface="+mn-ea"/>
+              </a:rPr>
+              <a:t> Feature map </a:t>
+            </a:r>
+            <a:r>
+              <a:rPr lang="ko-KR" altLang="en-US" sz="1400">
+                <a:latin typeface="+mn-ea"/>
+              </a:rPr>
+              <a:t>생성</a:t>
+            </a:r>
+          </a:p>
+          <a:p>
+            <a:pPr marL="180000" indent="-180000">
+              <a:lnSpc>
+                <a:spcPct val="130000"/>
+              </a:lnSpc>
+              <a:buFont typeface="Arial" panose="020B0604020202020204" pitchFamily="34" charset="0"/>
+              <a:buChar char="•"/>
+            </a:pPr>
+            <a:r>
+              <a:rPr lang="ko-KR" altLang="en-US" sz="1400">
+                <a:latin typeface="+mn-ea"/>
+              </a:rPr>
+              <a:t>분류 네트워크 </a:t>
+            </a:r>
+            <a:r>
+              <a:rPr lang="en-US" altLang="ko-KR" sz="1400">
+                <a:latin typeface="+mn-ea"/>
+              </a:rPr>
+              <a:t>: Fully connected layers + Sigmoid / Softmax  </a:t>
+            </a:r>
+            <a:r>
+              <a:rPr lang="en-US" altLang="ko-KR" sz="1400">
+                <a:latin typeface="+mn-ea"/>
+                <a:sym typeface="Wingdings" panose="05000000000000000000" pitchFamily="2" charset="2"/>
+              </a:rPr>
+              <a:t></a:t>
+            </a:r>
+            <a:r>
+              <a:rPr lang="en-US" altLang="ko-KR" sz="1400">
+                <a:latin typeface="+mn-ea"/>
+              </a:rPr>
+              <a:t> </a:t>
+            </a:r>
+            <a:r>
+              <a:rPr lang="ko-KR" altLang="en-US" sz="1400">
+                <a:latin typeface="+mn-ea"/>
+              </a:rPr>
+              <a:t>단일</a:t>
+            </a:r>
+            <a:r>
+              <a:rPr lang="en-US" altLang="ko-KR" sz="1400">
+                <a:latin typeface="+mn-ea"/>
+              </a:rPr>
+              <a:t>/</a:t>
+            </a:r>
+            <a:r>
+              <a:rPr lang="ko-KR" altLang="en-US" sz="1400">
+                <a:latin typeface="+mn-ea"/>
+              </a:rPr>
+              <a:t>다중 </a:t>
+            </a:r>
+            <a:r>
+              <a:rPr lang="en-US" altLang="ko-KR" sz="1400">
+                <a:latin typeface="+mn-ea"/>
+              </a:rPr>
+              <a:t>Class (</a:t>
+            </a:r>
+            <a:r>
+              <a:rPr lang="ko-KR" altLang="en-US" sz="1400">
+                <a:latin typeface="+mn-ea"/>
+              </a:rPr>
+              <a:t>범주형 데이터</a:t>
+            </a:r>
+            <a:r>
+              <a:rPr lang="en-US" altLang="ko-KR" sz="1400">
+                <a:latin typeface="+mn-ea"/>
+              </a:rPr>
+              <a:t>)</a:t>
+            </a:r>
+            <a:endParaRPr lang="ko-KR" altLang="en-US" sz="1400">
+              <a:latin typeface="+mn-ea"/>
+            </a:endParaRPr>
+          </a:p>
+        </p:txBody>
+      </p:sp>
+      <p:sp>
+        <p:nvSpPr>
+          <p:cNvPr id="61" name="TextBox 60">
+            <a:extLst>
+              <a:ext uri="{FF2B5EF4-FFF2-40B4-BE49-F238E27FC236}">
+                <a16:creationId xmlns:a16="http://schemas.microsoft.com/office/drawing/2014/main" id="{301B0E7C-E2B5-C01F-B77E-62ED8B2937EA}"/>
+              </a:ext>
+            </a:extLst>
+          </p:cNvPr>
+          <p:cNvSpPr txBox="1"/>
+          <p:nvPr/>
+        </p:nvSpPr>
+        <p:spPr>
+          <a:xfrm>
+            <a:off x="6842151" y="1312298"/>
+            <a:ext cx="3660608" cy="553100"/>
+          </a:xfrm>
+          <a:prstGeom prst="rect">
+            <a:avLst/>
+          </a:prstGeom>
+          <a:solidFill>
+            <a:schemeClr val="accent2">
+              <a:lumMod val="20000"/>
+              <a:lumOff val="80000"/>
+            </a:schemeClr>
+          </a:solidFill>
+        </p:spPr>
+        <p:txBody>
+          <a:bodyPr wrap="square" rtlCol="0">
+            <a:spAutoFit/>
+          </a:bodyPr>
+          <a:lstStyle/>
+          <a:p>
+            <a:pPr marL="285750" indent="-285750">
+              <a:lnSpc>
+                <a:spcPct val="130000"/>
+              </a:lnSpc>
+              <a:buFont typeface="Wingdings" panose="05000000000000000000" pitchFamily="2" charset="2"/>
+              <a:buChar char="ü"/>
+            </a:pPr>
+            <a:r>
+              <a:rPr lang="ko-KR" altLang="en-US" sz="1200" b="1">
+                <a:solidFill>
+                  <a:srgbClr val="C00000"/>
+                </a:solidFill>
+              </a:rPr>
+              <a:t>내가 적용할 방법에 대해 이론적인 설명</a:t>
+            </a:r>
+            <a:endParaRPr lang="en-US" altLang="ko-KR" sz="1200" b="1">
+              <a:solidFill>
+                <a:srgbClr val="C00000"/>
+              </a:solidFill>
+            </a:endParaRPr>
+          </a:p>
+          <a:p>
+            <a:pPr marL="285750" indent="-285750">
+              <a:lnSpc>
+                <a:spcPct val="130000"/>
+              </a:lnSpc>
+              <a:buFont typeface="Wingdings" panose="05000000000000000000" pitchFamily="2" charset="2"/>
+              <a:buChar char="ü"/>
+            </a:pPr>
+            <a:endParaRPr lang="ko-KR" altLang="en-US" sz="1200" b="1" dirty="0">
+              <a:solidFill>
+                <a:srgbClr val="C00000"/>
+              </a:solidFill>
+            </a:endParaRPr>
+          </a:p>
+        </p:txBody>
+      </p:sp>
+      <p:sp>
+        <p:nvSpPr>
+          <p:cNvPr id="63" name="TextBox 62">
+            <a:extLst>
+              <a:ext uri="{FF2B5EF4-FFF2-40B4-BE49-F238E27FC236}">
+                <a16:creationId xmlns:a16="http://schemas.microsoft.com/office/drawing/2014/main" id="{B01E52C1-CBA7-BC43-E9A4-3B19CEAF5304}"/>
+              </a:ext>
+            </a:extLst>
+          </p:cNvPr>
+          <p:cNvSpPr txBox="1"/>
+          <p:nvPr/>
+        </p:nvSpPr>
+        <p:spPr>
+          <a:xfrm>
+            <a:off x="6306843" y="2559041"/>
+            <a:ext cx="4195916" cy="791627"/>
+          </a:xfrm>
+          <a:prstGeom prst="rect">
+            <a:avLst/>
+          </a:prstGeom>
+          <a:solidFill>
+            <a:schemeClr val="accent2">
+              <a:lumMod val="20000"/>
+              <a:lumOff val="80000"/>
+            </a:schemeClr>
+          </a:solidFill>
+        </p:spPr>
+        <p:txBody>
+          <a:bodyPr wrap="square" rtlCol="0">
+            <a:spAutoFit/>
+          </a:bodyPr>
+          <a:lstStyle/>
+          <a:p>
+            <a:pPr marL="285750" indent="-285750">
+              <a:lnSpc>
+                <a:spcPct val="130000"/>
+              </a:lnSpc>
+              <a:buFont typeface="Wingdings" panose="05000000000000000000" pitchFamily="2" charset="2"/>
+              <a:buChar char="ü"/>
+            </a:pPr>
+            <a:r>
+              <a:rPr lang="ko-KR" altLang="en-US" sz="1200" b="1" dirty="0">
+                <a:solidFill>
+                  <a:srgbClr val="C00000"/>
+                </a:solidFill>
+              </a:rPr>
+              <a:t>그림</a:t>
+            </a:r>
+            <a:r>
+              <a:rPr lang="en-US" altLang="ko-KR" sz="1200" b="1" dirty="0">
+                <a:solidFill>
+                  <a:srgbClr val="C00000"/>
+                </a:solidFill>
+              </a:rPr>
+              <a:t>, </a:t>
+            </a:r>
+            <a:r>
+              <a:rPr lang="ko-KR" altLang="en-US" sz="1200" b="1" dirty="0">
+                <a:solidFill>
+                  <a:srgbClr val="C00000"/>
+                </a:solidFill>
+              </a:rPr>
+              <a:t>표</a:t>
+            </a:r>
+            <a:r>
+              <a:rPr lang="en-US" altLang="ko-KR" sz="1200" b="1" dirty="0">
+                <a:solidFill>
+                  <a:srgbClr val="C00000"/>
+                </a:solidFill>
+              </a:rPr>
+              <a:t>, flow chart </a:t>
+            </a:r>
+            <a:r>
+              <a:rPr lang="ko-KR" altLang="en-US" sz="1200" b="1" dirty="0">
+                <a:solidFill>
+                  <a:srgbClr val="C00000"/>
+                </a:solidFill>
+              </a:rPr>
+              <a:t>활용</a:t>
+            </a:r>
+            <a:endParaRPr lang="en-US" altLang="ko-KR" sz="1200" b="1" dirty="0">
+              <a:solidFill>
+                <a:srgbClr val="C00000"/>
+              </a:solidFill>
+            </a:endParaRPr>
+          </a:p>
+          <a:p>
+            <a:pPr marL="285750" indent="-285750">
+              <a:lnSpc>
+                <a:spcPct val="130000"/>
+              </a:lnSpc>
+              <a:buFont typeface="Wingdings" panose="05000000000000000000" pitchFamily="2" charset="2"/>
+              <a:buChar char="ü"/>
+            </a:pPr>
+            <a:r>
+              <a:rPr lang="ko-KR" altLang="en-US" sz="1200" b="1" dirty="0">
+                <a:solidFill>
+                  <a:srgbClr val="C00000"/>
+                </a:solidFill>
+              </a:rPr>
+              <a:t>실험</a:t>
+            </a:r>
+            <a:r>
+              <a:rPr lang="en-US" altLang="ko-KR" sz="1200" b="1" dirty="0">
+                <a:solidFill>
+                  <a:srgbClr val="C00000"/>
+                </a:solidFill>
+              </a:rPr>
+              <a:t>: </a:t>
+            </a:r>
+            <a:r>
+              <a:rPr lang="ko-KR" altLang="en-US" sz="1200" b="1" dirty="0">
+                <a:solidFill>
+                  <a:srgbClr val="C00000"/>
+                </a:solidFill>
+              </a:rPr>
+              <a:t>데이터</a:t>
+            </a:r>
+            <a:r>
+              <a:rPr lang="en-US" altLang="ko-KR" sz="1200" b="1" dirty="0">
+                <a:solidFill>
+                  <a:srgbClr val="C00000"/>
+                </a:solidFill>
+              </a:rPr>
+              <a:t>(</a:t>
+            </a:r>
+            <a:r>
+              <a:rPr lang="ko-KR" altLang="en-US" sz="1200" b="1" dirty="0">
+                <a:solidFill>
+                  <a:srgbClr val="C00000"/>
+                </a:solidFill>
+              </a:rPr>
+              <a:t>수집 방법</a:t>
+            </a:r>
+            <a:r>
+              <a:rPr lang="en-US" altLang="ko-KR" sz="1200" b="1" dirty="0">
+                <a:solidFill>
+                  <a:srgbClr val="C00000"/>
+                </a:solidFill>
+              </a:rPr>
+              <a:t>, </a:t>
+            </a:r>
+            <a:r>
+              <a:rPr lang="ko-KR" altLang="en-US" sz="1200" b="1" dirty="0">
+                <a:solidFill>
+                  <a:srgbClr val="C00000"/>
+                </a:solidFill>
+              </a:rPr>
+              <a:t>예시</a:t>
+            </a:r>
+            <a:r>
+              <a:rPr lang="en-US" altLang="ko-KR" sz="1200" b="1" dirty="0">
+                <a:solidFill>
+                  <a:srgbClr val="C00000"/>
+                </a:solidFill>
+              </a:rPr>
+              <a:t>), </a:t>
+            </a:r>
+            <a:r>
+              <a:rPr lang="ko-KR" altLang="en-US" sz="1200" b="1" dirty="0">
+                <a:solidFill>
+                  <a:srgbClr val="C00000"/>
+                </a:solidFill>
+              </a:rPr>
+              <a:t>적용 알고리즘 설명</a:t>
+            </a:r>
+            <a:endParaRPr lang="en-US" altLang="ko-KR" sz="1200" b="1" dirty="0">
+              <a:solidFill>
+                <a:srgbClr val="C00000"/>
+              </a:solidFill>
+            </a:endParaRPr>
+          </a:p>
+          <a:p>
+            <a:pPr marL="285750" indent="-285750">
+              <a:lnSpc>
+                <a:spcPct val="130000"/>
+              </a:lnSpc>
+              <a:buFont typeface="Wingdings" panose="05000000000000000000" pitchFamily="2" charset="2"/>
+              <a:buChar char="ü"/>
+            </a:pPr>
+            <a:r>
+              <a:rPr lang="ko-KR" altLang="en-US" sz="1200" b="1" dirty="0">
+                <a:solidFill>
+                  <a:srgbClr val="C00000"/>
+                </a:solidFill>
+              </a:rPr>
+              <a:t>서비스 개발</a:t>
+            </a:r>
+            <a:r>
+              <a:rPr lang="en-US" altLang="ko-KR" sz="1200" b="1" dirty="0">
+                <a:solidFill>
+                  <a:srgbClr val="C00000"/>
+                </a:solidFill>
+              </a:rPr>
+              <a:t>: </a:t>
+            </a:r>
+            <a:r>
+              <a:rPr lang="ko-KR" altLang="en-US" sz="1200" b="1" dirty="0">
+                <a:solidFill>
+                  <a:srgbClr val="C00000"/>
+                </a:solidFill>
+              </a:rPr>
+              <a:t>서비스 내용</a:t>
+            </a:r>
+            <a:r>
+              <a:rPr lang="en-US" altLang="ko-KR" sz="1200" b="1" dirty="0">
+                <a:solidFill>
+                  <a:srgbClr val="C00000"/>
+                </a:solidFill>
+              </a:rPr>
+              <a:t>, </a:t>
+            </a:r>
+            <a:r>
+              <a:rPr lang="ko-KR" altLang="en-US" sz="1200" b="1" dirty="0">
+                <a:solidFill>
+                  <a:srgbClr val="C00000"/>
+                </a:solidFill>
+              </a:rPr>
+              <a:t>구성도 설명</a:t>
+            </a:r>
+          </a:p>
+        </p:txBody>
+      </p:sp>
+      <p:pic>
+        <p:nvPicPr>
+          <p:cNvPr id="3" name="_x1087094960">
+            <a:extLst>
+              <a:ext uri="{FF2B5EF4-FFF2-40B4-BE49-F238E27FC236}">
+                <a16:creationId xmlns:a16="http://schemas.microsoft.com/office/drawing/2014/main" id="{3F6DCED3-92AF-233E-D359-750C608EC09C}"/>
+              </a:ext>
+            </a:extLst>
+          </p:cNvPr>
+          <p:cNvPicPr>
+            <a:picLocks noChangeAspect="1" noChangeArrowheads="1"/>
+          </p:cNvPicPr>
+          <p:nvPr/>
+        </p:nvPicPr>
+        <p:blipFill rotWithShape="1">
+          <a:blip r:embed="rId2">
+            <a:extLst>
+              <a:ext uri="{28A0092B-C50C-407E-A947-70E740481C1C}">
+                <a14:useLocalDpi xmlns:a14="http://schemas.microsoft.com/office/drawing/2010/main" val="0"/>
+              </a:ext>
+            </a:extLst>
+          </a:blip>
+          <a:srcRect l="15695" b="10160"/>
+          <a:stretch/>
+        </p:blipFill>
+        <p:spPr bwMode="auto">
+          <a:xfrm>
+            <a:off x="1769748" y="4205751"/>
+            <a:ext cx="7341092" cy="2826562"/>
+          </a:xfrm>
+          <a:prstGeom prst="rect">
+            <a:avLst/>
+          </a:prstGeom>
+          <a:noFill/>
+          <a:extLst>
+            <a:ext uri="{909E8E84-426E-40DD-AFC4-6F175D3DCCD1}">
+              <a14:hiddenFill xmlns:a14="http://schemas.microsoft.com/office/drawing/2010/main">
+                <a:solidFill>
+                  <a:srgbClr val="FFFFFF"/>
+                </a:solidFill>
+              </a14:hiddenFill>
+            </a:ext>
+          </a:extLst>
+        </p:spPr>
+      </p:pic>
+      <p:sp>
+        <p:nvSpPr>
+          <p:cNvPr id="4" name="TextBox 3">
+            <a:extLst>
+              <a:ext uri="{FF2B5EF4-FFF2-40B4-BE49-F238E27FC236}">
+                <a16:creationId xmlns:a16="http://schemas.microsoft.com/office/drawing/2014/main" id="{E4BF492A-4689-EEFA-24AD-0DB704D58154}"/>
+              </a:ext>
+            </a:extLst>
+          </p:cNvPr>
+          <p:cNvSpPr txBox="1"/>
+          <p:nvPr/>
+        </p:nvSpPr>
+        <p:spPr>
+          <a:xfrm>
+            <a:off x="10134769" y="7077075"/>
+            <a:ext cx="263214" cy="276999"/>
+          </a:xfrm>
+          <a:prstGeom prst="rect">
+            <a:avLst/>
+          </a:prstGeom>
+          <a:noFill/>
+        </p:spPr>
+        <p:txBody>
+          <a:bodyPr wrap="none" rtlCol="0">
+            <a:spAutoFit/>
+          </a:bodyPr>
+          <a:lstStyle/>
+          <a:p>
+            <a:fld id="{E2886697-6AD6-4FDA-9E51-14A767932366}" type="slidenum">
+              <a:rPr lang="ko-KR" altLang="en-US" sz="1200" smtClean="0"/>
+              <a:t>10</a:t>
+            </a:fld>
+            <a:endParaRPr lang="ko-KR" altLang="en-US" sz="1200"/>
+          </a:p>
+        </p:txBody>
+      </p:sp>
+    </p:spTree>
+    <p:extLst>
+      <p:ext uri="{BB962C8B-B14F-4D97-AF65-F5344CB8AC3E}">
+        <p14:creationId xmlns:p14="http://schemas.microsoft.com/office/powerpoint/2010/main" val="2759291825"/>
+      </p:ext>
+    </p:extLst>
+  </p:cSld>
+  <p:clrMapOvr>
+    <a:masterClrMapping/>
+  </p:clrMapOvr>
+</p:sld>
+</file>
+
+<file path=ppt/slides/slide11.xml><?xml version="1.0" encoding="utf-8"?>
 <p:sld xmlns:a="http://schemas.openxmlformats.org/drawingml/2006/main" xmlns:r="http://schemas.openxmlformats.org/officeDocument/2006/relationships" xmlns:p="http://schemas.openxmlformats.org/presentationml/2006/main">
   <p:cSld>
     <p:spTree>
@@ -4263,7 +5795,7 @@
           <a:p>
             <a:fld id="{E2886697-6AD6-4FDA-9E51-14A767932366}" type="slidenum">
               <a:rPr lang="ko-KR" altLang="en-US" sz="1200" smtClean="0"/>
-              <a:t>10</a:t>
+              <a:t>11</a:t>
             </a:fld>
             <a:endParaRPr lang="ko-KR" altLang="en-US" sz="1200"/>
           </a:p>
@@ -4282,7 +5814,7 @@
 </p:sld>
 </file>
 
-<file path=ppt/slides/slide11.xml><?xml version="1.0" encoding="utf-8"?>
+<file path=ppt/slides/slide12.xml><?xml version="1.0" encoding="utf-8"?>
 <p:sld xmlns:a="http://schemas.openxmlformats.org/drawingml/2006/main" xmlns:r="http://schemas.openxmlformats.org/officeDocument/2006/relationships" xmlns:p="http://schemas.openxmlformats.org/presentationml/2006/main">
   <p:cSld>
     <p:spTree>
@@ -5100,7 +6632,7 @@
           <a:p>
             <a:fld id="{E2886697-6AD6-4FDA-9E51-14A767932366}" type="slidenum">
               <a:rPr lang="ko-KR" altLang="en-US" sz="1200" smtClean="0"/>
-              <a:t>11</a:t>
+              <a:t>12</a:t>
             </a:fld>
             <a:endParaRPr lang="ko-KR" altLang="en-US" sz="1200"/>
           </a:p>
@@ -5119,7 +6651,7 @@
 </p:sld>
 </file>
 
-<file path=ppt/slides/slide12.xml><?xml version="1.0" encoding="utf-8"?>
+<file path=ppt/slides/slide13.xml><?xml version="1.0" encoding="utf-8"?>
 <p:sld xmlns:a="http://schemas.openxmlformats.org/drawingml/2006/main" xmlns:r="http://schemas.openxmlformats.org/officeDocument/2006/relationships" xmlns:p="http://schemas.openxmlformats.org/presentationml/2006/main">
   <p:cSld>
     <p:spTree>
@@ -5960,7 +7492,7 @@
           <a:p>
             <a:fld id="{E2886697-6AD6-4FDA-9E51-14A767932366}" type="slidenum">
               <a:rPr lang="ko-KR" altLang="en-US" sz="1200" smtClean="0"/>
-              <a:t>12</a:t>
+              <a:t>13</a:t>
             </a:fld>
             <a:endParaRPr lang="ko-KR" altLang="en-US" sz="1200"/>
           </a:p>
@@ -5979,7 +7511,7 @@
 </p:sld>
 </file>
 
-<file path=ppt/slides/slide13.xml><?xml version="1.0" encoding="utf-8"?>
+<file path=ppt/slides/slide14.xml><?xml version="1.0" encoding="utf-8"?>
 <p:sld xmlns:a="http://schemas.openxmlformats.org/drawingml/2006/main" xmlns:r="http://schemas.openxmlformats.org/officeDocument/2006/relationships" xmlns:p="http://schemas.openxmlformats.org/presentationml/2006/main">
   <p:cSld>
     <p:spTree>
@@ -6781,7 +8313,7 @@
           <a:p>
             <a:fld id="{E2886697-6AD6-4FDA-9E51-14A767932366}" type="slidenum">
               <a:rPr lang="ko-KR" altLang="en-US" sz="1200" smtClean="0"/>
-              <a:t>13</a:t>
+              <a:t>14</a:t>
             </a:fld>
             <a:endParaRPr lang="ko-KR" altLang="en-US" sz="1200"/>
           </a:p>
@@ -6800,7 +8332,7 @@
 </p:sld>
 </file>
 
-<file path=ppt/slides/slide14.xml><?xml version="1.0" encoding="utf-8"?>
+<file path=ppt/slides/slide15.xml><?xml version="1.0" encoding="utf-8"?>
 <p:sld xmlns:a="http://schemas.openxmlformats.org/drawingml/2006/main" xmlns:r="http://schemas.openxmlformats.org/officeDocument/2006/relationships" xmlns:p="http://schemas.openxmlformats.org/presentationml/2006/main">
   <p:cSld>
     <p:spTree>
@@ -7701,7 +9233,7 @@
           <a:p>
             <a:fld id="{E2886697-6AD6-4FDA-9E51-14A767932366}" type="slidenum">
               <a:rPr lang="ko-KR" altLang="en-US" sz="1200" smtClean="0"/>
-              <a:t>14</a:t>
+              <a:t>15</a:t>
             </a:fld>
             <a:endParaRPr lang="ko-KR" altLang="en-US" sz="1200"/>
           </a:p>
@@ -7720,7 +9252,7 @@
 </p:sld>
 </file>
 
-<file path=ppt/slides/slide15.xml><?xml version="1.0" encoding="utf-8"?>
+<file path=ppt/slides/slide16.xml><?xml version="1.0" encoding="utf-8"?>
 <p:sld xmlns:a="http://schemas.openxmlformats.org/drawingml/2006/main" xmlns:r="http://schemas.openxmlformats.org/officeDocument/2006/relationships" xmlns:p="http://schemas.openxmlformats.org/presentationml/2006/main">
   <p:cSld>
     <p:spTree>
@@ -8897,7 +10429,7 @@
           <a:p>
             <a:fld id="{E2886697-6AD6-4FDA-9E51-14A767932366}" type="slidenum">
               <a:rPr lang="ko-KR" altLang="en-US" sz="1200" smtClean="0"/>
-              <a:t>15</a:t>
+              <a:t>16</a:t>
             </a:fld>
             <a:endParaRPr lang="ko-KR" altLang="en-US" sz="1200"/>
           </a:p>
@@ -8916,7 +10448,7 @@
 </p:sld>
 </file>
 
-<file path=ppt/slides/slide16.xml><?xml version="1.0" encoding="utf-8"?>
+<file path=ppt/slides/slide17.xml><?xml version="1.0" encoding="utf-8"?>
 <p:sld xmlns:a="http://schemas.openxmlformats.org/drawingml/2006/main" xmlns:r="http://schemas.openxmlformats.org/officeDocument/2006/relationships" xmlns:p="http://schemas.openxmlformats.org/presentationml/2006/main">
   <p:cSld>
     <p:spTree>
@@ -22596,7 +24128,7 @@
           <a:p>
             <a:fld id="{E2886697-6AD6-4FDA-9E51-14A767932366}" type="slidenum">
               <a:rPr lang="ko-KR" altLang="en-US" sz="1200" smtClean="0"/>
-              <a:t>16</a:t>
+              <a:t>17</a:t>
             </a:fld>
             <a:endParaRPr lang="ko-KR" altLang="en-US" sz="1200"/>
           </a:p>
@@ -22615,7 +24147,7 @@
 </p:sld>
 </file>
 
-<file path=ppt/slides/slide17.xml><?xml version="1.0" encoding="utf-8"?>
+<file path=ppt/slides/slide18.xml><?xml version="1.0" encoding="utf-8"?>
 <p:sld xmlns:a="http://schemas.openxmlformats.org/drawingml/2006/main" xmlns:r="http://schemas.openxmlformats.org/officeDocument/2006/relationships" xmlns:p="http://schemas.openxmlformats.org/presentationml/2006/main">
   <p:cSld>
     <p:spTree>
@@ -23291,7 +24823,7 @@
               <a:buChar char="§"/>
             </a:pPr>
             <a:r>
-              <a:rPr lang="ko-KR" altLang="en-US" sz="2000" b="1">
+              <a:rPr lang="ko-KR" altLang="en-US" sz="2000" b="1" dirty="0">
                 <a:solidFill>
                   <a:schemeClr val="bg1"/>
                 </a:solidFill>
@@ -23300,7 +24832,7 @@
               </a:rPr>
               <a:t>연구 목표</a:t>
             </a:r>
-            <a:endParaRPr lang="en-US" altLang="ko-KR" sz="2000" b="1">
+            <a:endParaRPr lang="en-US" altLang="ko-KR" sz="2000" b="1" dirty="0">
               <a:solidFill>
                 <a:schemeClr val="bg1"/>
               </a:solidFill>
@@ -23317,7 +24849,7 @@
               <a:buChar char="§"/>
             </a:pPr>
             <a:r>
-              <a:rPr lang="ko-KR" altLang="en-US" sz="2000" b="1">
+              <a:rPr lang="ko-KR" altLang="en-US" sz="2000" b="1" dirty="0">
                 <a:solidFill>
                   <a:schemeClr val="bg1"/>
                 </a:solidFill>
@@ -23326,7 +24858,7 @@
               </a:rPr>
               <a:t>관련 연구</a:t>
             </a:r>
-            <a:endParaRPr lang="en-US" altLang="ko-KR" sz="2000" b="1">
+            <a:endParaRPr lang="en-US" altLang="ko-KR" sz="2000" b="1" dirty="0">
               <a:solidFill>
                 <a:schemeClr val="bg1"/>
               </a:solidFill>
@@ -23343,7 +24875,7 @@
               <a:buChar char="§"/>
             </a:pPr>
             <a:r>
-              <a:rPr lang="ko-KR" altLang="en-US" sz="2000" b="1">
+              <a:rPr lang="ko-KR" altLang="en-US" sz="2000" b="1" dirty="0">
                 <a:solidFill>
                   <a:schemeClr val="bg1"/>
                 </a:solidFill>
@@ -23369,16 +24901,6 @@
               <a:buChar char="§"/>
             </a:pPr>
             <a:r>
-              <a:rPr lang="ko-KR" altLang="en-US" sz="2000" b="1">
-                <a:solidFill>
-                  <a:schemeClr val="bg1"/>
-                </a:solidFill>
-                <a:latin typeface="맑은 고딕" panose="020B0503020000020004" pitchFamily="50" charset="-127"/>
-                <a:ea typeface="맑은 고딕" panose="020B0503020000020004" pitchFamily="50" charset="-127"/>
-              </a:rPr>
-              <a:t>연구 </a:t>
-            </a:r>
-            <a:r>
               <a:rPr lang="ko-KR" altLang="en-US" sz="2000" b="1" dirty="0">
                 <a:solidFill>
                   <a:schemeClr val="bg1"/>
@@ -23386,7 +24908,7 @@
                 <a:latin typeface="맑은 고딕" panose="020B0503020000020004" pitchFamily="50" charset="-127"/>
                 <a:ea typeface="맑은 고딕" panose="020B0503020000020004" pitchFamily="50" charset="-127"/>
               </a:rPr>
-              <a:t>방법</a:t>
+              <a:t>연구 방법</a:t>
             </a:r>
             <a:endParaRPr lang="en-US" altLang="ko-KR" sz="1400" dirty="0">
               <a:solidFill>
@@ -23405,7 +24927,7 @@
               <a:buChar char="§"/>
             </a:pPr>
             <a:r>
-              <a:rPr lang="ko-KR" altLang="en-US" sz="2000" b="1">
+              <a:rPr lang="ko-KR" altLang="en-US" sz="2000" b="1" dirty="0">
                 <a:solidFill>
                   <a:schemeClr val="bg1"/>
                 </a:solidFill>
@@ -23414,7 +24936,7 @@
               </a:rPr>
               <a:t>연구 결과 및 토의</a:t>
             </a:r>
-            <a:endParaRPr lang="en-US" altLang="ko-KR" sz="2000" b="1">
+            <a:endParaRPr lang="en-US" altLang="ko-KR" sz="2000" b="1" dirty="0">
               <a:solidFill>
                 <a:schemeClr val="bg1"/>
               </a:solidFill>
@@ -23431,7 +24953,7 @@
               <a:buChar char="§"/>
             </a:pPr>
             <a:r>
-              <a:rPr lang="ko-KR" altLang="en-US" sz="2000" b="1">
+              <a:rPr lang="ko-KR" altLang="en-US" sz="2000" b="1" dirty="0">
                 <a:solidFill>
                   <a:schemeClr val="bg1"/>
                 </a:solidFill>
@@ -24262,7 +25784,7 @@
         <p:spPr>
           <a:xfrm>
             <a:off x="758011" y="1868808"/>
-            <a:ext cx="6811189" cy="1666546"/>
+            <a:ext cx="9704714" cy="4690451"/>
           </a:xfrm>
           <a:prstGeom prst="rect">
             <a:avLst/>
@@ -24283,23 +25805,289 @@
               <a:buChar char="•"/>
             </a:pPr>
             <a:r>
-              <a:rPr lang="ko-KR" altLang="en-US" sz="1400">
+              <a:rPr lang="ko-KR" altLang="en-US" sz="1400" dirty="0">
                 <a:latin typeface="+mn-ea"/>
               </a:rPr>
-              <a:t>고품질 </a:t>
-            </a:r>
-            <a:r>
-              <a:rPr lang="en-US" altLang="ko-KR" sz="1400">
+              <a:t>왜 라인스캔 카메라를 활용하는가</a:t>
+            </a:r>
+            <a:r>
+              <a:rPr lang="en-US" altLang="ko-KR" sz="1400" dirty="0">
                 <a:latin typeface="+mn-ea"/>
               </a:rPr>
-              <a:t>IC</a:t>
-            </a:r>
-            <a:r>
-              <a:rPr lang="ko-KR" altLang="en-US" sz="1400">
+              <a:t>?</a:t>
+            </a:r>
+          </a:p>
+          <a:p>
+            <a:pPr>
+              <a:lnSpc>
+                <a:spcPct val="150000"/>
+              </a:lnSpc>
+            </a:pPr>
+            <a:r>
+              <a:rPr lang="en-US" altLang="ko-KR" sz="1400" dirty="0">
                 <a:latin typeface="+mn-ea"/>
               </a:rPr>
-              <a:t>를 생산하기 위해서는 웨이퍼가 아주 깨끗하고 고도로 정렬되어야 함</a:t>
-            </a:r>
+              <a:t>  → </a:t>
+            </a:r>
+            <a:r>
+              <a:rPr lang="ko-KR" altLang="en-US" sz="1400" dirty="0">
+                <a:latin typeface="+mn-ea"/>
+              </a:rPr>
+              <a:t>일반적인 제조 기업에서는 제품 생산시에 컨베이어벨트를 따라 제품을 이동하며 생산하는 파이프라인 방식을 사용하고 있음</a:t>
+            </a:r>
+            <a:r>
+              <a:rPr lang="en-US" altLang="ko-KR" sz="1400" dirty="0">
+                <a:latin typeface="+mn-ea"/>
+              </a:rPr>
+              <a:t>   </a:t>
+            </a:r>
+          </a:p>
+          <a:p>
+            <a:pPr>
+              <a:lnSpc>
+                <a:spcPct val="150000"/>
+              </a:lnSpc>
+            </a:pPr>
+            <a:r>
+              <a:rPr lang="en-US" altLang="ko-KR" sz="1400" dirty="0">
+                <a:latin typeface="+mn-ea"/>
+              </a:rPr>
+              <a:t>  → </a:t>
+            </a:r>
+            <a:r>
+              <a:rPr lang="ko-KR" altLang="en-US" sz="1400" dirty="0">
+                <a:latin typeface="+mn-ea"/>
+              </a:rPr>
+              <a:t>기존의 </a:t>
+            </a:r>
+            <a:r>
+              <a:rPr lang="en-US" altLang="ko-KR" sz="1400" dirty="0">
+                <a:latin typeface="+mn-ea"/>
+              </a:rPr>
+              <a:t>Area-Scan </a:t>
+            </a:r>
+            <a:r>
+              <a:rPr lang="ko-KR" altLang="en-US" sz="1400" dirty="0">
+                <a:latin typeface="+mn-ea"/>
+              </a:rPr>
+              <a:t>방식을 활용하는 카메라</a:t>
+            </a:r>
+            <a:r>
+              <a:rPr lang="en-US" altLang="ko-KR" sz="1400" dirty="0">
+                <a:latin typeface="+mn-ea"/>
+              </a:rPr>
+              <a:t>(2D)</a:t>
+            </a:r>
+            <a:r>
+              <a:rPr lang="ko-KR" altLang="en-US" sz="1400" dirty="0">
+                <a:latin typeface="+mn-ea"/>
+              </a:rPr>
+              <a:t>를 사용한다면</a:t>
+            </a:r>
+            <a:r>
+              <a:rPr lang="en-US" altLang="ko-KR" sz="1400" dirty="0">
+                <a:latin typeface="+mn-ea"/>
+              </a:rPr>
+              <a:t>, </a:t>
+            </a:r>
+            <a:r>
+              <a:rPr lang="ko-KR" altLang="en-US" sz="1400" dirty="0">
+                <a:latin typeface="+mn-ea"/>
+              </a:rPr>
+              <a:t>이미지 획득 시마다 라인을 멈추며 진행해야 하고</a:t>
+            </a:r>
+            <a:r>
+              <a:rPr lang="en-US" altLang="ko-KR" sz="1400" dirty="0">
+                <a:latin typeface="+mn-ea"/>
+              </a:rPr>
+              <a:t>, </a:t>
+            </a:r>
+            <a:r>
+              <a:rPr lang="ko-KR" altLang="en-US" sz="1400" dirty="0">
+                <a:latin typeface="+mn-ea"/>
+              </a:rPr>
+              <a:t>이로 인한 </a:t>
+            </a:r>
+            <a:r>
+              <a:rPr lang="en-US" altLang="ko-KR" sz="1400" dirty="0">
+                <a:latin typeface="+mn-ea"/>
+              </a:rPr>
+              <a:t>Loss</a:t>
+            </a:r>
+            <a:r>
+              <a:rPr lang="ko-KR" altLang="en-US" sz="1400" dirty="0">
+                <a:latin typeface="+mn-ea"/>
+              </a:rPr>
+              <a:t>가 발생하여 생산성이 감소할 수 있음 </a:t>
+            </a:r>
+            <a:endParaRPr lang="en-US" altLang="ko-KR" sz="1400" dirty="0">
+              <a:latin typeface="+mn-ea"/>
+            </a:endParaRPr>
+          </a:p>
+          <a:p>
+            <a:pPr>
+              <a:lnSpc>
+                <a:spcPct val="150000"/>
+              </a:lnSpc>
+            </a:pPr>
+            <a:r>
+              <a:rPr lang="en-US" altLang="ko-KR" sz="1400" dirty="0">
+                <a:latin typeface="+mn-ea"/>
+              </a:rPr>
+              <a:t>  → </a:t>
+            </a:r>
+            <a:r>
+              <a:rPr lang="ko-KR" altLang="en-US" sz="1400" dirty="0">
+                <a:latin typeface="+mn-ea"/>
+              </a:rPr>
+              <a:t>반면</a:t>
+            </a:r>
+            <a:r>
+              <a:rPr lang="en-US" altLang="ko-KR" sz="1400" dirty="0">
+                <a:latin typeface="+mn-ea"/>
+              </a:rPr>
+              <a:t>, </a:t>
+            </a:r>
+            <a:r>
+              <a:rPr lang="ko-KR" altLang="en-US" sz="1400" dirty="0">
+                <a:latin typeface="+mn-ea"/>
+              </a:rPr>
+              <a:t>라인 스캔 카메라</a:t>
+            </a:r>
+            <a:r>
+              <a:rPr lang="en-US" altLang="ko-KR" sz="1400" dirty="0">
+                <a:latin typeface="+mn-ea"/>
+              </a:rPr>
+              <a:t>(1D)</a:t>
+            </a:r>
+            <a:r>
+              <a:rPr lang="ko-KR" altLang="en-US" sz="1400" dirty="0">
+                <a:latin typeface="+mn-ea"/>
+              </a:rPr>
+              <a:t>를 사용한다면</a:t>
+            </a:r>
+            <a:r>
+              <a:rPr lang="en-US" altLang="ko-KR" sz="1400" dirty="0">
+                <a:latin typeface="+mn-ea"/>
+              </a:rPr>
+              <a:t>, </a:t>
+            </a:r>
+            <a:r>
+              <a:rPr lang="ko-KR" altLang="en-US" sz="1400" u="sng" dirty="0">
+                <a:solidFill>
+                  <a:schemeClr val="accent1"/>
+                </a:solidFill>
+                <a:latin typeface="+mn-ea"/>
+              </a:rPr>
+              <a:t>고해상도 이미지</a:t>
+            </a:r>
+            <a:r>
+              <a:rPr lang="ko-KR" altLang="en-US" sz="1400" dirty="0">
+                <a:latin typeface="+mn-ea"/>
+              </a:rPr>
+              <a:t>를 획득할</a:t>
+            </a:r>
+            <a:r>
+              <a:rPr lang="en-US" altLang="ko-KR" sz="1400" dirty="0">
+                <a:latin typeface="+mn-ea"/>
+              </a:rPr>
+              <a:t> </a:t>
+            </a:r>
+            <a:r>
+              <a:rPr lang="ko-KR" altLang="en-US" sz="1400" dirty="0">
+                <a:latin typeface="+mn-ea"/>
+              </a:rPr>
+              <a:t>수 있으며</a:t>
+            </a:r>
+            <a:r>
+              <a:rPr lang="en-US" altLang="ko-KR" sz="1400" dirty="0">
+                <a:latin typeface="+mn-ea"/>
+              </a:rPr>
+              <a:t> </a:t>
+            </a:r>
+            <a:r>
+              <a:rPr lang="ko-KR" altLang="en-US" sz="1400" u="sng" dirty="0">
+                <a:solidFill>
+                  <a:schemeClr val="accent1"/>
+                </a:solidFill>
+                <a:latin typeface="+mn-ea"/>
+              </a:rPr>
+              <a:t>실시간으로 이미지를 획득</a:t>
+            </a:r>
+            <a:r>
+              <a:rPr lang="ko-KR" altLang="en-US" sz="1400" dirty="0">
+                <a:latin typeface="+mn-ea"/>
+              </a:rPr>
+              <a:t>하는 것이 가능해져 생산성을 높일 수 있음</a:t>
+            </a:r>
+            <a:endParaRPr lang="en-US" altLang="ko-KR" sz="1400" dirty="0">
+              <a:latin typeface="+mn-ea"/>
+            </a:endParaRPr>
+          </a:p>
+          <a:p>
+            <a:pPr>
+              <a:lnSpc>
+                <a:spcPct val="150000"/>
+              </a:lnSpc>
+            </a:pPr>
+            <a:r>
+              <a:rPr lang="en-US" altLang="ko-KR" sz="1400" dirty="0">
+                <a:latin typeface="+mn-ea"/>
+              </a:rPr>
+              <a:t>  →</a:t>
+            </a:r>
+            <a:r>
+              <a:rPr lang="ko-KR" altLang="en-US" sz="1400" dirty="0">
+                <a:latin typeface="+mn-ea"/>
+              </a:rPr>
+              <a:t> 따라서</a:t>
+            </a:r>
+            <a:r>
+              <a:rPr lang="en-US" altLang="ko-KR" sz="1400" dirty="0">
+                <a:latin typeface="+mn-ea"/>
+              </a:rPr>
+              <a:t>, </a:t>
+            </a:r>
+            <a:r>
+              <a:rPr lang="ko-KR" altLang="en-US" sz="1400" dirty="0">
+                <a:latin typeface="+mn-ea"/>
+              </a:rPr>
+              <a:t>이동하는 물체에 대해 라인 스캔 카메라를 활용하여 이미지를 획득하고 불량을 검출하는 것이 가능하다면</a:t>
+            </a:r>
+            <a:r>
+              <a:rPr lang="en-US" altLang="ko-KR" sz="1400" dirty="0">
+                <a:latin typeface="+mn-ea"/>
+              </a:rPr>
+              <a:t>, </a:t>
+            </a:r>
+            <a:r>
+              <a:rPr lang="ko-KR" altLang="en-US" sz="1400" u="sng" dirty="0">
+                <a:solidFill>
+                  <a:schemeClr val="accent1"/>
+                </a:solidFill>
+                <a:latin typeface="+mn-ea"/>
+              </a:rPr>
+              <a:t>실시간으로 정밀 불량 검출</a:t>
+            </a:r>
+            <a:r>
+              <a:rPr lang="ko-KR" altLang="en-US" sz="1400" dirty="0">
+                <a:latin typeface="+mn-ea"/>
+              </a:rPr>
+              <a:t>이 가능한 효율적인 생산 시스템을 구성할 수 있음 </a:t>
+            </a:r>
+            <a:endParaRPr lang="en-US" altLang="ko-KR" sz="1400" dirty="0">
+              <a:latin typeface="+mn-ea"/>
+            </a:endParaRPr>
+          </a:p>
+          <a:p>
+            <a:pPr>
+              <a:lnSpc>
+                <a:spcPct val="150000"/>
+              </a:lnSpc>
+            </a:pPr>
+            <a:endParaRPr lang="ko-KR" altLang="en-US" sz="500" dirty="0">
+              <a:latin typeface="+mn-ea"/>
+            </a:endParaRPr>
           </a:p>
           <a:p>
             <a:pPr marL="180000" indent="-180000">
@@ -24310,118 +26098,234 @@
               <a:buChar char="•"/>
             </a:pPr>
             <a:r>
-              <a:rPr lang="ko-KR" altLang="en-US" sz="1400">
+              <a:rPr lang="ko-KR" altLang="en-US" sz="1400" dirty="0">
                 <a:latin typeface="+mn-ea"/>
               </a:rPr>
-              <a:t>고도로 자동화되고 정밀한 장비</a:t>
-            </a:r>
-            <a:r>
-              <a:rPr lang="en-US" altLang="ko-KR" sz="1400">
+              <a:t>왜 </a:t>
+            </a:r>
+            <a:r>
+              <a:rPr lang="en-US" altLang="ko-KR" sz="1400" dirty="0">
                 <a:latin typeface="+mn-ea"/>
               </a:rPr>
-              <a:t>, </a:t>
-            </a:r>
-            <a:r>
-              <a:rPr lang="ko-KR" altLang="en-US" sz="1400">
+              <a:t>Auto Encoder </a:t>
+            </a:r>
+            <a:r>
+              <a:rPr lang="ko-KR" altLang="en-US" sz="1400" dirty="0">
                 <a:latin typeface="+mn-ea"/>
               </a:rPr>
-              <a:t>숙련된 엔지니어도 웨이퍼 불량생산 불가피</a:t>
+              <a:t>방식으로 모델을 구축 하였는가</a:t>
+            </a:r>
+            <a:r>
+              <a:rPr lang="en-US" altLang="ko-KR" sz="1400" dirty="0">
+                <a:latin typeface="+mn-ea"/>
+              </a:rPr>
+              <a:t>?</a:t>
             </a:r>
           </a:p>
           <a:p>
-            <a:pPr marL="180000" indent="-180000">
+            <a:pPr>
               <a:lnSpc>
                 <a:spcPct val="150000"/>
               </a:lnSpc>
-              <a:buFont typeface="Arial" panose="020B0604020202020204" pitchFamily="34" charset="0"/>
-              <a:buChar char="•"/>
             </a:pPr>
             <a:r>
-              <a:rPr lang="ko-KR" altLang="en-US" sz="1400">
+              <a:rPr lang="en-US" altLang="ko-KR" sz="1400" dirty="0">
                 <a:latin typeface="+mn-ea"/>
               </a:rPr>
-              <a:t>웨이퍼 검사 </a:t>
-            </a:r>
-            <a:r>
-              <a:rPr lang="en-US" altLang="ko-KR" sz="1400">
+              <a:t>  → </a:t>
+            </a:r>
+            <a:r>
+              <a:rPr lang="ko-KR" altLang="en-US" sz="1400" dirty="0">
                 <a:latin typeface="+mn-ea"/>
-                <a:sym typeface="Wingdings" panose="05000000000000000000" pitchFamily="2" charset="2"/>
-              </a:rPr>
-              <a:t></a:t>
-            </a:r>
-            <a:r>
-              <a:rPr lang="ko-KR" altLang="en-US" sz="1400">
+              </a:rPr>
+              <a:t>대부분의 제조 라인에서는 실제 불량이 발생하는 경우가 많지 않기 때문에</a:t>
+            </a:r>
+            <a:r>
+              <a:rPr lang="en-US" altLang="ko-KR" sz="1400" dirty="0">
                 <a:latin typeface="+mn-ea"/>
               </a:rPr>
               <a:t> </a:t>
             </a:r>
             <a:r>
-              <a:rPr lang="en-US" altLang="ko-KR" sz="1400">
+              <a:rPr lang="ko-KR" altLang="en-US" sz="1400" dirty="0">
                 <a:latin typeface="+mn-ea"/>
               </a:rPr>
-              <a:t>2</a:t>
-            </a:r>
-            <a:r>
-              <a:rPr lang="ko-KR" altLang="en-US" sz="1400">
-                <a:latin typeface="+mn-ea"/>
-              </a:rPr>
-              <a:t>차원 웨이퍼 맵</a:t>
-            </a:r>
-            <a:r>
-              <a:rPr lang="en-US" altLang="ko-KR" sz="1400">
-                <a:latin typeface="+mn-ea"/>
-              </a:rPr>
-              <a:t>(WM, wafer map) </a:t>
-            </a:r>
-            <a:r>
-              <a:rPr lang="ko-KR" altLang="en-US" sz="1400">
-                <a:latin typeface="+mn-ea"/>
-              </a:rPr>
-              <a:t>생성 </a:t>
-            </a:r>
-            <a:r>
-              <a:rPr lang="en-US" altLang="ko-KR" sz="1400">
-                <a:latin typeface="+mn-ea"/>
-                <a:sym typeface="Wingdings" panose="05000000000000000000" pitchFamily="2" charset="2"/>
-              </a:rPr>
-              <a:t></a:t>
-            </a:r>
-            <a:r>
-              <a:rPr lang="ko-KR" altLang="en-US" sz="1400">
-                <a:latin typeface="+mn-ea"/>
-              </a:rPr>
-              <a:t> 불량 패턴을 분류</a:t>
-            </a:r>
+              <a:t>불량 데이터를 확보하기가 어려움</a:t>
+            </a:r>
+            <a:endParaRPr lang="en-US" altLang="ko-KR" sz="1400" dirty="0">
+              <a:latin typeface="+mn-ea"/>
+            </a:endParaRPr>
           </a:p>
           <a:p>
-            <a:pPr marL="180000" indent="-180000">
+            <a:pPr>
               <a:lnSpc>
                 <a:spcPct val="150000"/>
               </a:lnSpc>
-              <a:buFont typeface="Arial" panose="020B0604020202020204" pitchFamily="34" charset="0"/>
-              <a:buChar char="•"/>
             </a:pPr>
             <a:r>
-              <a:rPr lang="en-US" altLang="ko-KR" sz="1400">
+              <a:rPr lang="en-US" altLang="ko-KR" sz="1400" dirty="0">
                 <a:latin typeface="+mn-ea"/>
               </a:rPr>
-              <a:t>WM </a:t>
-            </a:r>
-            <a:r>
-              <a:rPr lang="ko-KR" altLang="en-US" sz="1400">
+              <a:t>  → </a:t>
+            </a:r>
+            <a:r>
+              <a:rPr lang="ko-KR" altLang="en-US" sz="1400" dirty="0" err="1">
                 <a:latin typeface="+mn-ea"/>
               </a:rPr>
-              <a:t>불량 분석은 반도체 제조의 비정상 프로세스를 발견하고 조치를 취하는 데 정보를 제공하므로 중요함</a:t>
+              <a:t>딥러닝을</a:t>
+            </a:r>
+            <a:r>
+              <a:rPr lang="ko-KR" altLang="en-US" sz="1400" dirty="0">
+                <a:latin typeface="+mn-ea"/>
+              </a:rPr>
+              <a:t> 적용할 시에</a:t>
+            </a:r>
+            <a:r>
+              <a:rPr lang="en-US" altLang="ko-KR" sz="1400" dirty="0">
+                <a:latin typeface="+mn-ea"/>
+              </a:rPr>
+              <a:t>,</a:t>
+            </a:r>
+            <a:r>
+              <a:rPr lang="ko-KR" altLang="en-US" sz="1400" dirty="0">
+                <a:latin typeface="+mn-ea"/>
+              </a:rPr>
+              <a:t> 불량 검출을 위해 수많은 불량에 대해 모두 학습해야 하는 것 또한 매우 어려움</a:t>
+            </a:r>
+            <a:endParaRPr lang="en-US" altLang="ko-KR" sz="1400" dirty="0">
+              <a:latin typeface="+mn-ea"/>
+            </a:endParaRPr>
+          </a:p>
+          <a:p>
+            <a:pPr>
+              <a:lnSpc>
+                <a:spcPct val="150000"/>
+              </a:lnSpc>
+            </a:pPr>
+            <a:r>
+              <a:rPr lang="en-US" altLang="ko-KR" sz="1400" dirty="0">
+                <a:latin typeface="+mn-ea"/>
+              </a:rPr>
+              <a:t>  → </a:t>
+            </a:r>
+            <a:r>
+              <a:rPr lang="ko-KR" altLang="en-US" sz="1400" dirty="0">
+                <a:latin typeface="+mn-ea"/>
+              </a:rPr>
+              <a:t>특히</a:t>
+            </a:r>
+            <a:r>
+              <a:rPr lang="en-US" altLang="ko-KR" sz="1400" dirty="0">
+                <a:latin typeface="+mn-ea"/>
+              </a:rPr>
+              <a:t>, </a:t>
+            </a:r>
+            <a:r>
+              <a:rPr lang="ko-KR" altLang="en-US" sz="1400" dirty="0">
+                <a:latin typeface="+mn-ea"/>
+              </a:rPr>
+              <a:t>다품종 소량생산 제품의 경우</a:t>
+            </a:r>
+            <a:r>
+              <a:rPr lang="en-US" altLang="ko-KR" sz="1400" dirty="0">
+                <a:latin typeface="+mn-ea"/>
+              </a:rPr>
+              <a:t>, </a:t>
+            </a:r>
+            <a:r>
+              <a:rPr lang="ko-KR" altLang="en-US" sz="1400" dirty="0">
+                <a:latin typeface="+mn-ea"/>
+              </a:rPr>
+              <a:t>데이터 확보와 여러가지 불량 </a:t>
+            </a:r>
+            <a:r>
+              <a:rPr lang="en-US" altLang="ko-KR" sz="1400" dirty="0">
+                <a:latin typeface="+mn-ea"/>
+              </a:rPr>
+              <a:t>Case</a:t>
+            </a:r>
+            <a:r>
+              <a:rPr lang="ko-KR" altLang="en-US" sz="1400" dirty="0">
+                <a:latin typeface="+mn-ea"/>
+              </a:rPr>
+              <a:t>에 대해 학습한다는 것은 거의 불가능 함 </a:t>
+            </a:r>
+            <a:endParaRPr lang="en-US" altLang="ko-KR" sz="1400" dirty="0">
+              <a:latin typeface="+mn-ea"/>
+            </a:endParaRPr>
+          </a:p>
+          <a:p>
+            <a:pPr>
+              <a:lnSpc>
+                <a:spcPct val="150000"/>
+              </a:lnSpc>
+            </a:pPr>
+            <a:r>
+              <a:rPr lang="ko-KR" altLang="en-US" sz="1400" dirty="0">
+                <a:latin typeface="+mn-ea"/>
+              </a:rPr>
+              <a:t>  </a:t>
+            </a:r>
+            <a:r>
+              <a:rPr lang="en-US" altLang="ko-KR" sz="1400" dirty="0">
+                <a:latin typeface="+mn-ea"/>
+              </a:rPr>
+              <a:t>→ </a:t>
+            </a:r>
+            <a:r>
+              <a:rPr lang="ko-KR" altLang="en-US" sz="1400" dirty="0">
+                <a:latin typeface="+mn-ea"/>
+              </a:rPr>
+              <a:t>따라서</a:t>
+            </a:r>
+            <a:r>
+              <a:rPr lang="en-US" altLang="ko-KR" sz="1400" dirty="0">
+                <a:latin typeface="+mn-ea"/>
+              </a:rPr>
+              <a:t>, </a:t>
+            </a:r>
+            <a:r>
+              <a:rPr lang="ko-KR" altLang="en-US" sz="1400" u="sng" dirty="0">
+                <a:solidFill>
+                  <a:schemeClr val="accent1"/>
+                </a:solidFill>
+                <a:latin typeface="+mn-ea"/>
+              </a:rPr>
+              <a:t>정상 데이터만 학습하여 불량을 검출하는 </a:t>
+            </a:r>
+            <a:r>
+              <a:rPr lang="en-US" altLang="ko-KR" sz="1400" u="sng" dirty="0">
+                <a:solidFill>
+                  <a:schemeClr val="accent1"/>
+                </a:solidFill>
+                <a:latin typeface="+mn-ea"/>
+              </a:rPr>
+              <a:t>Auto-Encoder </a:t>
+            </a:r>
+            <a:r>
+              <a:rPr lang="ko-KR" altLang="en-US" sz="1400" u="sng" dirty="0">
+                <a:solidFill>
+                  <a:schemeClr val="accent1"/>
+                </a:solidFill>
+                <a:latin typeface="+mn-ea"/>
+              </a:rPr>
+              <a:t>방식</a:t>
+            </a:r>
+            <a:r>
+              <a:rPr lang="ko-KR" altLang="en-US" sz="1400" dirty="0">
+                <a:latin typeface="+mn-ea"/>
+              </a:rPr>
+              <a:t>을 활용하고자 함</a:t>
             </a:r>
           </a:p>
         </p:txBody>
       </p:sp>
       <p:sp>
         <p:nvSpPr>
-          <p:cNvPr id="16" name="TextBox 15">
+          <p:cNvPr id="33" name="TextBox 32">
             <a:extLst>
               <a:ext uri="{FF2B5EF4-FFF2-40B4-BE49-F238E27FC236}">
-                <a16:creationId xmlns:a16="http://schemas.microsoft.com/office/drawing/2014/main" id="{CF6E4459-E454-CEA5-E18B-3B5A9B62D97B}"/>
+                <a16:creationId xmlns:a16="http://schemas.microsoft.com/office/drawing/2014/main" id="{1F5D3ACB-BB5A-B5AC-2B31-9AD40AD15332}"/>
               </a:ext>
             </a:extLst>
           </p:cNvPr>
@@ -24430,308 +26334,111 @@
         </p:nvSpPr>
         <p:spPr>
           <a:xfrm>
-            <a:off x="7678333" y="1354199"/>
-            <a:ext cx="2784392" cy="1751890"/>
+            <a:off x="10134769" y="7077075"/>
+            <a:ext cx="263214" cy="276999"/>
           </a:xfrm>
           <a:prstGeom prst="rect">
             <a:avLst/>
           </a:prstGeom>
-          <a:solidFill>
-            <a:schemeClr val="accent2">
-              <a:lumMod val="20000"/>
-              <a:lumOff val="80000"/>
-            </a:schemeClr>
-          </a:solidFill>
+          <a:noFill/>
         </p:spPr>
         <p:txBody>
-          <a:bodyPr wrap="square" rtlCol="0">
+          <a:bodyPr wrap="none" rtlCol="0">
             <a:spAutoFit/>
           </a:bodyPr>
           <a:lstStyle/>
           <a:p>
-            <a:pPr marL="285750" indent="-285750">
-              <a:lnSpc>
-                <a:spcPct val="130000"/>
-              </a:lnSpc>
-              <a:buFont typeface="Wingdings" panose="05000000000000000000" pitchFamily="2" charset="2"/>
-              <a:buChar char="ü"/>
-            </a:pPr>
-            <a:r>
-              <a:rPr lang="ko-KR" altLang="en-US" sz="1200" b="1" dirty="0">
-                <a:solidFill>
-                  <a:srgbClr val="C00000"/>
-                </a:solidFill>
-              </a:rPr>
-              <a:t>해결 또는 개선하려는 문제에 대한 전반적인 설명 기술</a:t>
-            </a:r>
-            <a:endParaRPr lang="en-US" altLang="ko-KR" sz="1200" b="1" dirty="0">
-              <a:solidFill>
-                <a:srgbClr val="C00000"/>
-              </a:solidFill>
-            </a:endParaRPr>
-          </a:p>
-          <a:p>
-            <a:pPr marL="285750" indent="-285750">
-              <a:lnSpc>
-                <a:spcPct val="130000"/>
-              </a:lnSpc>
-              <a:buFont typeface="Wingdings" panose="05000000000000000000" pitchFamily="2" charset="2"/>
-              <a:buChar char="ü"/>
-            </a:pPr>
-            <a:r>
-              <a:rPr lang="ko-KR" altLang="en-US" sz="1200" b="1" dirty="0">
-                <a:solidFill>
-                  <a:srgbClr val="C00000"/>
-                </a:solidFill>
-              </a:rPr>
-              <a:t>연구를 시행해야 할 근거 제시</a:t>
-            </a:r>
-            <a:endParaRPr lang="en-US" altLang="ko-KR" sz="1200" b="1" dirty="0">
-              <a:solidFill>
-                <a:srgbClr val="C00000"/>
-              </a:solidFill>
-            </a:endParaRPr>
-          </a:p>
-          <a:p>
-            <a:pPr marL="285750" indent="-285750">
-              <a:lnSpc>
-                <a:spcPct val="130000"/>
-              </a:lnSpc>
-              <a:buFont typeface="Wingdings" panose="05000000000000000000" pitchFamily="2" charset="2"/>
-              <a:buChar char="ü"/>
-            </a:pPr>
-            <a:r>
-              <a:rPr lang="ko-KR" altLang="en-US" sz="1200" b="1" dirty="0">
-                <a:solidFill>
-                  <a:srgbClr val="C00000"/>
-                </a:solidFill>
-              </a:rPr>
-              <a:t>이 분야를 처음 접하는 사람에게 설명한다는 생각으로 작성 </a:t>
-            </a:r>
-            <a:endParaRPr lang="en-US" altLang="ko-KR" sz="1200" b="1" dirty="0">
-              <a:solidFill>
-                <a:srgbClr val="C00000"/>
-              </a:solidFill>
-            </a:endParaRPr>
-          </a:p>
-          <a:p>
-            <a:pPr marL="285750" indent="-285750">
-              <a:lnSpc>
-                <a:spcPct val="130000"/>
-              </a:lnSpc>
-              <a:buFont typeface="Wingdings" panose="05000000000000000000" pitchFamily="2" charset="2"/>
-              <a:buChar char="ü"/>
-            </a:pPr>
-            <a:r>
-              <a:rPr lang="ko-KR" altLang="en-US" sz="1200" b="1" dirty="0">
-                <a:solidFill>
-                  <a:srgbClr val="C00000"/>
-                </a:solidFill>
-              </a:rPr>
-              <a:t>다음 페이지의 </a:t>
-            </a:r>
-            <a:r>
-              <a:rPr lang="en-US" altLang="ko-KR" sz="1200" b="1" dirty="0">
-                <a:solidFill>
-                  <a:srgbClr val="C00000"/>
-                </a:solidFill>
-              </a:rPr>
-              <a:t>“</a:t>
-            </a:r>
-            <a:r>
-              <a:rPr lang="ko-KR" altLang="en-US" sz="1200" b="1" dirty="0">
-                <a:solidFill>
-                  <a:srgbClr val="C00000"/>
-                </a:solidFill>
-              </a:rPr>
-              <a:t>기존 연구 또는 기술의 한계</a:t>
-            </a:r>
-            <a:r>
-              <a:rPr lang="en-US" altLang="ko-KR" sz="1200" b="1" dirty="0">
-                <a:solidFill>
-                  <a:srgbClr val="C00000"/>
-                </a:solidFill>
-              </a:rPr>
-              <a:t>”</a:t>
-            </a:r>
-            <a:r>
-              <a:rPr lang="ko-KR" altLang="en-US" sz="1200" b="1" dirty="0">
-                <a:solidFill>
-                  <a:srgbClr val="C00000"/>
-                </a:solidFill>
-              </a:rPr>
-              <a:t>에서 세부 내용 기술</a:t>
-            </a:r>
+            <a:fld id="{E2886697-6AD6-4FDA-9E51-14A767932366}" type="slidenum">
+              <a:rPr lang="ko-KR" altLang="en-US" sz="1200" smtClean="0"/>
+              <a:t>3</a:t>
+            </a:fld>
+            <a:endParaRPr lang="ko-KR" altLang="en-US" sz="1200"/>
           </a:p>
         </p:txBody>
       </p:sp>
+    </p:spTree>
+    <p:extLst>
+      <p:ext uri="{BB962C8B-B14F-4D97-AF65-F5344CB8AC3E}">
+        <p14:creationId xmlns:p14="http://schemas.microsoft.com/office/powerpoint/2010/main" val="3409640783"/>
+      </p:ext>
+    </p:extLst>
+  </p:cSld>
+  <p:clrMapOvr>
+    <a:masterClrMapping/>
+  </p:clrMapOvr>
+</p:sld>
+</file>
+
+<file path=ppt/slides/slide4.xml><?xml version="1.0" encoding="utf-8"?>
+<p:sld xmlns:a="http://schemas.openxmlformats.org/drawingml/2006/main" xmlns:r="http://schemas.openxmlformats.org/officeDocument/2006/relationships" xmlns:p="http://schemas.openxmlformats.org/presentationml/2006/main">
+  <p:cSld>
+    <p:spTree>
+      <p:nvGrpSpPr>
+        <p:cNvPr id="1" name=""/>
+        <p:cNvGrpSpPr/>
+        <p:nvPr/>
+      </p:nvGrpSpPr>
+      <p:grpSpPr>
+        <a:xfrm>
+          <a:off x="0" y="0"/>
+          <a:ext cx="0" cy="0"/>
+          <a:chOff x="0" y="0"/>
+          <a:chExt cx="0" cy="0"/>
+        </a:xfrm>
+      </p:grpSpPr>
       <p:sp>
         <p:nvSpPr>
-          <p:cNvPr id="29" name="물결 28">
+          <p:cNvPr id="6" name="TextBox 5">
             <a:extLst>
               <a:ext uri="{FF2B5EF4-FFF2-40B4-BE49-F238E27FC236}">
-                <a16:creationId xmlns:a16="http://schemas.microsoft.com/office/drawing/2014/main" id="{797C53AF-0D87-4A44-1AC9-C14F3E8FD2A2}"/>
+                <a16:creationId xmlns:a16="http://schemas.microsoft.com/office/drawing/2014/main" id="{3A596C79-63D0-4BF5-B7CC-D11C632D6AD3}"/>
               </a:ext>
             </a:extLst>
           </p:cNvPr>
-          <p:cNvSpPr/>
+          <p:cNvSpPr txBox="1"/>
           <p:nvPr/>
         </p:nvSpPr>
         <p:spPr>
-          <a:xfrm rot="-1500000">
-            <a:off x="3604121" y="738912"/>
-            <a:ext cx="2145812" cy="767782"/>
+          <a:xfrm>
+            <a:off x="1304364" y="599583"/>
+            <a:ext cx="7839636" cy="523220"/>
           </a:xfrm>
-          <a:prstGeom prst="wave">
+          <a:prstGeom prst="rect">
             <a:avLst/>
           </a:prstGeom>
-          <a:solidFill>
-            <a:schemeClr val="accent2">
-              <a:lumMod val="20000"/>
-              <a:lumOff val="80000"/>
-            </a:schemeClr>
-          </a:solidFill>
-          <a:ln>
-            <a:noFill/>
-          </a:ln>
+          <a:noFill/>
         </p:spPr>
-        <p:style>
-          <a:lnRef idx="2">
-            <a:schemeClr val="accent1">
-              <a:shade val="50000"/>
-            </a:schemeClr>
-          </a:lnRef>
-          <a:fillRef idx="1">
-            <a:schemeClr val="accent1"/>
-          </a:fillRef>
-          <a:effectRef idx="0">
-            <a:schemeClr val="accent1"/>
-          </a:effectRef>
-          <a:fontRef idx="minor">
-            <a:schemeClr val="lt1"/>
-          </a:fontRef>
-        </p:style>
         <p:txBody>
-          <a:bodyPr rtlCol="0" anchor="ctr"/>
+          <a:bodyPr wrap="square">
+            <a:spAutoFit/>
+          </a:bodyPr>
           <a:lstStyle/>
           <a:p>
-            <a:pPr algn="ctr"/>
-            <a:r>
-              <a:rPr lang="ko-KR" altLang="en-US" b="1" dirty="0">
+            <a:r>
+              <a:rPr lang="ko-KR" altLang="en-US" sz="2800" b="1" dirty="0">
                 <a:solidFill>
-                  <a:srgbClr val="C00000"/>
+                  <a:schemeClr val="bg1"/>
                 </a:solidFill>
-              </a:rPr>
-              <a:t>제목</a:t>
-            </a:r>
-            <a:r>
-              <a:rPr lang="en-US" altLang="ko-KR" b="1" dirty="0">
-                <a:solidFill>
-                  <a:srgbClr val="C00000"/>
-                </a:solidFill>
-              </a:rPr>
-              <a:t>/</a:t>
-            </a:r>
-            <a:r>
-              <a:rPr lang="ko-KR" altLang="en-US" b="1" dirty="0">
-                <a:solidFill>
-                  <a:srgbClr val="C00000"/>
-                </a:solidFill>
-              </a:rPr>
-              <a:t>목차 준수</a:t>
-            </a:r>
-          </a:p>
-        </p:txBody>
-      </p:sp>
-      <p:sp>
-        <p:nvSpPr>
-          <p:cNvPr id="2" name="물결 1">
-            <a:extLst>
-              <a:ext uri="{FF2B5EF4-FFF2-40B4-BE49-F238E27FC236}">
-                <a16:creationId xmlns:a16="http://schemas.microsoft.com/office/drawing/2014/main" id="{FDDD35C9-040C-AD5B-DCBC-16FF78B3C8A9}"/>
-              </a:ext>
-            </a:extLst>
-          </p:cNvPr>
-          <p:cNvSpPr/>
-          <p:nvPr/>
-        </p:nvSpPr>
-        <p:spPr>
-          <a:xfrm rot="20100000">
-            <a:off x="4017254" y="5058566"/>
-            <a:ext cx="2145812" cy="767782"/>
-          </a:xfrm>
-          <a:prstGeom prst="wave">
-            <a:avLst/>
-          </a:prstGeom>
-          <a:solidFill>
-            <a:schemeClr val="accent2">
-              <a:lumMod val="20000"/>
-              <a:lumOff val="80000"/>
-            </a:schemeClr>
-          </a:solidFill>
-          <a:ln>
-            <a:noFill/>
-          </a:ln>
-        </p:spPr>
-        <p:style>
-          <a:lnRef idx="2">
-            <a:schemeClr val="accent1">
-              <a:shade val="50000"/>
-            </a:schemeClr>
-          </a:lnRef>
-          <a:fillRef idx="1">
-            <a:schemeClr val="accent1"/>
-          </a:fillRef>
-          <a:effectRef idx="0">
-            <a:schemeClr val="accent1"/>
-          </a:effectRef>
-          <a:fontRef idx="minor">
-            <a:schemeClr val="lt1"/>
-          </a:fontRef>
-        </p:style>
-        <p:txBody>
-          <a:bodyPr rtlCol="0" anchor="ctr"/>
-          <a:lstStyle/>
-          <a:p>
-            <a:pPr algn="ctr"/>
-            <a:r>
-              <a:rPr lang="ko-KR" altLang="en-US" b="1">
-                <a:solidFill>
-                  <a:srgbClr val="C00000"/>
-                </a:solidFill>
-              </a:rPr>
-              <a:t>그림</a:t>
-            </a:r>
-            <a:r>
-              <a:rPr lang="en-US" altLang="ko-KR" b="1">
-                <a:solidFill>
-                  <a:srgbClr val="C00000"/>
-                </a:solidFill>
-              </a:rPr>
-              <a:t>/</a:t>
-            </a:r>
-            <a:r>
-              <a:rPr lang="ko-KR" altLang="en-US" b="1">
-                <a:solidFill>
-                  <a:srgbClr val="C00000"/>
-                </a:solidFill>
-              </a:rPr>
-              <a:t>도표 활용</a:t>
-            </a:r>
-            <a:endParaRPr lang="ko-KR" altLang="en-US" b="1" dirty="0">
+                <a:latin typeface="맑은 고딕" panose="020B0503020000020004" pitchFamily="50" charset="-127"/>
+                <a:ea typeface="맑은 고딕" panose="020B0503020000020004" pitchFamily="50" charset="-127"/>
+              </a:rPr>
+              <a:t>연구 배경</a:t>
+            </a:r>
+            <a:endParaRPr lang="ko-KR" altLang="en-US" sz="2800" i="1" dirty="0">
               <a:solidFill>
-                <a:srgbClr val="C00000"/>
+                <a:srgbClr val="FF0000"/>
               </a:solidFill>
+              <a:latin typeface="맑은 고딕" panose="020B0503020000020004" pitchFamily="50" charset="-127"/>
             </a:endParaRPr>
           </a:p>
         </p:txBody>
       </p:sp>
       <p:grpSp>
         <p:nvGrpSpPr>
-          <p:cNvPr id="3" name="그룹 2">
+          <p:cNvPr id="20" name="그룹 19">
             <a:extLst>
               <a:ext uri="{FF2B5EF4-FFF2-40B4-BE49-F238E27FC236}">
-                <a16:creationId xmlns:a16="http://schemas.microsoft.com/office/drawing/2014/main" id="{F3698916-0E04-125B-8AF3-5CC39452317C}"/>
+                <a16:creationId xmlns:a16="http://schemas.microsoft.com/office/drawing/2014/main" id="{EC04649D-126C-4D6F-99B4-7178CF407889}"/>
               </a:ext>
             </a:extLst>
           </p:cNvPr>
@@ -24740,7 +26447,7 @@
         </p:nvGrpSpPr>
         <p:grpSpPr>
           <a:xfrm>
-            <a:off x="430303" y="3751808"/>
+            <a:off x="430304" y="1437305"/>
             <a:ext cx="5009989" cy="381458"/>
             <a:chOff x="430306" y="1408458"/>
             <a:chExt cx="5009989" cy="381458"/>
@@ -24748,10 +26455,10 @@
         </p:grpSpPr>
         <p:sp>
           <p:nvSpPr>
-            <p:cNvPr id="18" name="TextBox 36">
+            <p:cNvPr id="21" name="TextBox 36">
               <a:extLst>
                 <a:ext uri="{FF2B5EF4-FFF2-40B4-BE49-F238E27FC236}">
-                  <a16:creationId xmlns:a16="http://schemas.microsoft.com/office/drawing/2014/main" id="{7BCEEFB0-BBFF-379E-7657-FA0104E1617A}"/>
+                  <a16:creationId xmlns:a16="http://schemas.microsoft.com/office/drawing/2014/main" id="{DF466B7E-EBB2-45A0-BCE3-7D651F0183FC}"/>
                 </a:ext>
               </a:extLst>
             </p:cNvPr>
@@ -24902,7 +26609,7 @@
                 <a:defRPr/>
               </a:pPr>
               <a:r>
-                <a:rPr lang="ko-KR" altLang="en-US" sz="1800" b="1">
+                <a:rPr lang="ko-KR" altLang="en-US" sz="1800" b="1" dirty="0">
                   <a:ln w="1270">
                     <a:noFill/>
                   </a:ln>
@@ -24914,25 +26621,15 @@
                 </a:rPr>
                 <a:t>문제 정의</a:t>
               </a:r>
-              <a:endParaRPr lang="ko-KR" altLang="en-US" sz="1800" b="1" dirty="0">
-                <a:ln w="1270">
-                  <a:noFill/>
-                </a:ln>
-                <a:solidFill>
-                  <a:schemeClr val="tx1"/>
-                </a:solidFill>
-                <a:latin typeface="맑은 고딕" panose="020B0503020000020004" pitchFamily="50" charset="-127"/>
-                <a:ea typeface="맑은 고딕" panose="020B0503020000020004" pitchFamily="50" charset="-127"/>
-              </a:endParaRPr>
             </a:p>
           </p:txBody>
         </p:sp>
         <p:grpSp>
           <p:nvGrpSpPr>
-            <p:cNvPr id="26" name="그룹 25">
+            <p:cNvPr id="22" name="그룹 21">
               <a:extLst>
                 <a:ext uri="{FF2B5EF4-FFF2-40B4-BE49-F238E27FC236}">
-                  <a16:creationId xmlns:a16="http://schemas.microsoft.com/office/drawing/2014/main" id="{56EC5092-6A80-5FAA-5381-0810EB12A34C}"/>
+                  <a16:creationId xmlns:a16="http://schemas.microsoft.com/office/drawing/2014/main" id="{55B43280-EF2F-4742-84BE-120129A1B681}"/>
                 </a:ext>
               </a:extLst>
             </p:cNvPr>
@@ -24949,10 +26646,10 @@
           </p:grpSpPr>
           <p:sp>
             <p:nvSpPr>
-              <p:cNvPr id="27" name="사각형: 둥근 위쪽 모서리 24">
+              <p:cNvPr id="23" name="사각형: 둥근 위쪽 모서리 24">
                 <a:extLst>
                   <a:ext uri="{FF2B5EF4-FFF2-40B4-BE49-F238E27FC236}">
-                    <a16:creationId xmlns:a16="http://schemas.microsoft.com/office/drawing/2014/main" id="{BA31A22F-9942-7D3D-930A-9CB4FAED98AF}"/>
+                    <a16:creationId xmlns:a16="http://schemas.microsoft.com/office/drawing/2014/main" id="{535851F9-C1F0-4FD9-8DB7-D6120687964C}"/>
                   </a:ext>
                 </a:extLst>
               </p:cNvPr>
@@ -25030,10 +26727,10 @@
           </p:sp>
           <p:sp>
             <p:nvSpPr>
-              <p:cNvPr id="28" name="TextBox 27">
+              <p:cNvPr id="24" name="TextBox 23">
                 <a:extLst>
                   <a:ext uri="{FF2B5EF4-FFF2-40B4-BE49-F238E27FC236}">
-                    <a16:creationId xmlns:a16="http://schemas.microsoft.com/office/drawing/2014/main" id="{50B648C4-1F19-CB32-A5AA-B01731BCFE64}"/>
+                    <a16:creationId xmlns:a16="http://schemas.microsoft.com/office/drawing/2014/main" id="{02F12053-43C6-45C2-B41A-AAC723A4D4CE}"/>
                   </a:ext>
                 </a:extLst>
               </p:cNvPr>
@@ -25066,7 +26763,7 @@
                   <a:defRPr/>
                 </a:pPr>
                 <a:r>
-                  <a:rPr kumimoji="1" lang="en-US" altLang="ko-KR" b="1" spc="-80">
+                  <a:rPr kumimoji="1" lang="en-US" altLang="ko-KR" b="1" spc="-80" dirty="0">
                     <a:ln w="1270">
                       <a:solidFill>
                         <a:schemeClr val="bg1">
@@ -25103,10 +26800,10 @@
       </p:grpSp>
       <p:sp>
         <p:nvSpPr>
-          <p:cNvPr id="30" name="TextBox 29">
+          <p:cNvPr id="4" name="TextBox 3">
             <a:extLst>
               <a:ext uri="{FF2B5EF4-FFF2-40B4-BE49-F238E27FC236}">
-                <a16:creationId xmlns:a16="http://schemas.microsoft.com/office/drawing/2014/main" id="{2E0FB18A-DCBA-BCB0-91AD-0BAC90EEC0AE}"/>
+                <a16:creationId xmlns:a16="http://schemas.microsoft.com/office/drawing/2014/main" id="{1DA95A64-1FDE-38F7-F77F-DEC14A7DBC0F}"/>
               </a:ext>
             </a:extLst>
           </p:cNvPr>
@@ -25115,8 +26812,8 @@
         </p:nvSpPr>
         <p:spPr>
           <a:xfrm>
-            <a:off x="758011" y="4117251"/>
-            <a:ext cx="5173556" cy="373885"/>
+            <a:off x="758011" y="1868808"/>
+            <a:ext cx="9704714" cy="373885"/>
           </a:xfrm>
           <a:prstGeom prst="rect">
             <a:avLst/>
@@ -25137,28 +26834,10 @@
               <a:buChar char="•"/>
             </a:pPr>
             <a:r>
-              <a:rPr lang="en-US" altLang="ko-KR" sz="1400">
+              <a:rPr lang="ko-KR" altLang="en-US" sz="1400" dirty="0">
                 <a:latin typeface="+mn-ea"/>
               </a:rPr>
-              <a:t>9</a:t>
-            </a:r>
-            <a:r>
-              <a:rPr lang="ko-KR" altLang="en-US" sz="1400">
-                <a:latin typeface="+mn-ea"/>
-              </a:rPr>
-              <a:t>종의 </a:t>
-            </a:r>
-            <a:r>
-              <a:rPr lang="en-US" altLang="ko-KR" sz="1400">
-                <a:latin typeface="+mn-ea"/>
-              </a:rPr>
-              <a:t>Wafer </a:t>
-            </a:r>
-            <a:r>
-              <a:rPr lang="ko-KR" altLang="en-US" sz="1400">
-                <a:latin typeface="+mn-ea"/>
-              </a:rPr>
-              <a:t>불량 패턴의 정확한 분류</a:t>
+              <a:t>라인 스캔 카메라를 활용하여 획득한 이미지에 대해 정확한 불량 여부를 판단함</a:t>
             </a:r>
             <a:endParaRPr lang="en-US" altLang="ko-KR" sz="1400" dirty="0">
               <a:latin typeface="+mn-ea"/>
@@ -25166,51 +26845,6 @@
           </a:p>
         </p:txBody>
       </p:sp>
-      <p:pic>
-        <p:nvPicPr>
-          <p:cNvPr id="31" name="_x848141752">
-            <a:extLst>
-              <a:ext uri="{FF2B5EF4-FFF2-40B4-BE49-F238E27FC236}">
-                <a16:creationId xmlns:a16="http://schemas.microsoft.com/office/drawing/2014/main" id="{F306EE7C-7E66-0A26-DCDC-A3BDF88B2531}"/>
-              </a:ext>
-            </a:extLst>
-          </p:cNvPr>
-          <p:cNvPicPr>
-            <a:picLocks noChangeAspect="1" noChangeArrowheads="1"/>
-          </p:cNvPicPr>
-          <p:nvPr/>
-        </p:nvPicPr>
-        <p:blipFill rotWithShape="1">
-          <a:blip r:embed="rId2">
-            <a:extLst>
-              <a:ext uri="{28A0092B-C50C-407E-A947-70E740481C1C}">
-                <a14:useLocalDpi xmlns:a14="http://schemas.microsoft.com/office/drawing/2010/main" val="0"/>
-              </a:ext>
-            </a:extLst>
-          </a:blip>
-          <a:srcRect l="9154" b="7639"/>
-          <a:stretch/>
-        </p:blipFill>
-        <p:spPr bwMode="auto">
-          <a:xfrm>
-            <a:off x="6376520" y="3535354"/>
-            <a:ext cx="3557282" cy="3513161"/>
-          </a:xfrm>
-          <a:prstGeom prst="rect">
-            <a:avLst/>
-          </a:prstGeom>
-          <a:noFill/>
-          <a:extLst>
-            <a:ext uri="{909E8E84-426E-40DD-AFC4-6F175D3DCCD1}">
-              <a14:hiddenFill xmlns:a14="http://schemas.microsoft.com/office/drawing/2010/main">
-                <a:solidFill>
-                  <a:srgbClr val="FFFFFF"/>
-                </a:solidFill>
-              </a14:hiddenFill>
-            </a:ext>
-          </a:extLst>
-        </p:spPr>
-      </p:pic>
       <p:sp>
         <p:nvSpPr>
           <p:cNvPr id="33" name="TextBox 32">
@@ -25241,7 +26875,7 @@
           <a:p>
             <a:fld id="{E2886697-6AD6-4FDA-9E51-14A767932366}" type="slidenum">
               <a:rPr lang="ko-KR" altLang="en-US" sz="1200" smtClean="0"/>
-              <a:t>3</a:t>
+              <a:t>4</a:t>
             </a:fld>
             <a:endParaRPr lang="ko-KR" altLang="en-US" sz="1200"/>
           </a:p>
@@ -25250,7 +26884,7 @@
     </p:spTree>
     <p:extLst>
       <p:ext uri="{BB962C8B-B14F-4D97-AF65-F5344CB8AC3E}">
-        <p14:creationId xmlns:p14="http://schemas.microsoft.com/office/powerpoint/2010/main" val="3409640783"/>
+        <p14:creationId xmlns:p14="http://schemas.microsoft.com/office/powerpoint/2010/main" val="477084606"/>
       </p:ext>
     </p:extLst>
   </p:cSld>
@@ -25260,7 +26894,7 @@
 </p:sld>
 </file>
 
-<file path=ppt/slides/slide4.xml><?xml version="1.0" encoding="utf-8"?>
+<file path=ppt/slides/slide5.xml><?xml version="1.0" encoding="utf-8"?>
 <p:sld xmlns:a="http://schemas.openxmlformats.org/drawingml/2006/main" xmlns:r="http://schemas.openxmlformats.org/officeDocument/2006/relationships" xmlns:p="http://schemas.openxmlformats.org/presentationml/2006/main">
   <p:cSld>
     <p:spTree>
@@ -25835,63 +27469,53 @@
           </a:lstStyle>
           <a:p>
             <a:r>
-              <a:rPr lang="ko-KR" altLang="en-US"/>
-              <a:t>숙련된 공정 엔지니어가 고해상도 현미경으로 수동 검사</a:t>
-            </a:r>
+              <a:rPr lang="en-US" altLang="ko-KR" dirty="0"/>
+              <a:t>AI </a:t>
+            </a:r>
+            <a:r>
+              <a:rPr lang="ko-KR" altLang="en-US" dirty="0"/>
+              <a:t>가 아닌 패턴 검사를 사용하여 검출</a:t>
+            </a:r>
+            <a:endParaRPr lang="en-US" altLang="ko-KR" dirty="0"/>
           </a:p>
           <a:p>
             <a:r>
-              <a:rPr lang="ko-KR" altLang="en-US"/>
-              <a:t>머신러닝 기반 분류 시스템 </a:t>
-            </a:r>
-            <a:endParaRPr lang="en-US" altLang="ko-KR"/>
+              <a:rPr lang="en-US" altLang="ko-KR" dirty="0"/>
+              <a:t>AI </a:t>
+            </a:r>
+            <a:r>
+              <a:rPr lang="ko-KR" altLang="en-US" dirty="0"/>
+              <a:t>적용 시</a:t>
+            </a:r>
+            <a:r>
+              <a:rPr lang="en-US" altLang="ko-KR" dirty="0"/>
+              <a:t>, </a:t>
+            </a:r>
+            <a:r>
+              <a:rPr lang="ko-KR" altLang="en-US" dirty="0"/>
+              <a:t>발생 가능한 불량을 모두 학습하여 검출 </a:t>
+            </a:r>
+            <a:endParaRPr lang="en-US" altLang="ko-KR" dirty="0"/>
           </a:p>
           <a:p>
             <a:pPr lvl="1"/>
             <a:r>
-              <a:rPr lang="ko-KR" altLang="en-US"/>
-              <a:t>수동 특징 추출 </a:t>
-            </a:r>
-            <a:r>
-              <a:rPr lang="en-US" altLang="ko-KR"/>
-              <a:t>: </a:t>
-            </a:r>
-            <a:r>
-              <a:rPr lang="ko-KR" altLang="en-US"/>
-              <a:t>밀도 특징</a:t>
-            </a:r>
-            <a:r>
-              <a:rPr lang="en-US" altLang="ko-KR"/>
-              <a:t>, </a:t>
-            </a:r>
-            <a:r>
-              <a:rPr lang="ko-KR" altLang="en-US"/>
-              <a:t>기하학적 특징</a:t>
-            </a:r>
-            <a:r>
-              <a:rPr lang="en-US" altLang="ko-KR"/>
-              <a:t>, Radon </a:t>
-            </a:r>
-            <a:r>
-              <a:rPr lang="ko-KR" altLang="en-US"/>
-              <a:t>기반 특징 등</a:t>
-            </a:r>
-            <a:endParaRPr lang="en-US" altLang="ko-KR"/>
+              <a:rPr lang="ko-KR" altLang="en-US" dirty="0"/>
+              <a:t>불량 데이터 확보의 어려움</a:t>
+            </a:r>
+            <a:endParaRPr lang="en-US" altLang="ko-KR" dirty="0"/>
           </a:p>
           <a:p>
             <a:pPr lvl="1"/>
             <a:r>
-              <a:rPr lang="ko-KR" altLang="en-US"/>
-              <a:t>분류기 </a:t>
-            </a:r>
-            <a:r>
-              <a:rPr lang="en-US" altLang="ko-KR"/>
-              <a:t>: SVM, DT, </a:t>
-            </a:r>
-            <a:r>
-              <a:rPr lang="ko-KR" altLang="en-US"/>
-              <a:t>앙상블 모델  정확도가 낮음</a:t>
-            </a:r>
+              <a:rPr lang="ko-KR" altLang="en-US" dirty="0"/>
+              <a:t>다품종 소량 생산 시</a:t>
+            </a:r>
+            <a:r>
+              <a:rPr lang="en-US" altLang="ko-KR" dirty="0"/>
+              <a:t>, </a:t>
+            </a:r>
+            <a:endParaRPr lang="ko-KR" altLang="en-US" dirty="0"/>
           </a:p>
         </p:txBody>
       </p:sp>
@@ -26737,7 +28361,7 @@
           <a:p>
             <a:fld id="{E2886697-6AD6-4FDA-9E51-14A767932366}" type="slidenum">
               <a:rPr lang="ko-KR" altLang="en-US" sz="1200" smtClean="0"/>
-              <a:t>4</a:t>
+              <a:t>5</a:t>
             </a:fld>
             <a:endParaRPr lang="ko-KR" altLang="en-US" sz="1200"/>
           </a:p>
@@ -26756,7 +28380,7 @@
 </p:sld>
 </file>
 
-<file path=ppt/slides/slide5.xml><?xml version="1.0" encoding="utf-8"?>
+<file path=ppt/slides/slide6.xml><?xml version="1.0" encoding="utf-8"?>
 <p:sld xmlns:a="http://schemas.openxmlformats.org/drawingml/2006/main" xmlns:r="http://schemas.openxmlformats.org/officeDocument/2006/relationships" xmlns:p="http://schemas.openxmlformats.org/presentationml/2006/main">
   <p:cSld>
     <p:spTree>
@@ -27210,7 +28834,7 @@
         </p:nvGrpSpPr>
         <p:grpSpPr>
           <a:xfrm>
-            <a:off x="430306" y="4091639"/>
+            <a:off x="430305" y="4024268"/>
             <a:ext cx="3895805" cy="381458"/>
             <a:chOff x="430306" y="1408458"/>
             <a:chExt cx="3895805" cy="381458"/>
@@ -27585,8 +29209,8 @@
         </p:nvSpPr>
         <p:spPr>
           <a:xfrm>
-            <a:off x="902770" y="1810989"/>
-            <a:ext cx="7657336" cy="2312877"/>
+            <a:off x="902769" y="1810989"/>
+            <a:ext cx="9133329" cy="1989712"/>
           </a:xfrm>
           <a:prstGeom prst="rect">
             <a:avLst/>
@@ -27607,24 +29231,24 @@
               <a:buChar char="•"/>
             </a:pPr>
             <a:r>
-              <a:rPr lang="ko-KR" altLang="en-US" sz="1400"/>
-              <a:t>딥러닝 기반 </a:t>
-            </a:r>
-            <a:r>
-              <a:rPr lang="en-US" altLang="ko-KR" sz="1400"/>
-              <a:t>CNN</a:t>
-            </a:r>
-            <a:r>
-              <a:rPr lang="ko-KR" altLang="en-US" sz="1400"/>
-              <a:t>을</a:t>
-            </a:r>
-            <a:r>
-              <a:rPr lang="ko-KR" altLang="en-US" sz="1400">
+              <a:rPr lang="ko-KR" altLang="en-US" sz="1400" dirty="0">
                 <a:latin typeface="+mn-ea"/>
               </a:rPr>
-              <a:t>이용한 웨이퍼의 불량 분류</a:t>
-            </a:r>
-            <a:endParaRPr lang="en-US" altLang="ko-KR" sz="1400">
+              <a:t>라인스캔 카메라 이미지를 활용한 </a:t>
+            </a:r>
+            <a:r>
+              <a:rPr lang="en-US" altLang="ko-KR" sz="1400" dirty="0">
+                <a:latin typeface="+mn-ea"/>
+              </a:rPr>
+              <a:t>PCB </a:t>
+            </a:r>
+            <a:r>
+              <a:rPr lang="ko-KR" altLang="en-US" sz="1400" dirty="0">
+                <a:latin typeface="+mn-ea"/>
+              </a:rPr>
+              <a:t>불량 검출 모델 개발</a:t>
+            </a:r>
+            <a:endParaRPr lang="en-US" altLang="ko-KR" sz="1400" dirty="0">
               <a:latin typeface="+mn-ea"/>
             </a:endParaRPr>
           </a:p>
@@ -27637,12 +29261,12 @@
               <a:buChar char="ü"/>
             </a:pPr>
             <a:r>
-              <a:rPr lang="ko-KR" altLang="en-US" sz="1400">
+              <a:rPr lang="ko-KR" altLang="en-US" sz="1400" dirty="0">
                 <a:latin typeface="+mn-ea"/>
               </a:rPr>
-              <a:t>영상획득장치 구성 </a:t>
-            </a:r>
-            <a:endParaRPr lang="en-US" altLang="ko-KR" sz="1400">
+              <a:t>이미지 획득장치 구성 </a:t>
+            </a:r>
+            <a:endParaRPr lang="en-US" altLang="ko-KR" sz="1400" dirty="0">
               <a:latin typeface="+mn-ea"/>
             </a:endParaRPr>
           </a:p>
@@ -27655,12 +29279,12 @@
               <a:buChar char="ü"/>
             </a:pPr>
             <a:r>
-              <a:rPr lang="ko-KR" altLang="en-US" sz="1400">
+              <a:rPr lang="ko-KR" altLang="en-US" sz="1400" dirty="0">
                 <a:latin typeface="+mn-ea"/>
               </a:rPr>
               <a:t>데이터 수집</a:t>
             </a:r>
-            <a:endParaRPr lang="en-US" altLang="ko-KR" sz="1400">
+            <a:endParaRPr lang="en-US" altLang="ko-KR" sz="1400" dirty="0">
               <a:latin typeface="+mn-ea"/>
             </a:endParaRPr>
           </a:p>
@@ -27673,18 +29297,18 @@
               <a:buChar char="ü"/>
             </a:pPr>
             <a:r>
-              <a:rPr lang="en-US" altLang="ko-KR" sz="1400">
+              <a:rPr lang="en-US" altLang="ko-KR" sz="1400" dirty="0">
                 <a:latin typeface="+mn-ea"/>
               </a:rPr>
-              <a:t>Convolutional Neural Network</a:t>
-            </a:r>
-            <a:r>
-              <a:rPr lang="ko-KR" altLang="en-US" sz="1400">
+              <a:t>Auto Encoder</a:t>
+            </a:r>
+            <a:r>
+              <a:rPr lang="ko-KR" altLang="en-US" sz="1400" dirty="0">
                 <a:latin typeface="+mn-ea"/>
               </a:rPr>
-              <a:t> 모델 개발 </a:t>
-            </a:r>
-            <a:endParaRPr lang="en-US" altLang="ko-KR" sz="1400">
+              <a:t> 기반 불량 검출 모델 개발 </a:t>
+            </a:r>
+            <a:endParaRPr lang="en-US" altLang="ko-KR" sz="1400" dirty="0">
               <a:latin typeface="+mn-ea"/>
             </a:endParaRPr>
           </a:p>
@@ -27697,32 +29321,29 @@
               <a:buChar char="•"/>
             </a:pPr>
             <a:r>
-              <a:rPr lang="en-US" altLang="ko-KR" sz="1400">
+              <a:rPr lang="ko-KR" altLang="en-US" sz="1400" dirty="0">
                 <a:latin typeface="+mn-ea"/>
               </a:rPr>
-              <a:t>CNN</a:t>
-            </a:r>
-            <a:r>
-              <a:rPr lang="ko-KR" altLang="en-US" sz="1400">
+              <a:t>현장 적용을 위한 데이터 전처리 시스템 구축 </a:t>
+            </a:r>
+            <a:r>
+              <a:rPr lang="en-US" altLang="ko-KR" sz="1400" dirty="0">
                 <a:latin typeface="+mn-ea"/>
               </a:rPr>
-              <a:t> 모델을 현장 적용을 위한 </a:t>
-            </a:r>
-            <a:r>
-              <a:rPr lang="en-US" altLang="ko-KR" sz="1400">
+              <a:t>(</a:t>
+            </a:r>
+            <a:r>
+              <a:rPr lang="ko-KR" altLang="en-US" sz="1400" dirty="0">
                 <a:latin typeface="+mn-ea"/>
               </a:rPr>
-              <a:t>C#</a:t>
-            </a:r>
-            <a:r>
-              <a:rPr lang="ko-KR" altLang="en-US" sz="1400">
+              <a:t>추후 진행</a:t>
+            </a:r>
+            <a:r>
+              <a:rPr lang="en-US" altLang="ko-KR" sz="1400" dirty="0">
                 <a:latin typeface="+mn-ea"/>
               </a:rPr>
-              <a:t>으로 실시간 분류 시스템 개발 </a:t>
-            </a:r>
-            <a:endParaRPr lang="en-US" altLang="ko-KR" sz="1400">
-              <a:latin typeface="+mn-ea"/>
-            </a:endParaRPr>
+              <a:t>)</a:t>
+            </a:r>
           </a:p>
           <a:p>
             <a:pPr marL="539750" lvl="1" indent="-285750">
@@ -27733,29 +29354,18 @@
               <a:buChar char="ü"/>
             </a:pPr>
             <a:r>
-              <a:rPr lang="ko-KR" altLang="en-US" sz="1400">
+              <a:rPr lang="ko-KR" altLang="en-US" sz="1400" dirty="0" err="1">
                 <a:latin typeface="+mn-ea"/>
               </a:rPr>
-              <a:t>딥러닝을 추론모듈 개발</a:t>
-            </a:r>
-            <a:endParaRPr lang="en-US" altLang="ko-KR" sz="1400">
-              <a:latin typeface="+mn-ea"/>
-            </a:endParaRPr>
-          </a:p>
-          <a:p>
-            <a:pPr marL="180000" indent="-180000">
-              <a:lnSpc>
-                <a:spcPct val="150000"/>
-              </a:lnSpc>
-              <a:buFont typeface="Arial" panose="020B0604020202020204" pitchFamily="34" charset="0"/>
-              <a:buChar char="•"/>
-            </a:pPr>
-            <a:endParaRPr lang="ko-KR" altLang="en-US" sz="1400" dirty="0">
-              <a:solidFill>
-                <a:schemeClr val="accent2">
-                  <a:lumMod val="75000"/>
-                </a:schemeClr>
-              </a:solidFill>
+              <a:t>불특정하게</a:t>
+            </a:r>
+            <a:r>
+              <a:rPr lang="ko-KR" altLang="en-US" sz="1400" dirty="0">
+                <a:latin typeface="+mn-ea"/>
+              </a:rPr>
+              <a:t> 공급되는 이미지들을 동일한 각도 및 방향으로 정렬할 수 있는 이미지 전처리 기능 추가</a:t>
+            </a:r>
+            <a:endParaRPr lang="en-US" altLang="ko-KR" sz="1400" dirty="0">
               <a:latin typeface="+mn-ea"/>
             </a:endParaRPr>
           </a:p>
@@ -27775,7 +29385,7 @@
         </p:nvSpPr>
         <p:spPr>
           <a:xfrm>
-            <a:off x="902770" y="4511549"/>
+            <a:off x="902769" y="4444178"/>
             <a:ext cx="9265934" cy="697050"/>
           </a:xfrm>
           <a:prstGeom prst="rect">
@@ -27797,12 +29407,24 @@
               <a:buChar char="•"/>
             </a:pPr>
             <a:r>
-              <a:rPr lang="ko-KR" altLang="en-US" sz="1400">
+              <a:rPr lang="ko-KR" altLang="en-US" sz="1400" dirty="0">
                 <a:latin typeface="+mn-ea"/>
               </a:rPr>
-              <a:t>보다 정확하고 빠른 웨이퍼 불량 분류</a:t>
-            </a:r>
-            <a:endParaRPr lang="en-US" altLang="ko-KR" sz="1400">
+              <a:t>컨베이어벨트를 따라 이동하는 제조 라인에 해당 시스템을 적용함으로써</a:t>
+            </a:r>
+            <a:r>
+              <a:rPr lang="en-US" altLang="ko-KR" sz="1400" dirty="0">
+                <a:latin typeface="+mn-ea"/>
+              </a:rPr>
+              <a:t>, </a:t>
+            </a:r>
+            <a:r>
+              <a:rPr lang="ko-KR" altLang="en-US" sz="1400" dirty="0">
+                <a:latin typeface="+mn-ea"/>
+              </a:rPr>
+              <a:t>생산 효율성을 극대화</a:t>
+            </a:r>
+            <a:endParaRPr lang="en-US" altLang="ko-KR" sz="1400" dirty="0">
               <a:latin typeface="+mn-ea"/>
             </a:endParaRPr>
           </a:p>
@@ -27815,293 +29437,25 @@
               <a:buChar char="•"/>
             </a:pPr>
             <a:r>
-              <a:rPr lang="en-US" altLang="ko-KR" sz="1400">
+              <a:rPr lang="ko-KR" altLang="en-US" sz="1400" dirty="0">
                 <a:latin typeface="+mn-ea"/>
               </a:rPr>
-              <a:t>C#</a:t>
-            </a:r>
-            <a:r>
-              <a:rPr lang="ko-KR" altLang="en-US" sz="1400">
+              <a:t>특히</a:t>
+            </a:r>
+            <a:r>
+              <a:rPr lang="en-US" altLang="ko-KR" sz="1400" dirty="0">
                 <a:latin typeface="+mn-ea"/>
               </a:rPr>
-              <a:t>용 딥러닝 추론 모듈을 통해 산업용 응용 프로그램 개발에 활용</a:t>
+              <a:t>, </a:t>
+            </a:r>
+            <a:r>
+              <a:rPr lang="ko-KR" altLang="en-US" sz="1400" dirty="0">
+                <a:latin typeface="+mn-ea"/>
+              </a:rPr>
+              <a:t>불량 데이터 확보가 어려운 다품종 소량 생산 및 초도 생산에 효과적으로 대응할 수 있음</a:t>
             </a:r>
             <a:endParaRPr lang="en-US" altLang="ko-KR" sz="1400" dirty="0">
               <a:latin typeface="+mn-ea"/>
-            </a:endParaRPr>
-          </a:p>
-        </p:txBody>
-      </p:sp>
-      <p:sp>
-        <p:nvSpPr>
-          <p:cNvPr id="15" name="TextBox 14">
-            <a:extLst>
-              <a:ext uri="{FF2B5EF4-FFF2-40B4-BE49-F238E27FC236}">
-                <a16:creationId xmlns:a16="http://schemas.microsoft.com/office/drawing/2014/main" id="{7425F8FF-BAA3-A690-C349-9A88834DDB61}"/>
-              </a:ext>
-            </a:extLst>
-          </p:cNvPr>
-          <p:cNvSpPr txBox="1"/>
-          <p:nvPr/>
-        </p:nvSpPr>
-        <p:spPr>
-          <a:xfrm>
-            <a:off x="5222987" y="1576697"/>
-            <a:ext cx="5163955" cy="791627"/>
-          </a:xfrm>
-          <a:prstGeom prst="rect">
-            <a:avLst/>
-          </a:prstGeom>
-          <a:solidFill>
-            <a:schemeClr val="accent2">
-              <a:lumMod val="20000"/>
-              <a:lumOff val="80000"/>
-            </a:schemeClr>
-          </a:solidFill>
-        </p:spPr>
-        <p:txBody>
-          <a:bodyPr wrap="square" rtlCol="0">
-            <a:spAutoFit/>
-          </a:bodyPr>
-          <a:lstStyle/>
-          <a:p>
-            <a:pPr marL="285750" indent="-285750">
-              <a:lnSpc>
-                <a:spcPct val="130000"/>
-              </a:lnSpc>
-              <a:buFont typeface="Wingdings" panose="05000000000000000000" pitchFamily="2" charset="2"/>
-              <a:buChar char="ü"/>
-            </a:pPr>
-            <a:r>
-              <a:rPr lang="ko-KR" altLang="en-US" sz="1200" b="1" dirty="0">
-                <a:solidFill>
-                  <a:srgbClr val="C00000"/>
-                </a:solidFill>
-              </a:rPr>
-              <a:t>연구 목표는 </a:t>
-            </a:r>
-            <a:r>
-              <a:rPr lang="ko-KR" altLang="en-US" sz="1200" b="1">
-                <a:solidFill>
-                  <a:srgbClr val="C00000"/>
-                </a:solidFill>
-              </a:rPr>
-              <a:t>구체적이어야 함</a:t>
-            </a:r>
-            <a:endParaRPr lang="en-US" altLang="ko-KR" sz="1200" b="1" dirty="0">
-              <a:solidFill>
-                <a:srgbClr val="C00000"/>
-              </a:solidFill>
-            </a:endParaRPr>
-          </a:p>
-          <a:p>
-            <a:pPr marL="285750" indent="-285750">
-              <a:lnSpc>
-                <a:spcPct val="130000"/>
-              </a:lnSpc>
-              <a:buFont typeface="Wingdings" panose="05000000000000000000" pitchFamily="2" charset="2"/>
-              <a:buChar char="ü"/>
-            </a:pPr>
-            <a:r>
-              <a:rPr lang="ko-KR" altLang="en-US" sz="1200" b="1" dirty="0">
-                <a:solidFill>
-                  <a:srgbClr val="C00000"/>
-                </a:solidFill>
-              </a:rPr>
-              <a:t>최종 결과나 실험에만 국한되는 것이 아니라 중간 단계의 결과도 연구 </a:t>
-            </a:r>
-            <a:r>
-              <a:rPr lang="ko-KR" altLang="en-US" sz="1200" b="1">
-                <a:solidFill>
-                  <a:srgbClr val="C00000"/>
-                </a:solidFill>
-              </a:rPr>
-              <a:t>목표에 해당</a:t>
-            </a:r>
-            <a:endParaRPr lang="en-US" altLang="ko-KR" sz="1200" b="1" dirty="0">
-              <a:solidFill>
-                <a:srgbClr val="C00000"/>
-              </a:solidFill>
-            </a:endParaRPr>
-          </a:p>
-        </p:txBody>
-      </p:sp>
-      <p:sp>
-        <p:nvSpPr>
-          <p:cNvPr id="2" name="TextBox 1">
-            <a:extLst>
-              <a:ext uri="{FF2B5EF4-FFF2-40B4-BE49-F238E27FC236}">
-                <a16:creationId xmlns:a16="http://schemas.microsoft.com/office/drawing/2014/main" id="{F0E2732E-4BA5-38A2-2655-A195E23EB344}"/>
-              </a:ext>
-            </a:extLst>
-          </p:cNvPr>
-          <p:cNvSpPr txBox="1"/>
-          <p:nvPr/>
-        </p:nvSpPr>
-        <p:spPr>
-          <a:xfrm>
-            <a:off x="5222986" y="3950569"/>
-            <a:ext cx="5163955" cy="793166"/>
-          </a:xfrm>
-          <a:prstGeom prst="rect">
-            <a:avLst/>
-          </a:prstGeom>
-          <a:solidFill>
-            <a:schemeClr val="accent2">
-              <a:lumMod val="20000"/>
-              <a:lumOff val="80000"/>
-            </a:schemeClr>
-          </a:solidFill>
-        </p:spPr>
-        <p:txBody>
-          <a:bodyPr wrap="square" rtlCol="0">
-            <a:spAutoFit/>
-          </a:bodyPr>
-          <a:lstStyle/>
-          <a:p>
-            <a:pPr marL="285750" indent="-285750">
-              <a:lnSpc>
-                <a:spcPct val="130000"/>
-              </a:lnSpc>
-              <a:buFont typeface="Wingdings" panose="05000000000000000000" pitchFamily="2" charset="2"/>
-              <a:buChar char="ü"/>
-            </a:pPr>
-            <a:r>
-              <a:rPr lang="ko-KR" altLang="en-US" sz="1200" b="1">
-                <a:solidFill>
-                  <a:srgbClr val="C00000"/>
-                </a:solidFill>
-              </a:rPr>
-              <a:t>이 연구의 학술적</a:t>
-            </a:r>
-            <a:r>
-              <a:rPr lang="en-US" altLang="ko-KR" sz="1200" b="1">
-                <a:solidFill>
-                  <a:srgbClr val="C00000"/>
-                </a:solidFill>
-              </a:rPr>
-              <a:t>, </a:t>
-            </a:r>
-            <a:r>
-              <a:rPr lang="ko-KR" altLang="en-US" sz="1200" b="1">
-                <a:solidFill>
-                  <a:srgbClr val="C00000"/>
-                </a:solidFill>
-              </a:rPr>
-              <a:t>기술적 기여</a:t>
-            </a:r>
-            <a:r>
-              <a:rPr lang="en-US" altLang="ko-KR" sz="1200" b="1">
-                <a:solidFill>
-                  <a:srgbClr val="C00000"/>
-                </a:solidFill>
-              </a:rPr>
-              <a:t>(contribution)</a:t>
-            </a:r>
-            <a:r>
-              <a:rPr lang="ko-KR" altLang="en-US" sz="1200" b="1">
-                <a:solidFill>
-                  <a:srgbClr val="C00000"/>
-                </a:solidFill>
-              </a:rPr>
-              <a:t>를 기술</a:t>
-            </a:r>
-            <a:endParaRPr lang="en-US" altLang="ko-KR" sz="1200" b="1">
-              <a:solidFill>
-                <a:srgbClr val="C00000"/>
-              </a:solidFill>
-            </a:endParaRPr>
-          </a:p>
-          <a:p>
-            <a:pPr marL="285750" indent="-285750">
-              <a:lnSpc>
-                <a:spcPct val="130000"/>
-              </a:lnSpc>
-              <a:buFont typeface="Wingdings" panose="05000000000000000000" pitchFamily="2" charset="2"/>
-              <a:buChar char="ü"/>
-            </a:pPr>
-            <a:r>
-              <a:rPr lang="ko-KR" altLang="en-US" sz="1200" b="1">
-                <a:solidFill>
-                  <a:srgbClr val="C00000"/>
-                </a:solidFill>
-              </a:rPr>
-              <a:t>본 연구의 직접적인 기여 </a:t>
-            </a:r>
-            <a:r>
-              <a:rPr lang="en-US" altLang="ko-KR" sz="1200" b="1">
-                <a:solidFill>
-                  <a:srgbClr val="C00000"/>
-                </a:solidFill>
-              </a:rPr>
-              <a:t>+ </a:t>
-            </a:r>
-            <a:r>
-              <a:rPr lang="ko-KR" altLang="en-US" sz="1200" b="1">
-                <a:solidFill>
-                  <a:srgbClr val="C00000"/>
-                </a:solidFill>
-              </a:rPr>
-              <a:t>보다 확장된 보편적인 기술에 대한 기여</a:t>
-            </a:r>
-            <a:endParaRPr lang="en-US" altLang="ko-KR" sz="1200" b="1">
-              <a:solidFill>
-                <a:srgbClr val="C00000"/>
-              </a:solidFill>
-            </a:endParaRPr>
-          </a:p>
-          <a:p>
-            <a:pPr marL="285750" indent="-285750">
-              <a:lnSpc>
-                <a:spcPct val="130000"/>
-              </a:lnSpc>
-              <a:buFont typeface="Wingdings" panose="05000000000000000000" pitchFamily="2" charset="2"/>
-              <a:buChar char="ü"/>
-            </a:pPr>
-            <a:r>
-              <a:rPr lang="ko-KR" altLang="en-US" sz="1200" b="1">
-                <a:solidFill>
-                  <a:srgbClr val="C00000"/>
-                </a:solidFill>
-              </a:rPr>
-              <a:t>기술적</a:t>
-            </a:r>
-            <a:r>
-              <a:rPr lang="en-US" altLang="ko-KR" sz="1200" b="1">
-                <a:solidFill>
-                  <a:srgbClr val="C00000"/>
-                </a:solidFill>
-              </a:rPr>
-              <a:t>, </a:t>
-            </a:r>
-            <a:r>
-              <a:rPr lang="ko-KR" altLang="en-US" sz="1200" b="1">
-                <a:solidFill>
-                  <a:srgbClr val="C00000"/>
-                </a:solidFill>
-              </a:rPr>
-              <a:t>경제적</a:t>
-            </a:r>
-            <a:r>
-              <a:rPr lang="en-US" altLang="ko-KR" sz="1200" b="1">
-                <a:solidFill>
-                  <a:srgbClr val="C00000"/>
-                </a:solidFill>
-              </a:rPr>
-              <a:t>, </a:t>
-            </a:r>
-            <a:r>
-              <a:rPr lang="ko-KR" altLang="en-US" sz="1200" b="1">
-                <a:solidFill>
-                  <a:srgbClr val="C00000"/>
-                </a:solidFill>
-              </a:rPr>
-              <a:t>산업적 관점 등에서 기술</a:t>
-            </a:r>
-            <a:endParaRPr lang="en-US" altLang="ko-KR" sz="1200" b="1">
-              <a:solidFill>
-                <a:srgbClr val="C00000"/>
-              </a:solidFill>
             </a:endParaRPr>
           </a:p>
         </p:txBody>
@@ -28136,7 +29490,7 @@
           <a:p>
             <a:fld id="{E2886697-6AD6-4FDA-9E51-14A767932366}" type="slidenum">
               <a:rPr lang="ko-KR" altLang="en-US" sz="1200" smtClean="0"/>
-              <a:t>5</a:t>
+              <a:t>6</a:t>
             </a:fld>
             <a:endParaRPr lang="ko-KR" altLang="en-US" sz="1200"/>
           </a:p>
@@ -28155,7 +29509,7 @@
 </p:sld>
 </file>
 
-<file path=ppt/slides/slide6.xml><?xml version="1.0" encoding="utf-8"?>
+<file path=ppt/slides/slide7.xml><?xml version="1.0" encoding="utf-8"?>
 <p:sld xmlns:a="http://schemas.openxmlformats.org/drawingml/2006/main" xmlns:r="http://schemas.openxmlformats.org/officeDocument/2006/relationships" xmlns:p="http://schemas.openxmlformats.org/presentationml/2006/main">
   <p:cSld>
     <p:spTree>
@@ -28265,9 +29619,9 @@
         <p:grpSpPr>
           <a:xfrm>
             <a:off x="430306" y="1408458"/>
-            <a:ext cx="3895805" cy="381458"/>
+            <a:ext cx="6327333" cy="381458"/>
             <a:chOff x="430306" y="1408458"/>
-            <a:chExt cx="3895805" cy="381458"/>
+            <a:chExt cx="6327333" cy="381458"/>
           </a:xfrm>
         </p:grpSpPr>
         <p:sp>
@@ -28285,7 +29639,7 @@
           <p:spPr>
             <a:xfrm>
               <a:off x="1304365" y="1443791"/>
-              <a:ext cx="3021746" cy="276999"/>
+              <a:ext cx="5453274" cy="276999"/>
             </a:xfrm>
             <a:prstGeom prst="rect">
               <a:avLst/>
@@ -28426,7 +29780,7 @@
                 <a:defRPr/>
               </a:pPr>
               <a:r>
-                <a:rPr lang="ko-KR" altLang="en-US" sz="1800" b="1">
+                <a:rPr lang="en-US" altLang="ko-KR" sz="1800" b="1" dirty="0">
                   <a:ln w="1270">
                     <a:noFill/>
                   </a:ln>
@@ -28436,18 +29790,21 @@
                   <a:latin typeface="맑은 고딕" panose="020B0503020000020004" pitchFamily="50" charset="-127"/>
                   <a:ea typeface="맑은 고딕" panose="020B0503020000020004" pitchFamily="50" charset="-127"/>
                 </a:rPr>
-                <a:t>웨이퍼 불량 분류</a:t>
+                <a:t>PCB </a:t>
               </a:r>
-              <a:endParaRPr lang="ko-KR" altLang="en-US" sz="1800" b="1" dirty="0">
-                <a:ln w="1270">
-                  <a:noFill/>
-                </a:ln>
-                <a:solidFill>
-                  <a:schemeClr val="tx1"/>
-                </a:solidFill>
-                <a:latin typeface="맑은 고딕" panose="020B0503020000020004" pitchFamily="50" charset="-127"/>
-                <a:ea typeface="맑은 고딕" panose="020B0503020000020004" pitchFamily="50" charset="-127"/>
-              </a:endParaRPr>
+              <a:r>
+                <a:rPr lang="ko-KR" altLang="en-US" sz="1800" b="1" dirty="0">
+                  <a:ln w="1270">
+                    <a:noFill/>
+                  </a:ln>
+                  <a:solidFill>
+                    <a:schemeClr val="tx1"/>
+                  </a:solidFill>
+                  <a:latin typeface="맑은 고딕" panose="020B0503020000020004" pitchFamily="50" charset="-127"/>
+                  <a:ea typeface="맑은 고딕" panose="020B0503020000020004" pitchFamily="50" charset="-127"/>
+                </a:rPr>
+                <a:t>불량 검출에 대한 연구</a:t>
+              </a:r>
             </a:p>
           </p:txBody>
         </p:sp>
@@ -28640,9 +29997,9 @@
         <p:grpSpPr>
           <a:xfrm>
             <a:off x="430306" y="4045989"/>
-            <a:ext cx="4792681" cy="381458"/>
+            <a:ext cx="6171215" cy="381458"/>
             <a:chOff x="430306" y="1408458"/>
-            <a:chExt cx="4792681" cy="381458"/>
+            <a:chExt cx="6171215" cy="381458"/>
           </a:xfrm>
         </p:grpSpPr>
         <p:sp>
@@ -28659,8 +30016,8 @@
           </p:nvSpPr>
           <p:spPr>
             <a:xfrm>
-              <a:off x="1304365" y="1443791"/>
-              <a:ext cx="3918622" cy="276999"/>
+              <a:off x="1304364" y="1443791"/>
+              <a:ext cx="5297157" cy="276999"/>
             </a:xfrm>
             <a:prstGeom prst="rect">
               <a:avLst/>
@@ -28801,7 +30158,7 @@
                 <a:defRPr/>
               </a:pPr>
               <a:r>
-                <a:rPr lang="ko-KR" altLang="en-US" sz="1800" b="1">
+                <a:rPr lang="en-US" altLang="ko-KR" sz="1800" b="1" dirty="0">
                   <a:ln w="1270">
                     <a:noFill/>
                   </a:ln>
@@ -28811,10 +30168,10 @@
                   <a:latin typeface="맑은 고딕" panose="020B0503020000020004" pitchFamily="50" charset="-127"/>
                   <a:ea typeface="맑은 고딕" panose="020B0503020000020004" pitchFamily="50" charset="-127"/>
                 </a:rPr>
-                <a:t>딥러닝 기반 </a:t>
+                <a:t>Auto-Encoder</a:t>
               </a:r>
               <a:r>
-                <a:rPr lang="en-US" altLang="ko-KR" sz="1800" b="1">
+                <a:rPr lang="ko-KR" altLang="en-US" sz="1800" b="1" dirty="0">
                   <a:ln w="1270">
                     <a:noFill/>
                   </a:ln>
@@ -28824,31 +30181,8 @@
                   <a:latin typeface="맑은 고딕" panose="020B0503020000020004" pitchFamily="50" charset="-127"/>
                   <a:ea typeface="맑은 고딕" panose="020B0503020000020004" pitchFamily="50" charset="-127"/>
                 </a:rPr>
-                <a:t>CNN</a:t>
+                <a:t>를 활용한 불량 검출에 대한 연구</a:t>
               </a:r>
-              <a:r>
-                <a:rPr lang="ko-KR" altLang="en-US" sz="1800" b="1">
-                  <a:ln w="1270">
-                    <a:noFill/>
-                  </a:ln>
-                  <a:solidFill>
-                    <a:schemeClr val="tx1"/>
-                  </a:solidFill>
-                  <a:latin typeface="맑은 고딕" panose="020B0503020000020004" pitchFamily="50" charset="-127"/>
-                  <a:ea typeface="맑은 고딕" panose="020B0503020000020004" pitchFamily="50" charset="-127"/>
-                </a:rPr>
-                <a:t>을 이용한 분량 분류</a:t>
-              </a:r>
-              <a:endParaRPr lang="ko-KR" altLang="en-US" sz="1800" b="1" dirty="0">
-                <a:ln w="1270">
-                  <a:noFill/>
-                </a:ln>
-                <a:solidFill>
-                  <a:schemeClr val="tx1"/>
-                </a:solidFill>
-                <a:latin typeface="맑은 고딕" panose="020B0503020000020004" pitchFamily="50" charset="-127"/>
-                <a:ea typeface="맑은 고딕" panose="020B0503020000020004" pitchFamily="50" charset="-127"/>
-              </a:endParaRPr>
             </a:p>
           </p:txBody>
         </p:sp>
@@ -29040,7 +30374,7 @@
         </p:nvSpPr>
         <p:spPr>
           <a:xfrm>
-            <a:off x="902770" y="1810989"/>
+            <a:off x="915062" y="1810989"/>
             <a:ext cx="7657336" cy="1989712"/>
           </a:xfrm>
           <a:prstGeom prst="rect">
@@ -29639,7 +30973,7 @@
           <a:p>
             <a:fld id="{E2886697-6AD6-4FDA-9E51-14A767932366}" type="slidenum">
               <a:rPr lang="ko-KR" altLang="en-US" sz="1200" smtClean="0"/>
-              <a:t>6</a:t>
+              <a:t>7</a:t>
             </a:fld>
             <a:endParaRPr lang="ko-KR" altLang="en-US" sz="1200"/>
           </a:p>
@@ -29658,7 +30992,7 @@
 </p:sld>
 </file>
 
-<file path=ppt/slides/slide7.xml><?xml version="1.0" encoding="utf-8"?>
+<file path=ppt/slides/slide8.xml><?xml version="1.0" encoding="utf-8"?>
 <p:sld xmlns:a="http://schemas.openxmlformats.org/drawingml/2006/main" xmlns:r="http://schemas.openxmlformats.org/officeDocument/2006/relationships" xmlns:p="http://schemas.openxmlformats.org/presentationml/2006/main">
   <p:cSld>
     <p:spTree>
@@ -30553,6 +31887,110 @@
       </p:sp>
       <p:sp>
         <p:nvSpPr>
+          <p:cNvPr id="53" name="TextBox 52">
+            <a:extLst>
+              <a:ext uri="{FF2B5EF4-FFF2-40B4-BE49-F238E27FC236}">
+                <a16:creationId xmlns:a16="http://schemas.microsoft.com/office/drawing/2014/main" id="{6037085F-0747-0BC2-9F40-7C38242A9AF1}"/>
+              </a:ext>
+            </a:extLst>
+          </p:cNvPr>
+          <p:cNvSpPr txBox="1"/>
+          <p:nvPr/>
+        </p:nvSpPr>
+        <p:spPr>
+          <a:xfrm>
+            <a:off x="897427" y="1968136"/>
+            <a:ext cx="5775424" cy="341568"/>
+          </a:xfrm>
+          <a:prstGeom prst="rect">
+            <a:avLst/>
+          </a:prstGeom>
+          <a:noFill/>
+        </p:spPr>
+        <p:txBody>
+          <a:bodyPr wrap="square">
+            <a:spAutoFit/>
+          </a:bodyPr>
+          <a:lstStyle/>
+          <a:p>
+            <a:pPr marL="180000" indent="-180000">
+              <a:lnSpc>
+                <a:spcPct val="130000"/>
+              </a:lnSpc>
+              <a:buFont typeface="Arial" panose="020B0604020202020204" pitchFamily="34" charset="0"/>
+              <a:buChar char="•"/>
+            </a:pPr>
+            <a:r>
+              <a:rPr lang="en-US" altLang="ko-KR" sz="1400" dirty="0">
+                <a:latin typeface="+mn-ea"/>
+              </a:rPr>
+              <a:t>PCB (Printed Circuit Board)</a:t>
+            </a:r>
+          </a:p>
+        </p:txBody>
+      </p:sp>
+      <p:pic>
+        <p:nvPicPr>
+          <p:cNvPr id="4" name="그림 3">
+            <a:extLst>
+              <a:ext uri="{FF2B5EF4-FFF2-40B4-BE49-F238E27FC236}">
+                <a16:creationId xmlns:a16="http://schemas.microsoft.com/office/drawing/2014/main" id="{5DD7E59E-1C32-F2AF-1BDC-3770D3D06324}"/>
+              </a:ext>
+            </a:extLst>
+          </p:cNvPr>
+          <p:cNvPicPr>
+            <a:picLocks noChangeAspect="1"/>
+          </p:cNvPicPr>
+          <p:nvPr/>
+        </p:nvPicPr>
+        <p:blipFill>
+          <a:blip r:embed="rId2"/>
+          <a:stretch>
+            <a:fillRect/>
+          </a:stretch>
+        </p:blipFill>
+        <p:spPr>
+          <a:xfrm>
+            <a:off x="5273642" y="1391883"/>
+            <a:ext cx="1122747" cy="1107942"/>
+          </a:xfrm>
+          <a:prstGeom prst="rect">
+            <a:avLst/>
+          </a:prstGeom>
+        </p:spPr>
+      </p:pic>
+      <p:pic>
+        <p:nvPicPr>
+          <p:cNvPr id="7" name="그림 6">
+            <a:extLst>
+              <a:ext uri="{FF2B5EF4-FFF2-40B4-BE49-F238E27FC236}">
+                <a16:creationId xmlns:a16="http://schemas.microsoft.com/office/drawing/2014/main" id="{86EE4452-CC1C-5EDF-E583-15544BFDD153}"/>
+              </a:ext>
+            </a:extLst>
+          </p:cNvPr>
+          <p:cNvPicPr>
+            <a:picLocks noChangeAspect="1"/>
+          </p:cNvPicPr>
+          <p:nvPr/>
+        </p:nvPicPr>
+        <p:blipFill>
+          <a:blip r:embed="rId3"/>
+          <a:stretch>
+            <a:fillRect/>
+          </a:stretch>
+        </p:blipFill>
+        <p:spPr>
+          <a:xfrm>
+            <a:off x="4890827" y="3991404"/>
+            <a:ext cx="5680200" cy="3224170"/>
+          </a:xfrm>
+          <a:prstGeom prst="rect">
+            <a:avLst/>
+          </a:prstGeom>
+        </p:spPr>
+      </p:pic>
+      <p:sp>
+        <p:nvSpPr>
           <p:cNvPr id="18" name="TextBox 17">
             <a:extLst>
               <a:ext uri="{FF2B5EF4-FFF2-40B4-BE49-F238E27FC236}">
@@ -30565,8 +32003,8 @@
         </p:nvSpPr>
         <p:spPr>
           <a:xfrm>
-            <a:off x="900772" y="3248977"/>
-            <a:ext cx="4941228" cy="1461875"/>
+            <a:off x="900771" y="3248977"/>
+            <a:ext cx="4808653" cy="2862258"/>
           </a:xfrm>
           <a:prstGeom prst="rect">
             <a:avLst/>
@@ -30604,757 +32042,84 @@
           </a:lstStyle>
           <a:p>
             <a:r>
-              <a:rPr lang="ko-KR" altLang="en-US"/>
-              <a:t>테스트 </a:t>
-            </a:r>
-            <a:r>
               <a:rPr lang="ko-KR" altLang="en-US" dirty="0"/>
-              <a:t>데이터 수집을 </a:t>
-            </a:r>
-            <a:r>
-              <a:rPr lang="ko-KR" altLang="en-US"/>
-              <a:t>위한 </a:t>
-            </a:r>
-            <a:r>
-              <a:rPr lang="en-US" altLang="ko-KR" dirty="0"/>
-              <a:t>Firmware </a:t>
-            </a:r>
-            <a:r>
-              <a:rPr lang="ko-KR" altLang="en-US"/>
-              <a:t>및 </a:t>
-            </a:r>
-            <a:r>
-              <a:rPr lang="en-US" altLang="ko-KR"/>
-              <a:t>Software </a:t>
-            </a:r>
-            <a:r>
-              <a:rPr lang="ko-KR" altLang="en-US"/>
-              <a:t>개발</a:t>
-            </a:r>
-            <a:endParaRPr lang="en-US" altLang="ko-KR"/>
+              <a:t>라인스캔 카메라를 활용한 이미지 촬영</a:t>
+            </a:r>
+            <a:endParaRPr lang="en-US" altLang="ko-KR" dirty="0"/>
           </a:p>
           <a:p>
             <a:pPr lvl="1"/>
             <a:r>
-              <a:rPr lang="ko-KR" altLang="en-US"/>
-              <a:t>대량의</a:t>
-            </a:r>
-            <a:r>
-              <a:rPr lang="en-US" altLang="ko-KR"/>
-              <a:t> </a:t>
-            </a:r>
-            <a:r>
               <a:rPr lang="ko-KR" altLang="en-US" dirty="0"/>
-              <a:t>이미지 테스트 데이터 </a:t>
-            </a:r>
-            <a:r>
-              <a:rPr lang="ko-KR" altLang="en-US"/>
-              <a:t>수집 가능</a:t>
-            </a:r>
-            <a:endParaRPr lang="en-US" altLang="ko-KR"/>
+              <a:t>컨베이어벨트 구조물 위에서 이동하는 물체를 인식하여 촬영 </a:t>
+            </a:r>
+            <a:endParaRPr lang="en-US" altLang="ko-KR" dirty="0"/>
           </a:p>
           <a:p>
             <a:pPr lvl="1"/>
             <a:r>
-              <a:rPr lang="ko-KR" altLang="en-US"/>
-              <a:t>실제 </a:t>
-            </a:r>
-            <a:r>
               <a:rPr lang="ko-KR" altLang="en-US" dirty="0"/>
-              <a:t>분류 환경과 유사한 테스트 </a:t>
-            </a:r>
-            <a:r>
-              <a:rPr lang="ko-KR" altLang="en-US"/>
-              <a:t>데이터 확보</a:t>
+              <a:t>촬영 타이밍을 맞추기 위해</a:t>
+            </a:r>
+            <a:r>
+              <a:rPr lang="en-US" altLang="ko-KR" dirty="0"/>
+              <a:t>, </a:t>
+            </a:r>
+            <a:r>
+              <a:rPr lang="ko-KR" altLang="en-US" dirty="0" err="1"/>
+              <a:t>웹캠으로</a:t>
+            </a:r>
+            <a:r>
+              <a:rPr lang="ko-KR" altLang="en-US" dirty="0"/>
+              <a:t> 진입 시점을 감지하여 트리거를 발생</a:t>
             </a:r>
             <a:endParaRPr lang="en-US" altLang="ko-KR" dirty="0"/>
           </a:p>
           <a:p>
-            <a:r>
-              <a:rPr lang="en-US" altLang="ko-KR"/>
-              <a:t>RGB</a:t>
-            </a:r>
-            <a:r>
-              <a:rPr lang="ko-KR" altLang="en-US"/>
-              <a:t>와 </a:t>
+            <a:pPr lvl="1"/>
+            <a:r>
+              <a:rPr lang="ko-KR" altLang="en-US" dirty="0"/>
+              <a:t>적절한 촬영 속도를 맞추기 위해</a:t>
             </a:r>
             <a:r>
               <a:rPr lang="en-US" altLang="ko-KR" dirty="0"/>
-              <a:t>HSV </a:t>
+              <a:t>, </a:t>
             </a:r>
             <a:r>
               <a:rPr lang="ko-KR" altLang="en-US" dirty="0"/>
-              <a:t>이미지 분류 </a:t>
-            </a:r>
-            <a:r>
-              <a:rPr lang="ko-KR" altLang="en-US"/>
-              <a:t>정확성 비교</a:t>
+              <a:t>이동 속도를 감안하여 </a:t>
+            </a:r>
+            <a:r>
+              <a:rPr lang="en-US" altLang="ko-KR" dirty="0"/>
+              <a:t>Fine Tunning </a:t>
+            </a:r>
+            <a:r>
+              <a:rPr lang="ko-KR" altLang="en-US" dirty="0"/>
+              <a:t>진행</a:t>
             </a:r>
             <a:endParaRPr lang="en-US" altLang="ko-KR" dirty="0"/>
           </a:p>
           <a:p>
             <a:r>
               <a:rPr lang="ko-KR" altLang="en-US" dirty="0"/>
-              <a:t>길이에 따른 분류를 위한 방법론 연구</a:t>
-            </a:r>
-          </a:p>
-        </p:txBody>
-      </p:sp>
-      <p:pic>
-        <p:nvPicPr>
-          <p:cNvPr id="41" name="그림 40">
-            <a:extLst>
-              <a:ext uri="{FF2B5EF4-FFF2-40B4-BE49-F238E27FC236}">
-                <a16:creationId xmlns:a16="http://schemas.microsoft.com/office/drawing/2014/main" id="{10121FD4-0739-3588-9B99-DFB37415AA32}"/>
-              </a:ext>
-            </a:extLst>
-          </p:cNvPr>
-          <p:cNvPicPr>
-            <a:picLocks noChangeAspect="1"/>
-          </p:cNvPicPr>
-          <p:nvPr/>
-        </p:nvPicPr>
-        <p:blipFill>
-          <a:blip r:embed="rId2"/>
-          <a:stretch>
-            <a:fillRect/>
-          </a:stretch>
-        </p:blipFill>
-        <p:spPr>
-          <a:xfrm>
-            <a:off x="6933535" y="1874417"/>
-            <a:ext cx="3190459" cy="2015317"/>
-          </a:xfrm>
-          <a:prstGeom prst="rect">
-            <a:avLst/>
-          </a:prstGeom>
-        </p:spPr>
-      </p:pic>
-      <p:sp>
-        <p:nvSpPr>
-          <p:cNvPr id="53" name="TextBox 52">
-            <a:extLst>
-              <a:ext uri="{FF2B5EF4-FFF2-40B4-BE49-F238E27FC236}">
-                <a16:creationId xmlns:a16="http://schemas.microsoft.com/office/drawing/2014/main" id="{6037085F-0747-0BC2-9F40-7C38242A9AF1}"/>
-              </a:ext>
-            </a:extLst>
-          </p:cNvPr>
-          <p:cNvSpPr txBox="1"/>
-          <p:nvPr/>
-        </p:nvSpPr>
-        <p:spPr>
-          <a:xfrm>
-            <a:off x="897427" y="1968136"/>
-            <a:ext cx="5775424" cy="341568"/>
-          </a:xfrm>
-          <a:prstGeom prst="rect">
-            <a:avLst/>
-          </a:prstGeom>
-          <a:noFill/>
-        </p:spPr>
-        <p:txBody>
-          <a:bodyPr wrap="square">
-            <a:spAutoFit/>
-          </a:bodyPr>
-          <a:lstStyle/>
-          <a:p>
-            <a:pPr marL="180000" indent="-180000">
-              <a:lnSpc>
-                <a:spcPct val="130000"/>
-              </a:lnSpc>
-              <a:buFont typeface="Arial" panose="020B0604020202020204" pitchFamily="34" charset="0"/>
-              <a:buChar char="•"/>
-            </a:pPr>
-            <a:r>
-              <a:rPr lang="ko-KR" altLang="en-US" sz="1400">
-                <a:latin typeface="+mn-ea"/>
-              </a:rPr>
-              <a:t>채혈 튜브 </a:t>
-            </a:r>
-            <a:r>
-              <a:rPr lang="en-US" altLang="ko-KR" sz="1400">
-                <a:latin typeface="+mn-ea"/>
-              </a:rPr>
-              <a:t>: </a:t>
-            </a:r>
-            <a:r>
-              <a:rPr lang="ko-KR" altLang="en-US" sz="1400">
-                <a:latin typeface="+mn-ea"/>
-              </a:rPr>
-              <a:t>종류</a:t>
-            </a:r>
-            <a:r>
-              <a:rPr lang="en-US" altLang="ko-KR" sz="1400">
-                <a:latin typeface="+mn-ea"/>
-              </a:rPr>
-              <a:t>, </a:t>
-            </a:r>
-            <a:r>
-              <a:rPr lang="ko-KR" altLang="en-US" sz="1400">
-                <a:latin typeface="+mn-ea"/>
-              </a:rPr>
-              <a:t>형상</a:t>
-            </a:r>
-            <a:r>
-              <a:rPr lang="en-US" altLang="ko-KR" sz="1400">
-                <a:latin typeface="+mn-ea"/>
-              </a:rPr>
-              <a:t> </a:t>
-            </a:r>
-            <a:r>
-              <a:rPr lang="ko-KR" altLang="en-US" sz="1400">
-                <a:latin typeface="+mn-ea"/>
-              </a:rPr>
-              <a:t>등에 대해 그림과 함께 설명</a:t>
-            </a:r>
-            <a:endParaRPr lang="en-US" altLang="ko-KR" sz="1400" dirty="0">
-              <a:latin typeface="+mn-ea"/>
-            </a:endParaRPr>
-          </a:p>
-        </p:txBody>
-      </p:sp>
-      <p:pic>
-        <p:nvPicPr>
-          <p:cNvPr id="54" name="Picture 9">
-            <a:extLst>
-              <a:ext uri="{FF2B5EF4-FFF2-40B4-BE49-F238E27FC236}">
-                <a16:creationId xmlns:a16="http://schemas.microsoft.com/office/drawing/2014/main" id="{D808D4B9-E05B-326B-9C2B-A86815DEE8BB}"/>
-              </a:ext>
-            </a:extLst>
-          </p:cNvPr>
-          <p:cNvPicPr>
-            <a:picLocks noChangeAspect="1"/>
-          </p:cNvPicPr>
-          <p:nvPr/>
-        </p:nvPicPr>
-        <p:blipFill>
-          <a:blip r:embed="rId3"/>
-          <a:stretch>
-            <a:fillRect/>
-          </a:stretch>
-        </p:blipFill>
-        <p:spPr>
-          <a:xfrm>
-            <a:off x="6973227" y="4119953"/>
-            <a:ext cx="1161527" cy="2015317"/>
-          </a:xfrm>
-          <a:prstGeom prst="rect">
-            <a:avLst/>
-          </a:prstGeom>
-          <a:noFill/>
-          <a:ln>
-            <a:noFill/>
-          </a:ln>
-          <a:effectLst/>
-        </p:spPr>
-      </p:pic>
-      <p:pic>
-        <p:nvPicPr>
-          <p:cNvPr id="55" name="Picture 11">
-            <a:extLst>
-              <a:ext uri="{FF2B5EF4-FFF2-40B4-BE49-F238E27FC236}">
-                <a16:creationId xmlns:a16="http://schemas.microsoft.com/office/drawing/2014/main" id="{D5BF173C-9262-30F5-0F15-D73ECFC64403}"/>
-              </a:ext>
-            </a:extLst>
-          </p:cNvPr>
-          <p:cNvPicPr>
-            <a:picLocks noChangeAspect="1"/>
-          </p:cNvPicPr>
-          <p:nvPr/>
-        </p:nvPicPr>
-        <p:blipFill>
-          <a:blip r:embed="rId4"/>
-          <a:stretch>
-            <a:fillRect/>
-          </a:stretch>
-        </p:blipFill>
-        <p:spPr>
-          <a:xfrm>
-            <a:off x="8763105" y="4119953"/>
-            <a:ext cx="1163312" cy="2593073"/>
-          </a:xfrm>
-          <a:prstGeom prst="rect">
-            <a:avLst/>
-          </a:prstGeom>
-          <a:noFill/>
-          <a:ln>
-            <a:noFill/>
-          </a:ln>
-          <a:effectLst/>
-        </p:spPr>
-      </p:pic>
-      <p:sp>
-        <p:nvSpPr>
-          <p:cNvPr id="57" name="TextBox 56">
-            <a:extLst>
-              <a:ext uri="{FF2B5EF4-FFF2-40B4-BE49-F238E27FC236}">
-                <a16:creationId xmlns:a16="http://schemas.microsoft.com/office/drawing/2014/main" id="{BF218A7D-D299-3AF4-A3C4-5C48DFB7F362}"/>
-              </a:ext>
-            </a:extLst>
-          </p:cNvPr>
-          <p:cNvSpPr txBox="1"/>
-          <p:nvPr/>
-        </p:nvSpPr>
-        <p:spPr>
-          <a:xfrm>
-            <a:off x="6903011" y="6799224"/>
-            <a:ext cx="1301959" cy="307777"/>
-          </a:xfrm>
-          <a:prstGeom prst="rect">
-            <a:avLst/>
-          </a:prstGeom>
-          <a:solidFill>
-            <a:schemeClr val="accent5">
-              <a:lumMod val="40000"/>
-              <a:lumOff val="60000"/>
-            </a:schemeClr>
-          </a:solidFill>
-        </p:spPr>
-        <p:txBody>
-          <a:bodyPr wrap="none" rtlCol="0">
-            <a:spAutoFit/>
-          </a:bodyPr>
-          <a:lstStyle/>
-          <a:p>
-            <a:r>
-              <a:rPr lang="ko-KR" altLang="en-US" sz="1400" err="1"/>
-              <a:t>기구부</a:t>
-            </a:r>
-            <a:r>
-              <a:rPr lang="ko-KR" altLang="en-US" sz="1400" dirty="0"/>
-              <a:t> 흐름도</a:t>
-            </a:r>
-          </a:p>
-        </p:txBody>
-      </p:sp>
-      <p:sp>
-        <p:nvSpPr>
-          <p:cNvPr id="59" name="TextBox 58">
-            <a:extLst>
-              <a:ext uri="{FF2B5EF4-FFF2-40B4-BE49-F238E27FC236}">
-                <a16:creationId xmlns:a16="http://schemas.microsoft.com/office/drawing/2014/main" id="{A12C74A3-9581-AB4C-3C11-1628134E5C5F}"/>
-              </a:ext>
-            </a:extLst>
-          </p:cNvPr>
-          <p:cNvSpPr txBox="1"/>
-          <p:nvPr/>
-        </p:nvSpPr>
-        <p:spPr>
-          <a:xfrm>
-            <a:off x="8618024" y="6799224"/>
-            <a:ext cx="1453475" cy="307777"/>
-          </a:xfrm>
-          <a:prstGeom prst="rect">
-            <a:avLst/>
-          </a:prstGeom>
-          <a:solidFill>
-            <a:schemeClr val="accent5">
-              <a:lumMod val="40000"/>
-              <a:lumOff val="60000"/>
-            </a:schemeClr>
-          </a:solidFill>
-        </p:spPr>
-        <p:txBody>
-          <a:bodyPr wrap="none" rtlCol="0">
-            <a:spAutoFit/>
-          </a:bodyPr>
-          <a:lstStyle/>
-          <a:p>
-            <a:r>
-              <a:rPr lang="en-US" altLang="ko-KR" sz="1400" dirty="0"/>
-              <a:t>Firmware</a:t>
-            </a:r>
-            <a:r>
-              <a:rPr lang="ko-KR" altLang="en-US" sz="1400" dirty="0"/>
-              <a:t> 흐름도</a:t>
-            </a:r>
-          </a:p>
-        </p:txBody>
-      </p:sp>
-      <p:sp>
-        <p:nvSpPr>
-          <p:cNvPr id="61" name="TextBox 60">
-            <a:extLst>
-              <a:ext uri="{FF2B5EF4-FFF2-40B4-BE49-F238E27FC236}">
-                <a16:creationId xmlns:a16="http://schemas.microsoft.com/office/drawing/2014/main" id="{301B0E7C-E2B5-C01F-B77E-62ED8B2937EA}"/>
-              </a:ext>
-            </a:extLst>
-          </p:cNvPr>
-          <p:cNvSpPr txBox="1"/>
-          <p:nvPr/>
-        </p:nvSpPr>
-        <p:spPr>
-          <a:xfrm>
-            <a:off x="5730501" y="1404607"/>
-            <a:ext cx="4195916" cy="311496"/>
-          </a:xfrm>
-          <a:prstGeom prst="rect">
-            <a:avLst/>
-          </a:prstGeom>
-          <a:solidFill>
-            <a:schemeClr val="accent2">
-              <a:lumMod val="20000"/>
-              <a:lumOff val="80000"/>
-            </a:schemeClr>
-          </a:solidFill>
-        </p:spPr>
-        <p:txBody>
-          <a:bodyPr wrap="square" rtlCol="0">
-            <a:spAutoFit/>
-          </a:bodyPr>
-          <a:lstStyle/>
-          <a:p>
-            <a:pPr marL="285750" indent="-285750">
-              <a:lnSpc>
-                <a:spcPct val="130000"/>
-              </a:lnSpc>
-              <a:buFont typeface="Wingdings" panose="05000000000000000000" pitchFamily="2" charset="2"/>
-              <a:buChar char="ü"/>
-            </a:pPr>
-            <a:r>
-              <a:rPr lang="ko-KR" altLang="en-US" sz="1200" b="1">
-                <a:solidFill>
-                  <a:srgbClr val="C00000"/>
-                </a:solidFill>
-              </a:rPr>
-              <a:t>연구의 대상이 되는 재료 </a:t>
-            </a:r>
-            <a:endParaRPr lang="ko-KR" altLang="en-US" sz="1200" b="1" dirty="0">
-              <a:solidFill>
-                <a:srgbClr val="C00000"/>
-              </a:solidFill>
-            </a:endParaRPr>
-          </a:p>
-        </p:txBody>
-      </p:sp>
-      <p:sp>
-        <p:nvSpPr>
-          <p:cNvPr id="63" name="TextBox 62">
-            <a:extLst>
-              <a:ext uri="{FF2B5EF4-FFF2-40B4-BE49-F238E27FC236}">
-                <a16:creationId xmlns:a16="http://schemas.microsoft.com/office/drawing/2014/main" id="{B01E52C1-CBA7-BC43-E9A4-3B19CEAF5304}"/>
-              </a:ext>
-            </a:extLst>
-          </p:cNvPr>
-          <p:cNvSpPr txBox="1"/>
-          <p:nvPr/>
-        </p:nvSpPr>
-        <p:spPr>
-          <a:xfrm>
-            <a:off x="1129696" y="5288015"/>
-            <a:ext cx="4195916" cy="1751890"/>
-          </a:xfrm>
-          <a:prstGeom prst="rect">
-            <a:avLst/>
-          </a:prstGeom>
-          <a:solidFill>
-            <a:schemeClr val="accent2">
-              <a:lumMod val="20000"/>
-              <a:lumOff val="80000"/>
-            </a:schemeClr>
-          </a:solidFill>
-        </p:spPr>
-        <p:txBody>
-          <a:bodyPr wrap="square" rtlCol="0">
-            <a:spAutoFit/>
-          </a:bodyPr>
-          <a:lstStyle/>
-          <a:p>
-            <a:pPr marL="285750" indent="-285750">
-              <a:lnSpc>
-                <a:spcPct val="130000"/>
-              </a:lnSpc>
-              <a:buFont typeface="Wingdings" panose="05000000000000000000" pitchFamily="2" charset="2"/>
-              <a:buChar char="ü"/>
-            </a:pPr>
-            <a:r>
-              <a:rPr lang="ko-KR" altLang="en-US" sz="1200" b="1">
-                <a:solidFill>
-                  <a:srgbClr val="C00000"/>
-                </a:solidFill>
-              </a:rPr>
-              <a:t>직접 현장에서 데이터를 수집한 경우에는 데이터 수집장치</a:t>
-            </a:r>
-            <a:r>
-              <a:rPr lang="en-US" altLang="ko-KR" sz="1200" b="1">
-                <a:solidFill>
-                  <a:srgbClr val="C00000"/>
-                </a:solidFill>
-              </a:rPr>
-              <a:t>(</a:t>
-            </a:r>
-            <a:r>
-              <a:rPr lang="ko-KR" altLang="en-US" sz="1200" b="1">
-                <a:solidFill>
-                  <a:srgbClr val="C00000"/>
-                </a:solidFill>
-              </a:rPr>
-              <a:t>실험장치</a:t>
-            </a:r>
-            <a:r>
-              <a:rPr lang="en-US" altLang="ko-KR" sz="1200" b="1">
-                <a:solidFill>
-                  <a:srgbClr val="C00000"/>
-                </a:solidFill>
-              </a:rPr>
-              <a:t>)</a:t>
-            </a:r>
-            <a:r>
-              <a:rPr lang="ko-KR" altLang="en-US" sz="1200" b="1">
-                <a:solidFill>
-                  <a:srgbClr val="C00000"/>
-                </a:solidFill>
-              </a:rPr>
-              <a:t>에 대해 기술</a:t>
-            </a:r>
-            <a:endParaRPr lang="en-US" altLang="ko-KR" sz="1200" b="1">
-              <a:solidFill>
-                <a:srgbClr val="C00000"/>
-              </a:solidFill>
-            </a:endParaRPr>
+              <a:t>획득한 이미지들을 균일한 각도 및 방향으로 정렬하는 </a:t>
+            </a:r>
+            <a:r>
+              <a:rPr lang="ko-KR" altLang="en-US" dirty="0" err="1"/>
+              <a:t>전처리</a:t>
+            </a:r>
+            <a:r>
+              <a:rPr lang="ko-KR" altLang="en-US" dirty="0"/>
+              <a:t> 방법 연구</a:t>
+            </a:r>
+            <a:endParaRPr lang="en-US" altLang="ko-KR" dirty="0"/>
           </a:p>
           <a:p>
-            <a:pPr marL="285750" indent="-285750">
-              <a:lnSpc>
-                <a:spcPct val="130000"/>
-              </a:lnSpc>
-              <a:buFont typeface="Wingdings" panose="05000000000000000000" pitchFamily="2" charset="2"/>
-              <a:buChar char="ü"/>
-            </a:pPr>
-            <a:r>
-              <a:rPr lang="ko-KR" altLang="en-US" sz="1200" b="1">
-                <a:solidFill>
-                  <a:srgbClr val="C00000"/>
-                </a:solidFill>
-              </a:rPr>
-              <a:t>만약에 </a:t>
-            </a:r>
-            <a:r>
-              <a:rPr lang="en-US" altLang="ko-KR" sz="1200" b="1">
-                <a:solidFill>
-                  <a:srgbClr val="C00000"/>
-                </a:solidFill>
-              </a:rPr>
-              <a:t>Aihub</a:t>
-            </a:r>
-            <a:r>
-              <a:rPr lang="ko-KR" altLang="en-US" sz="1200" b="1">
-                <a:solidFill>
-                  <a:srgbClr val="C00000"/>
-                </a:solidFill>
-              </a:rPr>
-              <a:t>나 캐글 등의 </a:t>
-            </a:r>
-            <a:r>
-              <a:rPr lang="en-US" altLang="ko-KR" sz="1200" b="1">
-                <a:solidFill>
-                  <a:srgbClr val="C00000"/>
-                </a:solidFill>
-              </a:rPr>
-              <a:t>open dataset</a:t>
-            </a:r>
-            <a:r>
-              <a:rPr lang="ko-KR" altLang="en-US" sz="1200" b="1">
-                <a:solidFill>
-                  <a:srgbClr val="C00000"/>
-                </a:solidFill>
-              </a:rPr>
-              <a:t>을 사용한 경우에는 생략 가능</a:t>
-            </a:r>
-            <a:endParaRPr lang="en-US" altLang="ko-KR" sz="1200" b="1">
-              <a:solidFill>
-                <a:srgbClr val="C00000"/>
-              </a:solidFill>
-            </a:endParaRPr>
-          </a:p>
-          <a:p>
-            <a:pPr marL="285750" indent="-285750">
-              <a:lnSpc>
-                <a:spcPct val="130000"/>
-              </a:lnSpc>
-              <a:buFont typeface="Wingdings" panose="05000000000000000000" pitchFamily="2" charset="2"/>
-              <a:buChar char="ü"/>
-            </a:pPr>
-            <a:r>
-              <a:rPr lang="ko-KR" altLang="en-US" sz="1200" b="1">
-                <a:solidFill>
-                  <a:srgbClr val="C00000"/>
-                </a:solidFill>
-              </a:rPr>
-              <a:t>그림</a:t>
-            </a:r>
-            <a:r>
-              <a:rPr lang="en-US" altLang="ko-KR" sz="1200" b="1" dirty="0">
-                <a:solidFill>
-                  <a:srgbClr val="C00000"/>
-                </a:solidFill>
-              </a:rPr>
-              <a:t>, </a:t>
-            </a:r>
-            <a:r>
-              <a:rPr lang="ko-KR" altLang="en-US" sz="1200" b="1" dirty="0">
-                <a:solidFill>
-                  <a:srgbClr val="C00000"/>
-                </a:solidFill>
-              </a:rPr>
-              <a:t>표</a:t>
-            </a:r>
-            <a:r>
-              <a:rPr lang="en-US" altLang="ko-KR" sz="1200" b="1" dirty="0">
-                <a:solidFill>
-                  <a:srgbClr val="C00000"/>
-                </a:solidFill>
-              </a:rPr>
-              <a:t>, flow chart </a:t>
-            </a:r>
-            <a:r>
-              <a:rPr lang="ko-KR" altLang="en-US" sz="1200" b="1" dirty="0">
-                <a:solidFill>
-                  <a:srgbClr val="C00000"/>
-                </a:solidFill>
-              </a:rPr>
-              <a:t>활용</a:t>
-            </a:r>
-            <a:endParaRPr lang="en-US" altLang="ko-KR" sz="1200" b="1" dirty="0">
-              <a:solidFill>
-                <a:srgbClr val="C00000"/>
-              </a:solidFill>
-            </a:endParaRPr>
-          </a:p>
-          <a:p>
-            <a:pPr marL="285750" indent="-285750">
-              <a:lnSpc>
-                <a:spcPct val="130000"/>
-              </a:lnSpc>
-              <a:buFont typeface="Wingdings" panose="05000000000000000000" pitchFamily="2" charset="2"/>
-              <a:buChar char="ü"/>
-            </a:pPr>
-            <a:r>
-              <a:rPr lang="ko-KR" altLang="en-US" sz="1200" b="1" dirty="0">
-                <a:solidFill>
-                  <a:srgbClr val="C00000"/>
-                </a:solidFill>
-              </a:rPr>
-              <a:t>실험</a:t>
-            </a:r>
-            <a:r>
-              <a:rPr lang="en-US" altLang="ko-KR" sz="1200" b="1" dirty="0">
-                <a:solidFill>
-                  <a:srgbClr val="C00000"/>
-                </a:solidFill>
-              </a:rPr>
-              <a:t>: </a:t>
-            </a:r>
-            <a:r>
-              <a:rPr lang="ko-KR" altLang="en-US" sz="1200" b="1" dirty="0">
-                <a:solidFill>
-                  <a:srgbClr val="C00000"/>
-                </a:solidFill>
-              </a:rPr>
-              <a:t>데이터</a:t>
-            </a:r>
-            <a:r>
-              <a:rPr lang="en-US" altLang="ko-KR" sz="1200" b="1" dirty="0">
-                <a:solidFill>
-                  <a:srgbClr val="C00000"/>
-                </a:solidFill>
-              </a:rPr>
-              <a:t>(</a:t>
-            </a:r>
-            <a:r>
-              <a:rPr lang="ko-KR" altLang="en-US" sz="1200" b="1" dirty="0">
-                <a:solidFill>
-                  <a:srgbClr val="C00000"/>
-                </a:solidFill>
-              </a:rPr>
-              <a:t>수집 방법</a:t>
-            </a:r>
-            <a:r>
-              <a:rPr lang="en-US" altLang="ko-KR" sz="1200" b="1" dirty="0">
-                <a:solidFill>
-                  <a:srgbClr val="C00000"/>
-                </a:solidFill>
-              </a:rPr>
-              <a:t>, </a:t>
-            </a:r>
-            <a:r>
-              <a:rPr lang="ko-KR" altLang="en-US" sz="1200" b="1" dirty="0">
-                <a:solidFill>
-                  <a:srgbClr val="C00000"/>
-                </a:solidFill>
-              </a:rPr>
-              <a:t>예시</a:t>
-            </a:r>
-            <a:r>
-              <a:rPr lang="en-US" altLang="ko-KR" sz="1200" b="1" dirty="0">
-                <a:solidFill>
-                  <a:srgbClr val="C00000"/>
-                </a:solidFill>
-              </a:rPr>
-              <a:t>), </a:t>
-            </a:r>
-            <a:r>
-              <a:rPr lang="ko-KR" altLang="en-US" sz="1200" b="1" dirty="0">
-                <a:solidFill>
-                  <a:srgbClr val="C00000"/>
-                </a:solidFill>
-              </a:rPr>
-              <a:t>적용 알고리즘 설명</a:t>
-            </a:r>
-            <a:endParaRPr lang="en-US" altLang="ko-KR" sz="1200" b="1" dirty="0">
-              <a:solidFill>
-                <a:srgbClr val="C00000"/>
-              </a:solidFill>
-            </a:endParaRPr>
-          </a:p>
-          <a:p>
-            <a:pPr marL="285750" indent="-285750">
-              <a:lnSpc>
-                <a:spcPct val="130000"/>
-              </a:lnSpc>
-              <a:buFont typeface="Wingdings" panose="05000000000000000000" pitchFamily="2" charset="2"/>
-              <a:buChar char="ü"/>
-            </a:pPr>
-            <a:r>
-              <a:rPr lang="ko-KR" altLang="en-US" sz="1200" b="1" dirty="0">
-                <a:solidFill>
-                  <a:srgbClr val="C00000"/>
-                </a:solidFill>
-              </a:rPr>
-              <a:t>서비스 개발</a:t>
-            </a:r>
-            <a:r>
-              <a:rPr lang="en-US" altLang="ko-KR" sz="1200" b="1" dirty="0">
-                <a:solidFill>
-                  <a:srgbClr val="C00000"/>
-                </a:solidFill>
-              </a:rPr>
-              <a:t>: </a:t>
-            </a:r>
-            <a:r>
-              <a:rPr lang="ko-KR" altLang="en-US" sz="1200" b="1" dirty="0">
-                <a:solidFill>
-                  <a:srgbClr val="C00000"/>
-                </a:solidFill>
-              </a:rPr>
-              <a:t>서비스 내용</a:t>
-            </a:r>
-            <a:r>
-              <a:rPr lang="en-US" altLang="ko-KR" sz="1200" b="1" dirty="0">
-                <a:solidFill>
-                  <a:srgbClr val="C00000"/>
-                </a:solidFill>
-              </a:rPr>
-              <a:t>, </a:t>
-            </a:r>
-            <a:r>
-              <a:rPr lang="ko-KR" altLang="en-US" sz="1200" b="1" dirty="0">
-                <a:solidFill>
-                  <a:srgbClr val="C00000"/>
-                </a:solidFill>
-              </a:rPr>
-              <a:t>구성도 설명</a:t>
-            </a:r>
+            <a:r>
+              <a:rPr lang="ko-KR" altLang="en-US" dirty="0"/>
+              <a:t>전처리가 완료된 이미지에 대한 불량 검출 모델 구축</a:t>
+            </a:r>
+            <a:endParaRPr lang="en-US" altLang="ko-KR" dirty="0"/>
           </a:p>
         </p:txBody>
       </p:sp>
@@ -31388,9 +32153,246 @@
           <a:p>
             <a:fld id="{E2886697-6AD6-4FDA-9E51-14A767932366}" type="slidenum">
               <a:rPr lang="ko-KR" altLang="en-US" sz="1200" smtClean="0"/>
-              <a:t>7</a:t>
+              <a:t>8</a:t>
             </a:fld>
             <a:endParaRPr lang="ko-KR" altLang="en-US" sz="1200"/>
+          </a:p>
+        </p:txBody>
+      </p:sp>
+      <p:sp>
+        <p:nvSpPr>
+          <p:cNvPr id="8" name="TextBox 7">
+            <a:extLst>
+              <a:ext uri="{FF2B5EF4-FFF2-40B4-BE49-F238E27FC236}">
+                <a16:creationId xmlns:a16="http://schemas.microsoft.com/office/drawing/2014/main" id="{1C63F053-6808-DF35-4BB1-85B09B97D729}"/>
+              </a:ext>
+            </a:extLst>
+          </p:cNvPr>
+          <p:cNvSpPr txBox="1"/>
+          <p:nvPr/>
+        </p:nvSpPr>
+        <p:spPr>
+          <a:xfrm>
+            <a:off x="4998872" y="2499825"/>
+            <a:ext cx="1672286" cy="246221"/>
+          </a:xfrm>
+          <a:prstGeom prst="rect">
+            <a:avLst/>
+          </a:prstGeom>
+          <a:noFill/>
+        </p:spPr>
+        <p:txBody>
+          <a:bodyPr wrap="square" rtlCol="0">
+            <a:spAutoFit/>
+          </a:bodyPr>
+          <a:lstStyle/>
+          <a:p>
+            <a:r>
+              <a:rPr lang="en-US" altLang="ko-KR" sz="1000" dirty="0"/>
+              <a:t>[</a:t>
+            </a:r>
+            <a:r>
+              <a:rPr lang="ko-KR" altLang="en-US" sz="1000" dirty="0"/>
+              <a:t>재료로 활용한 </a:t>
+            </a:r>
+            <a:r>
+              <a:rPr lang="en-US" altLang="ko-KR" sz="1000" dirty="0"/>
+              <a:t>PCB </a:t>
+            </a:r>
+            <a:r>
+              <a:rPr lang="ko-KR" altLang="en-US" sz="1000" dirty="0"/>
+              <a:t>모습</a:t>
+            </a:r>
+            <a:r>
+              <a:rPr lang="en-US" altLang="ko-KR" sz="1000" dirty="0"/>
+              <a:t>]</a:t>
+            </a:r>
+            <a:endParaRPr lang="ko-KR" altLang="en-US" sz="1000" dirty="0"/>
+          </a:p>
+        </p:txBody>
+      </p:sp>
+      <p:sp>
+        <p:nvSpPr>
+          <p:cNvPr id="13" name="직사각형 12">
+            <a:extLst>
+              <a:ext uri="{FF2B5EF4-FFF2-40B4-BE49-F238E27FC236}">
+                <a16:creationId xmlns:a16="http://schemas.microsoft.com/office/drawing/2014/main" id="{A58FB14D-B8D6-3124-E42B-2584F5414065}"/>
+              </a:ext>
+            </a:extLst>
+          </p:cNvPr>
+          <p:cNvSpPr/>
+          <p:nvPr/>
+        </p:nvSpPr>
+        <p:spPr>
+          <a:xfrm>
+            <a:off x="7345680" y="3960924"/>
+            <a:ext cx="1036320" cy="743156"/>
+          </a:xfrm>
+          <a:prstGeom prst="rect">
+            <a:avLst/>
+          </a:prstGeom>
+          <a:noFill/>
+          <a:ln w="19050">
+            <a:solidFill>
+              <a:srgbClr val="FF0000"/>
+            </a:solidFill>
+          </a:ln>
+        </p:spPr>
+        <p:style>
+          <a:lnRef idx="2">
+            <a:schemeClr val="accent1">
+              <a:shade val="15000"/>
+            </a:schemeClr>
+          </a:lnRef>
+          <a:fillRef idx="1">
+            <a:schemeClr val="accent1"/>
+          </a:fillRef>
+          <a:effectRef idx="0">
+            <a:schemeClr val="accent1"/>
+          </a:effectRef>
+          <a:fontRef idx="minor">
+            <a:schemeClr val="lt1"/>
+          </a:fontRef>
+        </p:style>
+        <p:txBody>
+          <a:bodyPr rtlCol="0" anchor="ctr"/>
+          <a:lstStyle/>
+          <a:p>
+            <a:pPr algn="ctr"/>
+            <a:endParaRPr lang="ko-KR" altLang="en-US" dirty="0"/>
+          </a:p>
+        </p:txBody>
+      </p:sp>
+      <p:sp>
+        <p:nvSpPr>
+          <p:cNvPr id="15" name="직사각형 14">
+            <a:extLst>
+              <a:ext uri="{FF2B5EF4-FFF2-40B4-BE49-F238E27FC236}">
+                <a16:creationId xmlns:a16="http://schemas.microsoft.com/office/drawing/2014/main" id="{49CC92A8-67CD-D3EB-2652-4B9433907B75}"/>
+              </a:ext>
+            </a:extLst>
+          </p:cNvPr>
+          <p:cNvSpPr/>
+          <p:nvPr/>
+        </p:nvSpPr>
+        <p:spPr>
+          <a:xfrm>
+            <a:off x="9168623" y="4680106"/>
+            <a:ext cx="910593" cy="653894"/>
+          </a:xfrm>
+          <a:prstGeom prst="rect">
+            <a:avLst/>
+          </a:prstGeom>
+          <a:noFill/>
+          <a:ln w="19050">
+            <a:solidFill>
+              <a:srgbClr val="FF0000"/>
+            </a:solidFill>
+            <a:prstDash val="sysDash"/>
+          </a:ln>
+        </p:spPr>
+        <p:style>
+          <a:lnRef idx="2">
+            <a:schemeClr val="accent1">
+              <a:shade val="15000"/>
+            </a:schemeClr>
+          </a:lnRef>
+          <a:fillRef idx="1">
+            <a:schemeClr val="accent1"/>
+          </a:fillRef>
+          <a:effectRef idx="0">
+            <a:schemeClr val="accent1"/>
+          </a:effectRef>
+          <a:fontRef idx="minor">
+            <a:schemeClr val="lt1"/>
+          </a:fontRef>
+        </p:style>
+        <p:txBody>
+          <a:bodyPr rtlCol="0" anchor="ctr"/>
+          <a:lstStyle/>
+          <a:p>
+            <a:pPr algn="ctr"/>
+            <a:endParaRPr lang="ko-KR" altLang="en-US" dirty="0"/>
+          </a:p>
+        </p:txBody>
+      </p:sp>
+      <p:pic>
+        <p:nvPicPr>
+          <p:cNvPr id="16" name="Picture 4">
+            <a:extLst>
+              <a:ext uri="{FF2B5EF4-FFF2-40B4-BE49-F238E27FC236}">
+                <a16:creationId xmlns:a16="http://schemas.microsoft.com/office/drawing/2014/main" id="{5F7D9DB4-65BA-C913-60E2-27F7CA21E21B}"/>
+              </a:ext>
+            </a:extLst>
+          </p:cNvPr>
+          <p:cNvPicPr>
+            <a:picLocks noChangeAspect="1"/>
+          </p:cNvPicPr>
+          <p:nvPr/>
+        </p:nvPicPr>
+        <p:blipFill>
+          <a:blip r:embed="rId4"/>
+          <a:stretch>
+            <a:fillRect/>
+          </a:stretch>
+        </p:blipFill>
+        <p:spPr>
+          <a:xfrm>
+            <a:off x="6665521" y="1399464"/>
+            <a:ext cx="3696580" cy="2037250"/>
+          </a:xfrm>
+          <a:prstGeom prst="rect">
+            <a:avLst/>
+          </a:prstGeom>
+          <a:noFill/>
+          <a:ln>
+            <a:noFill/>
+          </a:ln>
+          <a:effectLst/>
+        </p:spPr>
+      </p:pic>
+      <p:sp>
+        <p:nvSpPr>
+          <p:cNvPr id="25" name="TextBox 24">
+            <a:extLst>
+              <a:ext uri="{FF2B5EF4-FFF2-40B4-BE49-F238E27FC236}">
+                <a16:creationId xmlns:a16="http://schemas.microsoft.com/office/drawing/2014/main" id="{26F5F64C-6BCD-91A1-3C1B-AAAF7B83D929}"/>
+              </a:ext>
+            </a:extLst>
+          </p:cNvPr>
+          <p:cNvSpPr txBox="1"/>
+          <p:nvPr/>
+        </p:nvSpPr>
+        <p:spPr>
+          <a:xfrm>
+            <a:off x="7045691" y="3436714"/>
+            <a:ext cx="2936240" cy="246221"/>
+          </a:xfrm>
+          <a:prstGeom prst="rect">
+            <a:avLst/>
+          </a:prstGeom>
+          <a:noFill/>
+        </p:spPr>
+        <p:txBody>
+          <a:bodyPr wrap="square" rtlCol="0">
+            <a:spAutoFit/>
+          </a:bodyPr>
+          <a:lstStyle/>
+          <a:p>
+            <a:pPr algn="ctr"/>
+            <a:r>
+              <a:rPr lang="en-US" altLang="ko-KR" sz="1000" dirty="0"/>
+              <a:t>[</a:t>
+            </a:r>
+            <a:r>
+              <a:rPr lang="ko-KR" altLang="en-US" sz="1000" dirty="0"/>
+              <a:t>라인스캔 카메라를 설치한 실험 장치 </a:t>
+            </a:r>
+            <a:r>
+              <a:rPr lang="en-US" altLang="ko-KR" sz="1000" dirty="0"/>
+              <a:t>]</a:t>
+            </a:r>
+            <a:endParaRPr lang="ko-KR" altLang="en-US" sz="1000" dirty="0"/>
           </a:p>
         </p:txBody>
       </p:sp>
@@ -31407,7 +32409,7 @@
 </p:sld>
 </file>
 
-<file path=ppt/slides/slide8.xml><?xml version="1.0" encoding="utf-8"?>
+<file path=ppt/slides/slide9.xml><?xml version="1.0" encoding="utf-8"?>
 <p:sld xmlns:a="http://schemas.openxmlformats.org/drawingml/2006/main" xmlns:r="http://schemas.openxmlformats.org/officeDocument/2006/relationships" xmlns:p="http://schemas.openxmlformats.org/presentationml/2006/main">
   <p:cSld>
     <p:spTree>
@@ -33406,7 +34408,7 @@
           <a:p>
             <a:fld id="{E2886697-6AD6-4FDA-9E51-14A767932366}" type="slidenum">
               <a:rPr lang="ko-KR" altLang="en-US" sz="1200" smtClean="0"/>
-              <a:t>8</a:t>
+              <a:t>9</a:t>
             </a:fld>
             <a:endParaRPr lang="ko-KR" altLang="en-US" sz="1200"/>
           </a:p>
@@ -33416,1474 +34418,6 @@
     <p:extLst>
       <p:ext uri="{BB962C8B-B14F-4D97-AF65-F5344CB8AC3E}">
         <p14:creationId xmlns:p14="http://schemas.microsoft.com/office/powerpoint/2010/main" val="3863917808"/>
-      </p:ext>
-    </p:extLst>
-  </p:cSld>
-  <p:clrMapOvr>
-    <a:masterClrMapping/>
-  </p:clrMapOvr>
-</p:sld>
-</file>
-
-<file path=ppt/slides/slide9.xml><?xml version="1.0" encoding="utf-8"?>
-<p:sld xmlns:a="http://schemas.openxmlformats.org/drawingml/2006/main" xmlns:r="http://schemas.openxmlformats.org/officeDocument/2006/relationships" xmlns:p="http://schemas.openxmlformats.org/presentationml/2006/main">
-  <p:cSld>
-    <p:spTree>
-      <p:nvGrpSpPr>
-        <p:cNvPr id="1" name=""/>
-        <p:cNvGrpSpPr/>
-        <p:nvPr/>
-      </p:nvGrpSpPr>
-      <p:grpSpPr>
-        <a:xfrm>
-          <a:off x="0" y="0"/>
-          <a:ext cx="0" cy="0"/>
-          <a:chOff x="0" y="0"/>
-          <a:chExt cx="0" cy="0"/>
-        </a:xfrm>
-      </p:grpSpPr>
-      <p:grpSp>
-        <p:nvGrpSpPr>
-          <p:cNvPr id="19" name="그룹 18">
-            <a:extLst>
-              <a:ext uri="{FF2B5EF4-FFF2-40B4-BE49-F238E27FC236}">
-                <a16:creationId xmlns:a16="http://schemas.microsoft.com/office/drawing/2014/main" id="{4B3D5BE7-1783-4FFD-B53F-ECFABAABA225}"/>
-              </a:ext>
-            </a:extLst>
-          </p:cNvPr>
-          <p:cNvGrpSpPr/>
-          <p:nvPr/>
-        </p:nvGrpSpPr>
-        <p:grpSpPr>
-          <a:xfrm>
-            <a:off x="430306" y="1408458"/>
-            <a:ext cx="5243445" cy="381458"/>
-            <a:chOff x="430306" y="1408458"/>
-            <a:chExt cx="5243445" cy="381458"/>
-          </a:xfrm>
-        </p:grpSpPr>
-        <p:sp>
-          <p:nvSpPr>
-            <p:cNvPr id="9" name="TextBox 36">
-              <a:extLst>
-                <a:ext uri="{FF2B5EF4-FFF2-40B4-BE49-F238E27FC236}">
-                  <a16:creationId xmlns:a16="http://schemas.microsoft.com/office/drawing/2014/main" id="{9A191EE6-9298-4489-86B3-1A36CB5A408E}"/>
-                </a:ext>
-              </a:extLst>
-            </p:cNvPr>
-            <p:cNvSpPr txBox="1"/>
-            <p:nvPr/>
-          </p:nvSpPr>
-          <p:spPr>
-            <a:xfrm>
-              <a:off x="1304365" y="1443791"/>
-              <a:ext cx="4369386" cy="276999"/>
-            </a:xfrm>
-            <a:prstGeom prst="rect">
-              <a:avLst/>
-            </a:prstGeom>
-            <a:noFill/>
-          </p:spPr>
-          <p:txBody>
-            <a:bodyPr wrap="square" lIns="0" tIns="0" rIns="0" bIns="0" rtlCol="0" anchor="t" anchorCtr="0">
-              <a:spAutoFit/>
-            </a:bodyPr>
-            <a:lstStyle>
-              <a:defPPr>
-                <a:defRPr lang="ko-KR"/>
-              </a:defPPr>
-              <a:lvl1pPr algn="l" rtl="0" fontAlgn="base" latinLnBrk="1">
-                <a:spcBef>
-                  <a:spcPct val="0"/>
-                </a:spcBef>
-                <a:spcAft>
-                  <a:spcPct val="0"/>
-                </a:spcAft>
-                <a:defRPr kumimoji="1" sz="1306" kern="1200">
-                  <a:solidFill>
-                    <a:srgbClr val="292929"/>
-                  </a:solidFill>
-                  <a:latin typeface="Rix모던고딕 EB" pitchFamily="18" charset="-127"/>
-                  <a:ea typeface="굴림" charset="-127"/>
-                  <a:cs typeface="+mn-cs"/>
-                </a:defRPr>
-              </a:lvl1pPr>
-              <a:lvl2pPr marL="494297" indent="3457" algn="l" rtl="0" fontAlgn="base" latinLnBrk="1">
-                <a:spcBef>
-                  <a:spcPct val="0"/>
-                </a:spcBef>
-                <a:spcAft>
-                  <a:spcPct val="0"/>
-                </a:spcAft>
-                <a:defRPr kumimoji="1" sz="1306" kern="1200">
-                  <a:solidFill>
-                    <a:srgbClr val="292929"/>
-                  </a:solidFill>
-                  <a:latin typeface="Rix모던고딕 EB" pitchFamily="18" charset="-127"/>
-                  <a:ea typeface="굴림" charset="-127"/>
-                  <a:cs typeface="+mn-cs"/>
-                </a:defRPr>
-              </a:lvl2pPr>
-              <a:lvl3pPr marL="990323" indent="5185" algn="l" rtl="0" fontAlgn="base" latinLnBrk="1">
-                <a:spcBef>
-                  <a:spcPct val="0"/>
-                </a:spcBef>
-                <a:spcAft>
-                  <a:spcPct val="0"/>
-                </a:spcAft>
-                <a:defRPr kumimoji="1" sz="1306" kern="1200">
-                  <a:solidFill>
-                    <a:srgbClr val="292929"/>
-                  </a:solidFill>
-                  <a:latin typeface="Rix모던고딕 EB" pitchFamily="18" charset="-127"/>
-                  <a:ea typeface="굴림" charset="-127"/>
-                  <a:cs typeface="+mn-cs"/>
-                </a:defRPr>
-              </a:lvl3pPr>
-              <a:lvl4pPr marL="1486348" indent="6913" algn="l" rtl="0" fontAlgn="base" latinLnBrk="1">
-                <a:spcBef>
-                  <a:spcPct val="0"/>
-                </a:spcBef>
-                <a:spcAft>
-                  <a:spcPct val="0"/>
-                </a:spcAft>
-                <a:defRPr kumimoji="1" sz="1306" kern="1200">
-                  <a:solidFill>
-                    <a:srgbClr val="292929"/>
-                  </a:solidFill>
-                  <a:latin typeface="Rix모던고딕 EB" pitchFamily="18" charset="-127"/>
-                  <a:ea typeface="굴림" charset="-127"/>
-                  <a:cs typeface="+mn-cs"/>
-                </a:defRPr>
-              </a:lvl4pPr>
-              <a:lvl5pPr marL="1980645" indent="10370" algn="l" rtl="0" fontAlgn="base" latinLnBrk="1">
-                <a:spcBef>
-                  <a:spcPct val="0"/>
-                </a:spcBef>
-                <a:spcAft>
-                  <a:spcPct val="0"/>
-                </a:spcAft>
-                <a:defRPr kumimoji="1" sz="1306" kern="1200">
-                  <a:solidFill>
-                    <a:srgbClr val="292929"/>
-                  </a:solidFill>
-                  <a:latin typeface="Rix모던고딕 EB" pitchFamily="18" charset="-127"/>
-                  <a:ea typeface="굴림" charset="-127"/>
-                  <a:cs typeface="+mn-cs"/>
-                </a:defRPr>
-              </a:lvl5pPr>
-              <a:lvl6pPr marL="2488768" algn="l" defTabSz="995507" rtl="0" eaLnBrk="1" latinLnBrk="1" hangingPunct="1">
-                <a:defRPr kumimoji="1" sz="1306" kern="1200">
-                  <a:solidFill>
-                    <a:srgbClr val="292929"/>
-                  </a:solidFill>
-                  <a:latin typeface="Rix모던고딕 EB" pitchFamily="18" charset="-127"/>
-                  <a:ea typeface="굴림" charset="-127"/>
-                  <a:cs typeface="+mn-cs"/>
-                </a:defRPr>
-              </a:lvl6pPr>
-              <a:lvl7pPr marL="2986522" algn="l" defTabSz="995507" rtl="0" eaLnBrk="1" latinLnBrk="1" hangingPunct="1">
-                <a:defRPr kumimoji="1" sz="1306" kern="1200">
-                  <a:solidFill>
-                    <a:srgbClr val="292929"/>
-                  </a:solidFill>
-                  <a:latin typeface="Rix모던고딕 EB" pitchFamily="18" charset="-127"/>
-                  <a:ea typeface="굴림" charset="-127"/>
-                  <a:cs typeface="+mn-cs"/>
-                </a:defRPr>
-              </a:lvl7pPr>
-              <a:lvl8pPr marL="3484275" algn="l" defTabSz="995507" rtl="0" eaLnBrk="1" latinLnBrk="1" hangingPunct="1">
-                <a:defRPr kumimoji="1" sz="1306" kern="1200">
-                  <a:solidFill>
-                    <a:srgbClr val="292929"/>
-                  </a:solidFill>
-                  <a:latin typeface="Rix모던고딕 EB" pitchFamily="18" charset="-127"/>
-                  <a:ea typeface="굴림" charset="-127"/>
-                  <a:cs typeface="+mn-cs"/>
-                </a:defRPr>
-              </a:lvl8pPr>
-              <a:lvl9pPr marL="3982029" algn="l" defTabSz="995507" rtl="0" eaLnBrk="1" latinLnBrk="1" hangingPunct="1">
-                <a:defRPr kumimoji="1" sz="1306" kern="1200">
-                  <a:solidFill>
-                    <a:srgbClr val="292929"/>
-                  </a:solidFill>
-                  <a:latin typeface="Rix모던고딕 EB" pitchFamily="18" charset="-127"/>
-                  <a:ea typeface="굴림" charset="-127"/>
-                  <a:cs typeface="+mn-cs"/>
-                </a:defRPr>
-              </a:lvl9pPr>
-            </a:lstStyle>
-            <a:p>
-              <a:pPr>
-                <a:defRPr/>
-              </a:pPr>
-              <a:r>
-                <a:rPr lang="en-US" altLang="ko-KR" sz="1800" b="1">
-                  <a:ln w="1270">
-                    <a:noFill/>
-                  </a:ln>
-                  <a:solidFill>
-                    <a:schemeClr val="tx1"/>
-                  </a:solidFill>
-                  <a:latin typeface="맑은 고딕" panose="020B0503020000020004" pitchFamily="50" charset="-127"/>
-                  <a:ea typeface="맑은 고딕" panose="020B0503020000020004" pitchFamily="50" charset="-127"/>
-                </a:rPr>
-                <a:t>Convolutional Neural Network (CNN)</a:t>
-              </a:r>
-              <a:endParaRPr lang="ko-KR" altLang="en-US" sz="1800" b="1" dirty="0">
-                <a:ln w="1270">
-                  <a:noFill/>
-                </a:ln>
-                <a:solidFill>
-                  <a:schemeClr val="tx1"/>
-                </a:solidFill>
-                <a:latin typeface="맑은 고딕" panose="020B0503020000020004" pitchFamily="50" charset="-127"/>
-                <a:ea typeface="맑은 고딕" panose="020B0503020000020004" pitchFamily="50" charset="-127"/>
-              </a:endParaRPr>
-            </a:p>
-          </p:txBody>
-        </p:sp>
-        <p:grpSp>
-          <p:nvGrpSpPr>
-            <p:cNvPr id="10" name="그룹 9">
-              <a:extLst>
-                <a:ext uri="{FF2B5EF4-FFF2-40B4-BE49-F238E27FC236}">
-                  <a16:creationId xmlns:a16="http://schemas.microsoft.com/office/drawing/2014/main" id="{8ADE7D31-892C-4F9A-A0C0-D85558E7C19B}"/>
-                </a:ext>
-              </a:extLst>
-            </p:cNvPr>
-            <p:cNvGrpSpPr/>
-            <p:nvPr/>
-          </p:nvGrpSpPr>
-          <p:grpSpPr>
-            <a:xfrm>
-              <a:off x="430306" y="1408458"/>
-              <a:ext cx="729983" cy="381458"/>
-              <a:chOff x="6228680" y="6884181"/>
-              <a:chExt cx="667988" cy="249385"/>
-            </a:xfrm>
-          </p:grpSpPr>
-          <p:sp>
-            <p:nvSpPr>
-              <p:cNvPr id="11" name="사각형: 둥근 위쪽 모서리 24">
-                <a:extLst>
-                  <a:ext uri="{FF2B5EF4-FFF2-40B4-BE49-F238E27FC236}">
-                    <a16:creationId xmlns:a16="http://schemas.microsoft.com/office/drawing/2014/main" id="{20CCB7A7-7F67-425E-819E-6BE9496F6BF2}"/>
-                  </a:ext>
-                </a:extLst>
-              </p:cNvPr>
-              <p:cNvSpPr/>
-              <p:nvPr/>
-            </p:nvSpPr>
-            <p:spPr>
-              <a:xfrm rot="5400000">
-                <a:off x="6437981" y="6674880"/>
-                <a:ext cx="249385" cy="667988"/>
-              </a:xfrm>
-              <a:prstGeom prst="round2SameRect">
-                <a:avLst>
-                  <a:gd name="adj1" fmla="val 50000"/>
-                  <a:gd name="adj2" fmla="val 0"/>
-                </a:avLst>
-              </a:prstGeom>
-              <a:gradFill>
-                <a:gsLst>
-                  <a:gs pos="22000">
-                    <a:schemeClr val="tx1">
-                      <a:alpha val="50000"/>
-                    </a:schemeClr>
-                  </a:gs>
-                  <a:gs pos="100000">
-                    <a:schemeClr val="tx1">
-                      <a:alpha val="0"/>
-                    </a:schemeClr>
-                  </a:gs>
-                </a:gsLst>
-                <a:lin ang="5400000" scaled="1"/>
-              </a:gradFill>
-              <a:ln w="12700">
-                <a:gradFill>
-                  <a:gsLst>
-                    <a:gs pos="9000">
-                      <a:schemeClr val="bg1"/>
-                    </a:gs>
-                    <a:gs pos="92000">
-                      <a:schemeClr val="bg1">
-                        <a:alpha val="0"/>
-                      </a:schemeClr>
-                    </a:gs>
-                  </a:gsLst>
-                  <a:lin ang="5400000" scaled="1"/>
-                </a:gradFill>
-              </a:ln>
-            </p:spPr>
-            <p:style>
-              <a:lnRef idx="2">
-                <a:schemeClr val="accent1">
-                  <a:shade val="50000"/>
-                </a:schemeClr>
-              </a:lnRef>
-              <a:fillRef idx="1">
-                <a:schemeClr val="accent1"/>
-              </a:fillRef>
-              <a:effectRef idx="0">
-                <a:schemeClr val="accent1"/>
-              </a:effectRef>
-              <a:fontRef idx="minor">
-                <a:schemeClr val="lt1"/>
-              </a:fontRef>
-            </p:style>
-            <p:txBody>
-              <a:bodyPr rtlCol="0" anchor="ctr"/>
-              <a:lstStyle/>
-              <a:p>
-                <a:pPr algn="ctr" defTabSz="914400" latinLnBrk="1"/>
-                <a:endParaRPr lang="ko-KR" altLang="en-US" b="1" dirty="0">
-                  <a:latin typeface="맑은 고딕" panose="020B0503020000020004" pitchFamily="50" charset="-127"/>
-                </a:endParaRPr>
-              </a:p>
-            </p:txBody>
-          </p:sp>
-          <p:sp>
-            <p:nvSpPr>
-              <p:cNvPr id="12" name="TextBox 11">
-                <a:extLst>
-                  <a:ext uri="{FF2B5EF4-FFF2-40B4-BE49-F238E27FC236}">
-                    <a16:creationId xmlns:a16="http://schemas.microsoft.com/office/drawing/2014/main" id="{70A2ACFD-6DB0-4A53-A887-B85DDD5DB5CB}"/>
-                  </a:ext>
-                </a:extLst>
-              </p:cNvPr>
-              <p:cNvSpPr txBox="1"/>
-              <p:nvPr/>
-            </p:nvSpPr>
-            <p:spPr>
-              <a:xfrm>
-                <a:off x="6528557" y="6904142"/>
-                <a:ext cx="264927" cy="181093"/>
-              </a:xfrm>
-              <a:prstGeom prst="rect">
-                <a:avLst/>
-              </a:prstGeom>
-              <a:noFill/>
-            </p:spPr>
-            <p:txBody>
-              <a:bodyPr wrap="square" lIns="0" tIns="0" rIns="0" bIns="0">
-                <a:spAutoFit/>
-              </a:bodyPr>
-              <a:lstStyle/>
-              <a:p>
-                <a:pPr algn="ctr" fontAlgn="base" latinLnBrk="1">
-                  <a:spcBef>
-                    <a:spcPct val="0"/>
-                  </a:spcBef>
-                  <a:spcAft>
-                    <a:spcPct val="0"/>
-                  </a:spcAft>
-                  <a:defRPr/>
-                </a:pPr>
-                <a:r>
-                  <a:rPr kumimoji="1" lang="en-US" altLang="ko-KR" b="1" spc="-80" dirty="0">
-                    <a:ln w="1270">
-                      <a:solidFill>
-                        <a:schemeClr val="bg1">
-                          <a:alpha val="0"/>
-                        </a:schemeClr>
-                      </a:solidFill>
-                    </a:ln>
-                    <a:solidFill>
-                      <a:schemeClr val="bg1"/>
-                    </a:solidFill>
-                    <a:latin typeface="맑은 고딕" panose="020B0503020000020004" pitchFamily="50" charset="-127"/>
-                    <a:ea typeface="맑은 고딕" panose="020B0503020000020004" pitchFamily="50" charset="-127"/>
-                  </a:rPr>
-                  <a:t>1.</a:t>
-                </a:r>
-                <a:endParaRPr kumimoji="1" lang="ko-KR" altLang="en-US" b="1" spc="-80" dirty="0">
-                  <a:ln w="1270">
-                    <a:solidFill>
-                      <a:schemeClr val="bg1">
-                        <a:alpha val="0"/>
-                      </a:schemeClr>
-                    </a:solidFill>
-                  </a:ln>
-                  <a:solidFill>
-                    <a:schemeClr val="bg1"/>
-                  </a:solidFill>
-                  <a:latin typeface="맑은 고딕" panose="020B0503020000020004" pitchFamily="50" charset="-127"/>
-                  <a:ea typeface="맑은 고딕" panose="020B0503020000020004" pitchFamily="50" charset="-127"/>
-                </a:endParaRPr>
-              </a:p>
-            </p:txBody>
-          </p:sp>
-        </p:grpSp>
-      </p:grpSp>
-      <p:grpSp>
-        <p:nvGrpSpPr>
-          <p:cNvPr id="20" name="그룹 19">
-            <a:extLst>
-              <a:ext uri="{FF2B5EF4-FFF2-40B4-BE49-F238E27FC236}">
-                <a16:creationId xmlns:a16="http://schemas.microsoft.com/office/drawing/2014/main" id="{EC04649D-126C-4D6F-99B4-7178CF407889}"/>
-              </a:ext>
-            </a:extLst>
-          </p:cNvPr>
-          <p:cNvGrpSpPr/>
-          <p:nvPr/>
-        </p:nvGrpSpPr>
-        <p:grpSpPr>
-          <a:xfrm>
-            <a:off x="430305" y="2937973"/>
-            <a:ext cx="5009989" cy="381458"/>
-            <a:chOff x="430306" y="1408458"/>
-            <a:chExt cx="5009989" cy="381458"/>
-          </a:xfrm>
-        </p:grpSpPr>
-        <p:sp>
-          <p:nvSpPr>
-            <p:cNvPr id="21" name="TextBox 36">
-              <a:extLst>
-                <a:ext uri="{FF2B5EF4-FFF2-40B4-BE49-F238E27FC236}">
-                  <a16:creationId xmlns:a16="http://schemas.microsoft.com/office/drawing/2014/main" id="{DF466B7E-EBB2-45A0-BCE3-7D651F0183FC}"/>
-                </a:ext>
-              </a:extLst>
-            </p:cNvPr>
-            <p:cNvSpPr txBox="1"/>
-            <p:nvPr/>
-          </p:nvSpPr>
-          <p:spPr>
-            <a:xfrm>
-              <a:off x="1304364" y="1443791"/>
-              <a:ext cx="4135931" cy="276999"/>
-            </a:xfrm>
-            <a:prstGeom prst="rect">
-              <a:avLst/>
-            </a:prstGeom>
-            <a:noFill/>
-          </p:spPr>
-          <p:txBody>
-            <a:bodyPr wrap="square" lIns="0" tIns="0" rIns="0" bIns="0" rtlCol="0" anchor="t" anchorCtr="0">
-              <a:spAutoFit/>
-            </a:bodyPr>
-            <a:lstStyle>
-              <a:defPPr>
-                <a:defRPr lang="ko-KR"/>
-              </a:defPPr>
-              <a:lvl1pPr algn="l" rtl="0" fontAlgn="base" latinLnBrk="1">
-                <a:spcBef>
-                  <a:spcPct val="0"/>
-                </a:spcBef>
-                <a:spcAft>
-                  <a:spcPct val="0"/>
-                </a:spcAft>
-                <a:defRPr kumimoji="1" sz="1306" kern="1200">
-                  <a:solidFill>
-                    <a:srgbClr val="292929"/>
-                  </a:solidFill>
-                  <a:latin typeface="Rix모던고딕 EB" pitchFamily="18" charset="-127"/>
-                  <a:ea typeface="굴림" charset="-127"/>
-                  <a:cs typeface="+mn-cs"/>
-                </a:defRPr>
-              </a:lvl1pPr>
-              <a:lvl2pPr marL="494297" indent="3457" algn="l" rtl="0" fontAlgn="base" latinLnBrk="1">
-                <a:spcBef>
-                  <a:spcPct val="0"/>
-                </a:spcBef>
-                <a:spcAft>
-                  <a:spcPct val="0"/>
-                </a:spcAft>
-                <a:defRPr kumimoji="1" sz="1306" kern="1200">
-                  <a:solidFill>
-                    <a:srgbClr val="292929"/>
-                  </a:solidFill>
-                  <a:latin typeface="Rix모던고딕 EB" pitchFamily="18" charset="-127"/>
-                  <a:ea typeface="굴림" charset="-127"/>
-                  <a:cs typeface="+mn-cs"/>
-                </a:defRPr>
-              </a:lvl2pPr>
-              <a:lvl3pPr marL="990323" indent="5185" algn="l" rtl="0" fontAlgn="base" latinLnBrk="1">
-                <a:spcBef>
-                  <a:spcPct val="0"/>
-                </a:spcBef>
-                <a:spcAft>
-                  <a:spcPct val="0"/>
-                </a:spcAft>
-                <a:defRPr kumimoji="1" sz="1306" kern="1200">
-                  <a:solidFill>
-                    <a:srgbClr val="292929"/>
-                  </a:solidFill>
-                  <a:latin typeface="Rix모던고딕 EB" pitchFamily="18" charset="-127"/>
-                  <a:ea typeface="굴림" charset="-127"/>
-                  <a:cs typeface="+mn-cs"/>
-                </a:defRPr>
-              </a:lvl3pPr>
-              <a:lvl4pPr marL="1486348" indent="6913" algn="l" rtl="0" fontAlgn="base" latinLnBrk="1">
-                <a:spcBef>
-                  <a:spcPct val="0"/>
-                </a:spcBef>
-                <a:spcAft>
-                  <a:spcPct val="0"/>
-                </a:spcAft>
-                <a:defRPr kumimoji="1" sz="1306" kern="1200">
-                  <a:solidFill>
-                    <a:srgbClr val="292929"/>
-                  </a:solidFill>
-                  <a:latin typeface="Rix모던고딕 EB" pitchFamily="18" charset="-127"/>
-                  <a:ea typeface="굴림" charset="-127"/>
-                  <a:cs typeface="+mn-cs"/>
-                </a:defRPr>
-              </a:lvl4pPr>
-              <a:lvl5pPr marL="1980645" indent="10370" algn="l" rtl="0" fontAlgn="base" latinLnBrk="1">
-                <a:spcBef>
-                  <a:spcPct val="0"/>
-                </a:spcBef>
-                <a:spcAft>
-                  <a:spcPct val="0"/>
-                </a:spcAft>
-                <a:defRPr kumimoji="1" sz="1306" kern="1200">
-                  <a:solidFill>
-                    <a:srgbClr val="292929"/>
-                  </a:solidFill>
-                  <a:latin typeface="Rix모던고딕 EB" pitchFamily="18" charset="-127"/>
-                  <a:ea typeface="굴림" charset="-127"/>
-                  <a:cs typeface="+mn-cs"/>
-                </a:defRPr>
-              </a:lvl5pPr>
-              <a:lvl6pPr marL="2488768" algn="l" defTabSz="995507" rtl="0" eaLnBrk="1" latinLnBrk="1" hangingPunct="1">
-                <a:defRPr kumimoji="1" sz="1306" kern="1200">
-                  <a:solidFill>
-                    <a:srgbClr val="292929"/>
-                  </a:solidFill>
-                  <a:latin typeface="Rix모던고딕 EB" pitchFamily="18" charset="-127"/>
-                  <a:ea typeface="굴림" charset="-127"/>
-                  <a:cs typeface="+mn-cs"/>
-                </a:defRPr>
-              </a:lvl6pPr>
-              <a:lvl7pPr marL="2986522" algn="l" defTabSz="995507" rtl="0" eaLnBrk="1" latinLnBrk="1" hangingPunct="1">
-                <a:defRPr kumimoji="1" sz="1306" kern="1200">
-                  <a:solidFill>
-                    <a:srgbClr val="292929"/>
-                  </a:solidFill>
-                  <a:latin typeface="Rix모던고딕 EB" pitchFamily="18" charset="-127"/>
-                  <a:ea typeface="굴림" charset="-127"/>
-                  <a:cs typeface="+mn-cs"/>
-                </a:defRPr>
-              </a:lvl7pPr>
-              <a:lvl8pPr marL="3484275" algn="l" defTabSz="995507" rtl="0" eaLnBrk="1" latinLnBrk="1" hangingPunct="1">
-                <a:defRPr kumimoji="1" sz="1306" kern="1200">
-                  <a:solidFill>
-                    <a:srgbClr val="292929"/>
-                  </a:solidFill>
-                  <a:latin typeface="Rix모던고딕 EB" pitchFamily="18" charset="-127"/>
-                  <a:ea typeface="굴림" charset="-127"/>
-                  <a:cs typeface="+mn-cs"/>
-                </a:defRPr>
-              </a:lvl8pPr>
-              <a:lvl9pPr marL="3982029" algn="l" defTabSz="995507" rtl="0" eaLnBrk="1" latinLnBrk="1" hangingPunct="1">
-                <a:defRPr kumimoji="1" sz="1306" kern="1200">
-                  <a:solidFill>
-                    <a:srgbClr val="292929"/>
-                  </a:solidFill>
-                  <a:latin typeface="Rix모던고딕 EB" pitchFamily="18" charset="-127"/>
-                  <a:ea typeface="굴림" charset="-127"/>
-                  <a:cs typeface="+mn-cs"/>
-                </a:defRPr>
-              </a:lvl9pPr>
-            </a:lstStyle>
-            <a:p>
-              <a:pPr>
-                <a:defRPr/>
-              </a:pPr>
-              <a:r>
-                <a:rPr lang="en-US" altLang="ko-KR" sz="1800" b="1">
-                  <a:ln w="1270">
-                    <a:noFill/>
-                  </a:ln>
-                  <a:solidFill>
-                    <a:schemeClr val="tx1"/>
-                  </a:solidFill>
-                  <a:latin typeface="맑은 고딕" panose="020B0503020000020004" pitchFamily="50" charset="-127"/>
-                  <a:ea typeface="맑은 고딕" panose="020B0503020000020004" pitchFamily="50" charset="-127"/>
-                </a:rPr>
-                <a:t>CNN</a:t>
-              </a:r>
-              <a:r>
-                <a:rPr lang="ko-KR" altLang="en-US" sz="1800" b="1">
-                  <a:ln w="1270">
-                    <a:noFill/>
-                  </a:ln>
-                  <a:solidFill>
-                    <a:schemeClr val="tx1"/>
-                  </a:solidFill>
-                  <a:latin typeface="맑은 고딕" panose="020B0503020000020004" pitchFamily="50" charset="-127"/>
-                  <a:ea typeface="맑은 고딕" panose="020B0503020000020004" pitchFamily="50" charset="-127"/>
-                </a:rPr>
-                <a:t>의 구조</a:t>
-              </a:r>
-              <a:endParaRPr lang="ko-KR" altLang="en-US" sz="1800" b="1" dirty="0">
-                <a:ln w="1270">
-                  <a:noFill/>
-                </a:ln>
-                <a:solidFill>
-                  <a:schemeClr val="tx1"/>
-                </a:solidFill>
-                <a:latin typeface="맑은 고딕" panose="020B0503020000020004" pitchFamily="50" charset="-127"/>
-                <a:ea typeface="맑은 고딕" panose="020B0503020000020004" pitchFamily="50" charset="-127"/>
-              </a:endParaRPr>
-            </a:p>
-          </p:txBody>
-        </p:sp>
-        <p:grpSp>
-          <p:nvGrpSpPr>
-            <p:cNvPr id="22" name="그룹 21">
-              <a:extLst>
-                <a:ext uri="{FF2B5EF4-FFF2-40B4-BE49-F238E27FC236}">
-                  <a16:creationId xmlns:a16="http://schemas.microsoft.com/office/drawing/2014/main" id="{55B43280-EF2F-4742-84BE-120129A1B681}"/>
-                </a:ext>
-              </a:extLst>
-            </p:cNvPr>
-            <p:cNvGrpSpPr/>
-            <p:nvPr/>
-          </p:nvGrpSpPr>
-          <p:grpSpPr>
-            <a:xfrm>
-              <a:off x="430306" y="1408458"/>
-              <a:ext cx="729983" cy="381458"/>
-              <a:chOff x="6228680" y="6884181"/>
-              <a:chExt cx="667988" cy="249385"/>
-            </a:xfrm>
-          </p:grpSpPr>
-          <p:sp>
-            <p:nvSpPr>
-              <p:cNvPr id="23" name="사각형: 둥근 위쪽 모서리 24">
-                <a:extLst>
-                  <a:ext uri="{FF2B5EF4-FFF2-40B4-BE49-F238E27FC236}">
-                    <a16:creationId xmlns:a16="http://schemas.microsoft.com/office/drawing/2014/main" id="{535851F9-C1F0-4FD9-8DB7-D6120687964C}"/>
-                  </a:ext>
-                </a:extLst>
-              </p:cNvPr>
-              <p:cNvSpPr/>
-              <p:nvPr/>
-            </p:nvSpPr>
-            <p:spPr>
-              <a:xfrm rot="5400000">
-                <a:off x="6437981" y="6674880"/>
-                <a:ext cx="249385" cy="667988"/>
-              </a:xfrm>
-              <a:prstGeom prst="round2SameRect">
-                <a:avLst>
-                  <a:gd name="adj1" fmla="val 50000"/>
-                  <a:gd name="adj2" fmla="val 0"/>
-                </a:avLst>
-              </a:prstGeom>
-              <a:gradFill>
-                <a:gsLst>
-                  <a:gs pos="22000">
-                    <a:schemeClr val="tx1">
-                      <a:alpha val="50000"/>
-                    </a:schemeClr>
-                  </a:gs>
-                  <a:gs pos="100000">
-                    <a:schemeClr val="tx1">
-                      <a:alpha val="0"/>
-                    </a:schemeClr>
-                  </a:gs>
-                </a:gsLst>
-                <a:lin ang="5400000" scaled="1"/>
-              </a:gradFill>
-              <a:ln w="12700">
-                <a:gradFill>
-                  <a:gsLst>
-                    <a:gs pos="9000">
-                      <a:schemeClr val="bg1"/>
-                    </a:gs>
-                    <a:gs pos="92000">
-                      <a:schemeClr val="bg1">
-                        <a:alpha val="0"/>
-                      </a:schemeClr>
-                    </a:gs>
-                  </a:gsLst>
-                  <a:lin ang="5400000" scaled="1"/>
-                </a:gradFill>
-              </a:ln>
-            </p:spPr>
-            <p:style>
-              <a:lnRef idx="2">
-                <a:schemeClr val="accent1">
-                  <a:shade val="50000"/>
-                </a:schemeClr>
-              </a:lnRef>
-              <a:fillRef idx="1">
-                <a:schemeClr val="accent1"/>
-              </a:fillRef>
-              <a:effectRef idx="0">
-                <a:schemeClr val="accent1"/>
-              </a:effectRef>
-              <a:fontRef idx="minor">
-                <a:schemeClr val="lt1"/>
-              </a:fontRef>
-            </p:style>
-            <p:txBody>
-              <a:bodyPr rtlCol="0" anchor="ctr"/>
-              <a:lstStyle/>
-              <a:p>
-                <a:pPr algn="ctr" defTabSz="914400" latinLnBrk="1"/>
-                <a:endParaRPr lang="ko-KR" altLang="en-US" b="1" dirty="0">
-                  <a:latin typeface="맑은 고딕" panose="020B0503020000020004" pitchFamily="50" charset="-127"/>
-                </a:endParaRPr>
-              </a:p>
-            </p:txBody>
-          </p:sp>
-          <p:sp>
-            <p:nvSpPr>
-              <p:cNvPr id="24" name="TextBox 23">
-                <a:extLst>
-                  <a:ext uri="{FF2B5EF4-FFF2-40B4-BE49-F238E27FC236}">
-                    <a16:creationId xmlns:a16="http://schemas.microsoft.com/office/drawing/2014/main" id="{02F12053-43C6-45C2-B41A-AAC723A4D4CE}"/>
-                  </a:ext>
-                </a:extLst>
-              </p:cNvPr>
-              <p:cNvSpPr txBox="1"/>
-              <p:nvPr/>
-            </p:nvSpPr>
-            <p:spPr>
-              <a:xfrm>
-                <a:off x="6528557" y="6904142"/>
-                <a:ext cx="264927" cy="181093"/>
-              </a:xfrm>
-              <a:prstGeom prst="rect">
-                <a:avLst/>
-              </a:prstGeom>
-              <a:noFill/>
-            </p:spPr>
-            <p:txBody>
-              <a:bodyPr wrap="square" lIns="0" tIns="0" rIns="0" bIns="0">
-                <a:spAutoFit/>
-              </a:bodyPr>
-              <a:lstStyle/>
-              <a:p>
-                <a:pPr algn="ctr" fontAlgn="base" latinLnBrk="1">
-                  <a:spcBef>
-                    <a:spcPct val="0"/>
-                  </a:spcBef>
-                  <a:spcAft>
-                    <a:spcPct val="0"/>
-                  </a:spcAft>
-                  <a:defRPr/>
-                </a:pPr>
-                <a:r>
-                  <a:rPr kumimoji="1" lang="en-US" altLang="ko-KR" b="1" spc="-80" dirty="0">
-                    <a:ln w="1270">
-                      <a:solidFill>
-                        <a:schemeClr val="bg1">
-                          <a:alpha val="0"/>
-                        </a:schemeClr>
-                      </a:solidFill>
-                    </a:ln>
-                    <a:solidFill>
-                      <a:schemeClr val="bg1"/>
-                    </a:solidFill>
-                    <a:latin typeface="맑은 고딕" panose="020B0503020000020004" pitchFamily="50" charset="-127"/>
-                    <a:ea typeface="맑은 고딕" panose="020B0503020000020004" pitchFamily="50" charset="-127"/>
-                  </a:rPr>
-                  <a:t>2.</a:t>
-                </a:r>
-                <a:endParaRPr kumimoji="1" lang="ko-KR" altLang="en-US" b="1" spc="-80" dirty="0">
-                  <a:ln w="1270">
-                    <a:solidFill>
-                      <a:schemeClr val="bg1">
-                        <a:alpha val="0"/>
-                      </a:schemeClr>
-                    </a:solidFill>
-                  </a:ln>
-                  <a:solidFill>
-                    <a:schemeClr val="bg1"/>
-                  </a:solidFill>
-                  <a:latin typeface="맑은 고딕" panose="020B0503020000020004" pitchFamily="50" charset="-127"/>
-                  <a:ea typeface="맑은 고딕" panose="020B0503020000020004" pitchFamily="50" charset="-127"/>
-                </a:endParaRPr>
-              </a:p>
-            </p:txBody>
-          </p:sp>
-        </p:grpSp>
-      </p:grpSp>
-      <p:sp>
-        <p:nvSpPr>
-          <p:cNvPr id="17" name="TextBox 16">
-            <a:extLst>
-              <a:ext uri="{FF2B5EF4-FFF2-40B4-BE49-F238E27FC236}">
-                <a16:creationId xmlns:a16="http://schemas.microsoft.com/office/drawing/2014/main" id="{9BE74322-39DA-2C1A-8F7B-7B9E49F7F5D3}"/>
-              </a:ext>
-            </a:extLst>
-          </p:cNvPr>
-          <p:cNvSpPr txBox="1"/>
-          <p:nvPr/>
-        </p:nvSpPr>
-        <p:spPr>
-          <a:xfrm>
-            <a:off x="1304365" y="599583"/>
-            <a:ext cx="7970264" cy="523220"/>
-          </a:xfrm>
-          <a:prstGeom prst="rect">
-            <a:avLst/>
-          </a:prstGeom>
-          <a:noFill/>
-        </p:spPr>
-        <p:txBody>
-          <a:bodyPr wrap="square">
-            <a:spAutoFit/>
-          </a:bodyPr>
-          <a:lstStyle/>
-          <a:p>
-            <a:r>
-              <a:rPr lang="ko-KR" altLang="en-US" sz="2800" b="1">
-                <a:solidFill>
-                  <a:schemeClr val="bg1"/>
-                </a:solidFill>
-                <a:latin typeface="맑은 고딕" panose="020B0503020000020004" pitchFamily="50" charset="-127"/>
-                <a:ea typeface="맑은 고딕" panose="020B0503020000020004" pitchFamily="50" charset="-127"/>
-              </a:rPr>
-              <a:t>연구 방법</a:t>
-            </a:r>
-            <a:endParaRPr lang="ko-KR" altLang="en-US" sz="2000" i="1" dirty="0">
-              <a:solidFill>
-                <a:srgbClr val="FF0000"/>
-              </a:solidFill>
-              <a:latin typeface="맑은 고딕" panose="020B0503020000020004" pitchFamily="50" charset="-127"/>
-              <a:ea typeface="맑은 고딕" panose="020B0503020000020004" pitchFamily="50" charset="-127"/>
-            </a:endParaRPr>
-          </a:p>
-        </p:txBody>
-      </p:sp>
-      <p:sp>
-        <p:nvSpPr>
-          <p:cNvPr id="18" name="TextBox 17">
-            <a:extLst>
-              <a:ext uri="{FF2B5EF4-FFF2-40B4-BE49-F238E27FC236}">
-                <a16:creationId xmlns:a16="http://schemas.microsoft.com/office/drawing/2014/main" id="{70129D79-75A9-F339-3B0A-DE94C36C7EF6}"/>
-              </a:ext>
-            </a:extLst>
-          </p:cNvPr>
-          <p:cNvSpPr txBox="1"/>
-          <p:nvPr/>
-        </p:nvSpPr>
-        <p:spPr>
-          <a:xfrm>
-            <a:off x="897429" y="1835034"/>
-            <a:ext cx="6082491" cy="901722"/>
-          </a:xfrm>
-          <a:prstGeom prst="rect">
-            <a:avLst/>
-          </a:prstGeom>
-          <a:noFill/>
-        </p:spPr>
-        <p:txBody>
-          <a:bodyPr wrap="square">
-            <a:spAutoFit/>
-          </a:bodyPr>
-          <a:lstStyle>
-            <a:defPPr>
-              <a:defRPr lang="en-US"/>
-            </a:defPPr>
-            <a:lvl1pPr marL="285750" indent="-285750">
-              <a:lnSpc>
-                <a:spcPct val="130000"/>
-              </a:lnSpc>
-              <a:buFont typeface="Arial" panose="020B0604020202020204" pitchFamily="34" charset="0"/>
-              <a:buChar char="•"/>
-              <a:defRPr sz="1400">
-                <a:latin typeface="+mn-ea"/>
-              </a:defRPr>
-            </a:lvl1pPr>
-            <a:lvl2pPr marL="742950" lvl="1" indent="-285750">
-              <a:lnSpc>
-                <a:spcPct val="130000"/>
-              </a:lnSpc>
-              <a:buFont typeface="Wingdings" panose="05000000000000000000" pitchFamily="2" charset="2"/>
-              <a:buChar char="ü"/>
-              <a:defRPr sz="1400">
-                <a:latin typeface="+mn-ea"/>
-              </a:defRPr>
-            </a:lvl2pPr>
-          </a:lstStyle>
-          <a:p>
-            <a:r>
-              <a:rPr lang="ko-KR" altLang="en-US"/>
-              <a:t>다층 퍼셉트론</a:t>
-            </a:r>
-            <a:r>
-              <a:rPr lang="en-US" altLang="ko-KR"/>
-              <a:t>(MLP)</a:t>
-            </a:r>
-            <a:r>
-              <a:rPr lang="ko-KR" altLang="en-US"/>
-              <a:t>의 발전된 형태이며 이미지 처리에 적합한 신경망</a:t>
-            </a:r>
-            <a:endParaRPr lang="en-US" altLang="ko-KR"/>
-          </a:p>
-          <a:p>
-            <a:pPr lvl="1"/>
-            <a:r>
-              <a:rPr lang="ko-KR" altLang="en-US"/>
-              <a:t>인간의 시각 피질과 유사하고  </a:t>
-            </a:r>
-            <a:r>
-              <a:rPr lang="en-US" altLang="ko-KR"/>
-              <a:t>2</a:t>
-            </a:r>
-            <a:r>
-              <a:rPr lang="ko-KR" altLang="en-US"/>
-              <a:t>차원</a:t>
-            </a:r>
-            <a:r>
-              <a:rPr lang="en-US" altLang="ko-KR"/>
-              <a:t>(2D) </a:t>
-            </a:r>
-            <a:r>
-              <a:rPr lang="ko-KR" altLang="en-US"/>
-              <a:t>특징을 추출하고 학습</a:t>
-            </a:r>
-            <a:endParaRPr lang="en-US" altLang="ko-KR"/>
-          </a:p>
-          <a:p>
-            <a:pPr lvl="1"/>
-            <a:r>
-              <a:rPr lang="ko-KR" altLang="en-US"/>
-              <a:t>같은 크기의 </a:t>
-            </a:r>
-            <a:r>
-              <a:rPr lang="en-US" altLang="ko-KR"/>
-              <a:t>DNN</a:t>
-            </a:r>
-            <a:r>
-              <a:rPr lang="ko-KR" altLang="en-US"/>
-              <a:t>에 비해 파라미터 수가 매우 적다</a:t>
-            </a:r>
-            <a:r>
-              <a:rPr lang="en-US" altLang="ko-KR"/>
-              <a:t>.</a:t>
-            </a:r>
-          </a:p>
-        </p:txBody>
-      </p:sp>
-      <p:sp>
-        <p:nvSpPr>
-          <p:cNvPr id="53" name="TextBox 52">
-            <a:extLst>
-              <a:ext uri="{FF2B5EF4-FFF2-40B4-BE49-F238E27FC236}">
-                <a16:creationId xmlns:a16="http://schemas.microsoft.com/office/drawing/2014/main" id="{6037085F-0747-0BC2-9F40-7C38242A9AF1}"/>
-              </a:ext>
-            </a:extLst>
-          </p:cNvPr>
-          <p:cNvSpPr txBox="1"/>
-          <p:nvPr/>
-        </p:nvSpPr>
-        <p:spPr>
-          <a:xfrm>
-            <a:off x="897428" y="3451032"/>
-            <a:ext cx="8642812" cy="623119"/>
-          </a:xfrm>
-          <a:prstGeom prst="rect">
-            <a:avLst/>
-          </a:prstGeom>
-          <a:noFill/>
-        </p:spPr>
-        <p:txBody>
-          <a:bodyPr wrap="square">
-            <a:spAutoFit/>
-          </a:bodyPr>
-          <a:lstStyle/>
-          <a:p>
-            <a:pPr marL="180000" indent="-180000">
-              <a:lnSpc>
-                <a:spcPct val="130000"/>
-              </a:lnSpc>
-              <a:buFont typeface="Arial" panose="020B0604020202020204" pitchFamily="34" charset="0"/>
-              <a:buChar char="•"/>
-            </a:pPr>
-            <a:r>
-              <a:rPr lang="ko-KR" altLang="en-US" sz="1400">
-                <a:latin typeface="+mn-ea"/>
-              </a:rPr>
-              <a:t>특징 추출 네트워크 </a:t>
-            </a:r>
-            <a:r>
-              <a:rPr lang="en-US" altLang="ko-KR" sz="1400">
-                <a:latin typeface="+mn-ea"/>
-              </a:rPr>
-              <a:t>: Convolution layer (+ ReLU / BN) + Pooling layer </a:t>
-            </a:r>
-            <a:r>
-              <a:rPr lang="en-US" altLang="ko-KR" sz="1400">
-                <a:latin typeface="+mn-ea"/>
-                <a:sym typeface="Wingdings" panose="05000000000000000000" pitchFamily="2" charset="2"/>
-              </a:rPr>
-              <a:t></a:t>
-            </a:r>
-            <a:r>
-              <a:rPr lang="en-US" altLang="ko-KR" sz="1400">
-                <a:latin typeface="+mn-ea"/>
-              </a:rPr>
-              <a:t> Feature map </a:t>
-            </a:r>
-            <a:r>
-              <a:rPr lang="ko-KR" altLang="en-US" sz="1400">
-                <a:latin typeface="+mn-ea"/>
-              </a:rPr>
-              <a:t>생성</a:t>
-            </a:r>
-          </a:p>
-          <a:p>
-            <a:pPr marL="180000" indent="-180000">
-              <a:lnSpc>
-                <a:spcPct val="130000"/>
-              </a:lnSpc>
-              <a:buFont typeface="Arial" panose="020B0604020202020204" pitchFamily="34" charset="0"/>
-              <a:buChar char="•"/>
-            </a:pPr>
-            <a:r>
-              <a:rPr lang="ko-KR" altLang="en-US" sz="1400">
-                <a:latin typeface="+mn-ea"/>
-              </a:rPr>
-              <a:t>분류 네트워크 </a:t>
-            </a:r>
-            <a:r>
-              <a:rPr lang="en-US" altLang="ko-KR" sz="1400">
-                <a:latin typeface="+mn-ea"/>
-              </a:rPr>
-              <a:t>: Fully connected layers + Sigmoid / Softmax  </a:t>
-            </a:r>
-            <a:r>
-              <a:rPr lang="en-US" altLang="ko-KR" sz="1400">
-                <a:latin typeface="+mn-ea"/>
-                <a:sym typeface="Wingdings" panose="05000000000000000000" pitchFamily="2" charset="2"/>
-              </a:rPr>
-              <a:t></a:t>
-            </a:r>
-            <a:r>
-              <a:rPr lang="en-US" altLang="ko-KR" sz="1400">
-                <a:latin typeface="+mn-ea"/>
-              </a:rPr>
-              <a:t> </a:t>
-            </a:r>
-            <a:r>
-              <a:rPr lang="ko-KR" altLang="en-US" sz="1400">
-                <a:latin typeface="+mn-ea"/>
-              </a:rPr>
-              <a:t>단일</a:t>
-            </a:r>
-            <a:r>
-              <a:rPr lang="en-US" altLang="ko-KR" sz="1400">
-                <a:latin typeface="+mn-ea"/>
-              </a:rPr>
-              <a:t>/</a:t>
-            </a:r>
-            <a:r>
-              <a:rPr lang="ko-KR" altLang="en-US" sz="1400">
-                <a:latin typeface="+mn-ea"/>
-              </a:rPr>
-              <a:t>다중 </a:t>
-            </a:r>
-            <a:r>
-              <a:rPr lang="en-US" altLang="ko-KR" sz="1400">
-                <a:latin typeface="+mn-ea"/>
-              </a:rPr>
-              <a:t>Class (</a:t>
-            </a:r>
-            <a:r>
-              <a:rPr lang="ko-KR" altLang="en-US" sz="1400">
-                <a:latin typeface="+mn-ea"/>
-              </a:rPr>
-              <a:t>범주형 데이터</a:t>
-            </a:r>
-            <a:r>
-              <a:rPr lang="en-US" altLang="ko-KR" sz="1400">
-                <a:latin typeface="+mn-ea"/>
-              </a:rPr>
-              <a:t>)</a:t>
-            </a:r>
-            <a:endParaRPr lang="ko-KR" altLang="en-US" sz="1400">
-              <a:latin typeface="+mn-ea"/>
-            </a:endParaRPr>
-          </a:p>
-        </p:txBody>
-      </p:sp>
-      <p:sp>
-        <p:nvSpPr>
-          <p:cNvPr id="61" name="TextBox 60">
-            <a:extLst>
-              <a:ext uri="{FF2B5EF4-FFF2-40B4-BE49-F238E27FC236}">
-                <a16:creationId xmlns:a16="http://schemas.microsoft.com/office/drawing/2014/main" id="{301B0E7C-E2B5-C01F-B77E-62ED8B2937EA}"/>
-              </a:ext>
-            </a:extLst>
-          </p:cNvPr>
-          <p:cNvSpPr txBox="1"/>
-          <p:nvPr/>
-        </p:nvSpPr>
-        <p:spPr>
-          <a:xfrm>
-            <a:off x="6842151" y="1312298"/>
-            <a:ext cx="3660608" cy="553100"/>
-          </a:xfrm>
-          <a:prstGeom prst="rect">
-            <a:avLst/>
-          </a:prstGeom>
-          <a:solidFill>
-            <a:schemeClr val="accent2">
-              <a:lumMod val="20000"/>
-              <a:lumOff val="80000"/>
-            </a:schemeClr>
-          </a:solidFill>
-        </p:spPr>
-        <p:txBody>
-          <a:bodyPr wrap="square" rtlCol="0">
-            <a:spAutoFit/>
-          </a:bodyPr>
-          <a:lstStyle/>
-          <a:p>
-            <a:pPr marL="285750" indent="-285750">
-              <a:lnSpc>
-                <a:spcPct val="130000"/>
-              </a:lnSpc>
-              <a:buFont typeface="Wingdings" panose="05000000000000000000" pitchFamily="2" charset="2"/>
-              <a:buChar char="ü"/>
-            </a:pPr>
-            <a:r>
-              <a:rPr lang="ko-KR" altLang="en-US" sz="1200" b="1">
-                <a:solidFill>
-                  <a:srgbClr val="C00000"/>
-                </a:solidFill>
-              </a:rPr>
-              <a:t>내가 적용할 방법에 대해 이론적인 설명</a:t>
-            </a:r>
-            <a:endParaRPr lang="en-US" altLang="ko-KR" sz="1200" b="1">
-              <a:solidFill>
-                <a:srgbClr val="C00000"/>
-              </a:solidFill>
-            </a:endParaRPr>
-          </a:p>
-          <a:p>
-            <a:pPr marL="285750" indent="-285750">
-              <a:lnSpc>
-                <a:spcPct val="130000"/>
-              </a:lnSpc>
-              <a:buFont typeface="Wingdings" panose="05000000000000000000" pitchFamily="2" charset="2"/>
-              <a:buChar char="ü"/>
-            </a:pPr>
-            <a:endParaRPr lang="ko-KR" altLang="en-US" sz="1200" b="1" dirty="0">
-              <a:solidFill>
-                <a:srgbClr val="C00000"/>
-              </a:solidFill>
-            </a:endParaRPr>
-          </a:p>
-        </p:txBody>
-      </p:sp>
-      <p:sp>
-        <p:nvSpPr>
-          <p:cNvPr id="63" name="TextBox 62">
-            <a:extLst>
-              <a:ext uri="{FF2B5EF4-FFF2-40B4-BE49-F238E27FC236}">
-                <a16:creationId xmlns:a16="http://schemas.microsoft.com/office/drawing/2014/main" id="{B01E52C1-CBA7-BC43-E9A4-3B19CEAF5304}"/>
-              </a:ext>
-            </a:extLst>
-          </p:cNvPr>
-          <p:cNvSpPr txBox="1"/>
-          <p:nvPr/>
-        </p:nvSpPr>
-        <p:spPr>
-          <a:xfrm>
-            <a:off x="6306843" y="2559041"/>
-            <a:ext cx="4195916" cy="791627"/>
-          </a:xfrm>
-          <a:prstGeom prst="rect">
-            <a:avLst/>
-          </a:prstGeom>
-          <a:solidFill>
-            <a:schemeClr val="accent2">
-              <a:lumMod val="20000"/>
-              <a:lumOff val="80000"/>
-            </a:schemeClr>
-          </a:solidFill>
-        </p:spPr>
-        <p:txBody>
-          <a:bodyPr wrap="square" rtlCol="0">
-            <a:spAutoFit/>
-          </a:bodyPr>
-          <a:lstStyle/>
-          <a:p>
-            <a:pPr marL="285750" indent="-285750">
-              <a:lnSpc>
-                <a:spcPct val="130000"/>
-              </a:lnSpc>
-              <a:buFont typeface="Wingdings" panose="05000000000000000000" pitchFamily="2" charset="2"/>
-              <a:buChar char="ü"/>
-            </a:pPr>
-            <a:r>
-              <a:rPr lang="ko-KR" altLang="en-US" sz="1200" b="1" dirty="0">
-                <a:solidFill>
-                  <a:srgbClr val="C00000"/>
-                </a:solidFill>
-              </a:rPr>
-              <a:t>그림</a:t>
-            </a:r>
-            <a:r>
-              <a:rPr lang="en-US" altLang="ko-KR" sz="1200" b="1" dirty="0">
-                <a:solidFill>
-                  <a:srgbClr val="C00000"/>
-                </a:solidFill>
-              </a:rPr>
-              <a:t>, </a:t>
-            </a:r>
-            <a:r>
-              <a:rPr lang="ko-KR" altLang="en-US" sz="1200" b="1" dirty="0">
-                <a:solidFill>
-                  <a:srgbClr val="C00000"/>
-                </a:solidFill>
-              </a:rPr>
-              <a:t>표</a:t>
-            </a:r>
-            <a:r>
-              <a:rPr lang="en-US" altLang="ko-KR" sz="1200" b="1" dirty="0">
-                <a:solidFill>
-                  <a:srgbClr val="C00000"/>
-                </a:solidFill>
-              </a:rPr>
-              <a:t>, flow chart </a:t>
-            </a:r>
-            <a:r>
-              <a:rPr lang="ko-KR" altLang="en-US" sz="1200" b="1" dirty="0">
-                <a:solidFill>
-                  <a:srgbClr val="C00000"/>
-                </a:solidFill>
-              </a:rPr>
-              <a:t>활용</a:t>
-            </a:r>
-            <a:endParaRPr lang="en-US" altLang="ko-KR" sz="1200" b="1" dirty="0">
-              <a:solidFill>
-                <a:srgbClr val="C00000"/>
-              </a:solidFill>
-            </a:endParaRPr>
-          </a:p>
-          <a:p>
-            <a:pPr marL="285750" indent="-285750">
-              <a:lnSpc>
-                <a:spcPct val="130000"/>
-              </a:lnSpc>
-              <a:buFont typeface="Wingdings" panose="05000000000000000000" pitchFamily="2" charset="2"/>
-              <a:buChar char="ü"/>
-            </a:pPr>
-            <a:r>
-              <a:rPr lang="ko-KR" altLang="en-US" sz="1200" b="1" dirty="0">
-                <a:solidFill>
-                  <a:srgbClr val="C00000"/>
-                </a:solidFill>
-              </a:rPr>
-              <a:t>실험</a:t>
-            </a:r>
-            <a:r>
-              <a:rPr lang="en-US" altLang="ko-KR" sz="1200" b="1" dirty="0">
-                <a:solidFill>
-                  <a:srgbClr val="C00000"/>
-                </a:solidFill>
-              </a:rPr>
-              <a:t>: </a:t>
-            </a:r>
-            <a:r>
-              <a:rPr lang="ko-KR" altLang="en-US" sz="1200" b="1" dirty="0">
-                <a:solidFill>
-                  <a:srgbClr val="C00000"/>
-                </a:solidFill>
-              </a:rPr>
-              <a:t>데이터</a:t>
-            </a:r>
-            <a:r>
-              <a:rPr lang="en-US" altLang="ko-KR" sz="1200" b="1" dirty="0">
-                <a:solidFill>
-                  <a:srgbClr val="C00000"/>
-                </a:solidFill>
-              </a:rPr>
-              <a:t>(</a:t>
-            </a:r>
-            <a:r>
-              <a:rPr lang="ko-KR" altLang="en-US" sz="1200" b="1" dirty="0">
-                <a:solidFill>
-                  <a:srgbClr val="C00000"/>
-                </a:solidFill>
-              </a:rPr>
-              <a:t>수집 방법</a:t>
-            </a:r>
-            <a:r>
-              <a:rPr lang="en-US" altLang="ko-KR" sz="1200" b="1" dirty="0">
-                <a:solidFill>
-                  <a:srgbClr val="C00000"/>
-                </a:solidFill>
-              </a:rPr>
-              <a:t>, </a:t>
-            </a:r>
-            <a:r>
-              <a:rPr lang="ko-KR" altLang="en-US" sz="1200" b="1" dirty="0">
-                <a:solidFill>
-                  <a:srgbClr val="C00000"/>
-                </a:solidFill>
-              </a:rPr>
-              <a:t>예시</a:t>
-            </a:r>
-            <a:r>
-              <a:rPr lang="en-US" altLang="ko-KR" sz="1200" b="1" dirty="0">
-                <a:solidFill>
-                  <a:srgbClr val="C00000"/>
-                </a:solidFill>
-              </a:rPr>
-              <a:t>), </a:t>
-            </a:r>
-            <a:r>
-              <a:rPr lang="ko-KR" altLang="en-US" sz="1200" b="1" dirty="0">
-                <a:solidFill>
-                  <a:srgbClr val="C00000"/>
-                </a:solidFill>
-              </a:rPr>
-              <a:t>적용 알고리즘 설명</a:t>
-            </a:r>
-            <a:endParaRPr lang="en-US" altLang="ko-KR" sz="1200" b="1" dirty="0">
-              <a:solidFill>
-                <a:srgbClr val="C00000"/>
-              </a:solidFill>
-            </a:endParaRPr>
-          </a:p>
-          <a:p>
-            <a:pPr marL="285750" indent="-285750">
-              <a:lnSpc>
-                <a:spcPct val="130000"/>
-              </a:lnSpc>
-              <a:buFont typeface="Wingdings" panose="05000000000000000000" pitchFamily="2" charset="2"/>
-              <a:buChar char="ü"/>
-            </a:pPr>
-            <a:r>
-              <a:rPr lang="ko-KR" altLang="en-US" sz="1200" b="1" dirty="0">
-                <a:solidFill>
-                  <a:srgbClr val="C00000"/>
-                </a:solidFill>
-              </a:rPr>
-              <a:t>서비스 개발</a:t>
-            </a:r>
-            <a:r>
-              <a:rPr lang="en-US" altLang="ko-KR" sz="1200" b="1" dirty="0">
-                <a:solidFill>
-                  <a:srgbClr val="C00000"/>
-                </a:solidFill>
-              </a:rPr>
-              <a:t>: </a:t>
-            </a:r>
-            <a:r>
-              <a:rPr lang="ko-KR" altLang="en-US" sz="1200" b="1" dirty="0">
-                <a:solidFill>
-                  <a:srgbClr val="C00000"/>
-                </a:solidFill>
-              </a:rPr>
-              <a:t>서비스 내용</a:t>
-            </a:r>
-            <a:r>
-              <a:rPr lang="en-US" altLang="ko-KR" sz="1200" b="1" dirty="0">
-                <a:solidFill>
-                  <a:srgbClr val="C00000"/>
-                </a:solidFill>
-              </a:rPr>
-              <a:t>, </a:t>
-            </a:r>
-            <a:r>
-              <a:rPr lang="ko-KR" altLang="en-US" sz="1200" b="1" dirty="0">
-                <a:solidFill>
-                  <a:srgbClr val="C00000"/>
-                </a:solidFill>
-              </a:rPr>
-              <a:t>구성도 설명</a:t>
-            </a:r>
-          </a:p>
-        </p:txBody>
-      </p:sp>
-      <p:pic>
-        <p:nvPicPr>
-          <p:cNvPr id="3" name="_x1087094960">
-            <a:extLst>
-              <a:ext uri="{FF2B5EF4-FFF2-40B4-BE49-F238E27FC236}">
-                <a16:creationId xmlns:a16="http://schemas.microsoft.com/office/drawing/2014/main" id="{3F6DCED3-92AF-233E-D359-750C608EC09C}"/>
-              </a:ext>
-            </a:extLst>
-          </p:cNvPr>
-          <p:cNvPicPr>
-            <a:picLocks noChangeAspect="1" noChangeArrowheads="1"/>
-          </p:cNvPicPr>
-          <p:nvPr/>
-        </p:nvPicPr>
-        <p:blipFill rotWithShape="1">
-          <a:blip r:embed="rId2">
-            <a:extLst>
-              <a:ext uri="{28A0092B-C50C-407E-A947-70E740481C1C}">
-                <a14:useLocalDpi xmlns:a14="http://schemas.microsoft.com/office/drawing/2010/main" val="0"/>
-              </a:ext>
-            </a:extLst>
-          </a:blip>
-          <a:srcRect l="15695" b="10160"/>
-          <a:stretch/>
-        </p:blipFill>
-        <p:spPr bwMode="auto">
-          <a:xfrm>
-            <a:off x="1769748" y="4205751"/>
-            <a:ext cx="7341092" cy="2826562"/>
-          </a:xfrm>
-          <a:prstGeom prst="rect">
-            <a:avLst/>
-          </a:prstGeom>
-          <a:noFill/>
-          <a:extLst>
-            <a:ext uri="{909E8E84-426E-40DD-AFC4-6F175D3DCCD1}">
-              <a14:hiddenFill xmlns:a14="http://schemas.microsoft.com/office/drawing/2010/main">
-                <a:solidFill>
-                  <a:srgbClr val="FFFFFF"/>
-                </a:solidFill>
-              </a14:hiddenFill>
-            </a:ext>
-          </a:extLst>
-        </p:spPr>
-      </p:pic>
-      <p:sp>
-        <p:nvSpPr>
-          <p:cNvPr id="4" name="TextBox 3">
-            <a:extLst>
-              <a:ext uri="{FF2B5EF4-FFF2-40B4-BE49-F238E27FC236}">
-                <a16:creationId xmlns:a16="http://schemas.microsoft.com/office/drawing/2014/main" id="{E4BF492A-4689-EEFA-24AD-0DB704D58154}"/>
-              </a:ext>
-            </a:extLst>
-          </p:cNvPr>
-          <p:cNvSpPr txBox="1"/>
-          <p:nvPr/>
-        </p:nvSpPr>
-        <p:spPr>
-          <a:xfrm>
-            <a:off x="10134769" y="7077075"/>
-            <a:ext cx="263214" cy="276999"/>
-          </a:xfrm>
-          <a:prstGeom prst="rect">
-            <a:avLst/>
-          </a:prstGeom>
-          <a:noFill/>
-        </p:spPr>
-        <p:txBody>
-          <a:bodyPr wrap="none" rtlCol="0">
-            <a:spAutoFit/>
-          </a:bodyPr>
-          <a:lstStyle/>
-          <a:p>
-            <a:fld id="{E2886697-6AD6-4FDA-9E51-14A767932366}" type="slidenum">
-              <a:rPr lang="ko-KR" altLang="en-US" sz="1200" smtClean="0"/>
-              <a:t>9</a:t>
-            </a:fld>
-            <a:endParaRPr lang="ko-KR" altLang="en-US" sz="1200"/>
-          </a:p>
-        </p:txBody>
-      </p:sp>
-    </p:spTree>
-    <p:extLst>
-      <p:ext uri="{BB962C8B-B14F-4D97-AF65-F5344CB8AC3E}">
-        <p14:creationId xmlns:p14="http://schemas.microsoft.com/office/powerpoint/2010/main" val="2759291825"/>
       </p:ext>
     </p:extLst>
   </p:cSld>
@@ -35450,18 +34984,18 @@
 </file>
 
 <file path=customXml/item1.xml><?xml version="1.0" encoding="utf-8"?>
-<p:properties xmlns:p="http://schemas.microsoft.com/office/2006/metadata/properties" xmlns:xsi="http://www.w3.org/2001/XMLSchema-instance" xmlns:pc="http://schemas.microsoft.com/office/infopath/2007/PartnerControls">
-  <documentManagement/>
-</p:properties>
-</file>
-
-<file path=customXml/item2.xml><?xml version="1.0" encoding="utf-8"?>
 <?mso-contentType ?>
 <FormTemplates xmlns="http://schemas.microsoft.com/sharepoint/v3/contenttype/forms">
   <Display>DocumentLibraryForm</Display>
   <Edit>DocumentLibraryForm</Edit>
   <New>DocumentLibraryForm</New>
 </FormTemplates>
+</file>
+
+<file path=customXml/item2.xml><?xml version="1.0" encoding="utf-8"?>
+<p:properties xmlns:p="http://schemas.microsoft.com/office/2006/metadata/properties" xmlns:xsi="http://www.w3.org/2001/XMLSchema-instance" xmlns:pc="http://schemas.microsoft.com/office/infopath/2007/PartnerControls">
+  <documentManagement/>
+</p:properties>
 </file>
 
 <file path=customXml/item3.xml><?xml version="1.0" encoding="utf-8"?>
@@ -35688,6 +35222,14 @@
 </file>
 
 <file path=customXml/itemProps1.xml><?xml version="1.0" encoding="utf-8"?>
+<ds:datastoreItem xmlns:ds="http://schemas.openxmlformats.org/officeDocument/2006/customXml" ds:itemID="{0E265FB1-6595-466A-9A0F-D3A2C10053AB}">
+  <ds:schemaRefs>
+    <ds:schemaRef ds:uri="http://schemas.microsoft.com/sharepoint/v3/contenttype/forms"/>
+  </ds:schemaRefs>
+</ds:datastoreItem>
+</file>
+
+<file path=customXml/itemProps2.xml><?xml version="1.0" encoding="utf-8"?>
 <ds:datastoreItem xmlns:ds="http://schemas.openxmlformats.org/officeDocument/2006/customXml" ds:itemID="{0F7F1398-980A-4A53-9022-8C90FB6A33AD}">
   <ds:schemaRefs>
     <ds:schemaRef ds:uri="http://purl.org/dc/elements/1.1/"/>
@@ -35700,14 +35242,6 @@
     <ds:schemaRef ds:uri="http://purl.org/dc/dcmitype/"/>
     <ds:schemaRef ds:uri="http://schemas.microsoft.com/office/infopath/2007/PartnerControls"/>
     <ds:schemaRef ds:uri="http://schemas.microsoft.com/office/2006/metadata/properties"/>
-  </ds:schemaRefs>
-</ds:datastoreItem>
-</file>
-
-<file path=customXml/itemProps2.xml><?xml version="1.0" encoding="utf-8"?>
-<ds:datastoreItem xmlns:ds="http://schemas.openxmlformats.org/officeDocument/2006/customXml" ds:itemID="{0E265FB1-6595-466A-9A0F-D3A2C10053AB}">
-  <ds:schemaRefs>
-    <ds:schemaRef ds:uri="http://schemas.microsoft.com/sharepoint/v3/contenttype/forms"/>
   </ds:schemaRefs>
 </ds:datastoreItem>
 </file>
